--- a/08. Presentaciones/Presentación 5 Parcial - 17.10.17.pptx
+++ b/08. Presentaciones/Presentación 5 Parcial - 17.10.17.pptx
@@ -5,10 +5,10 @@
     <p:sldMasterId id="2147483696" r:id="rId1"/>
   </p:sldMasterIdLst>
   <p:notesMasterIdLst>
-    <p:notesMasterId r:id="rId13"/>
+    <p:notesMasterId r:id="rId16"/>
   </p:notesMasterIdLst>
   <p:handoutMasterIdLst>
-    <p:handoutMasterId r:id="rId14"/>
+    <p:handoutMasterId r:id="rId17"/>
   </p:handoutMasterIdLst>
   <p:sldIdLst>
     <p:sldId id="277" r:id="rId2"/>
@@ -22,6 +22,9 @@
     <p:sldId id="291" r:id="rId10"/>
     <p:sldId id="292" r:id="rId11"/>
     <p:sldId id="293" r:id="rId12"/>
+    <p:sldId id="294" r:id="rId13"/>
+    <p:sldId id="295" r:id="rId14"/>
+    <p:sldId id="296" r:id="rId15"/>
   </p:sldIdLst>
   <p:sldSz cx="12192000" cy="6858000"/>
   <p:notesSz cx="6858000" cy="9144000"/>
@@ -122,7 +125,7 @@
   </p:defaultTextStyle>
   <p:extLst>
     <p:ext uri="{EFAFB233-063F-42B5-8137-9DF3F51BA10A}">
-      <p15:sldGuideLst xmlns="" xmlns:p15="http://schemas.microsoft.com/office/powerpoint/2012/main">
+      <p15:sldGuideLst xmlns:p15="http://schemas.microsoft.com/office/powerpoint/2012/main" xmlns="">
         <p15:guide id="1" orient="horz" pos="2160">
           <p15:clr>
             <a:srgbClr val="A4A3A4"/>
@@ -301,7 +304,7 @@
     </p:spTree>
     <p:extLst>
       <p:ext uri="{BB962C8B-B14F-4D97-AF65-F5344CB8AC3E}">
-        <p14:creationId xmlns="" xmlns:p14="http://schemas.microsoft.com/office/powerpoint/2010/main" val="2830949299"/>
+        <p14:creationId xmlns:p14="http://schemas.microsoft.com/office/powerpoint/2010/main" xmlns="" val="2830949299"/>
       </p:ext>
     </p:extLst>
   </p:cSld>
@@ -565,7 +568,7 @@
     </p:spTree>
     <p:extLst>
       <p:ext uri="{BB962C8B-B14F-4D97-AF65-F5344CB8AC3E}">
-        <p14:creationId xmlns="" xmlns:p14="http://schemas.microsoft.com/office/powerpoint/2010/main" val="3361875708"/>
+        <p14:creationId xmlns:p14="http://schemas.microsoft.com/office/powerpoint/2010/main" xmlns="" val="3361875708"/>
       </p:ext>
     </p:extLst>
   </p:cSld>
@@ -918,7 +921,7 @@
     </p:spTree>
     <p:extLst>
       <p:ext uri="{BB962C8B-B14F-4D97-AF65-F5344CB8AC3E}">
-        <p14:creationId xmlns="" xmlns:p14="http://schemas.microsoft.com/office/powerpoint/2010/main" val="1072273061"/>
+        <p14:creationId xmlns:p14="http://schemas.microsoft.com/office/powerpoint/2010/main" xmlns="" val="1072273061"/>
       </p:ext>
     </p:extLst>
   </p:cSld>
@@ -1204,7 +1207,7 @@
     </p:spTree>
     <p:extLst>
       <p:ext uri="{BB962C8B-B14F-4D97-AF65-F5344CB8AC3E}">
-        <p14:creationId xmlns="" xmlns:p14="http://schemas.microsoft.com/office/powerpoint/2010/main" val="3444745824"/>
+        <p14:creationId xmlns:p14="http://schemas.microsoft.com/office/powerpoint/2010/main" xmlns="" val="3444745824"/>
       </p:ext>
     </p:extLst>
   </p:cSld>
@@ -1401,7 +1404,7 @@
     </p:spTree>
     <p:extLst>
       <p:ext uri="{BB962C8B-B14F-4D97-AF65-F5344CB8AC3E}">
-        <p14:creationId xmlns="" xmlns:p14="http://schemas.microsoft.com/office/powerpoint/2010/main" val="2217620014"/>
+        <p14:creationId xmlns:p14="http://schemas.microsoft.com/office/powerpoint/2010/main" xmlns="" val="2217620014"/>
       </p:ext>
     </p:extLst>
   </p:cSld>
@@ -1899,7 +1902,7 @@
     </p:spTree>
     <p:extLst>
       <p:ext uri="{BB962C8B-B14F-4D97-AF65-F5344CB8AC3E}">
-        <p14:creationId xmlns="" xmlns:p14="http://schemas.microsoft.com/office/powerpoint/2010/main" val="2136429344"/>
+        <p14:creationId xmlns:p14="http://schemas.microsoft.com/office/powerpoint/2010/main" xmlns="" val="2136429344"/>
       </p:ext>
     </p:extLst>
   </p:cSld>
@@ -2098,7 +2101,7 @@
     </p:spTree>
     <p:extLst>
       <p:ext uri="{BB962C8B-B14F-4D97-AF65-F5344CB8AC3E}">
-        <p14:creationId xmlns="" xmlns:p14="http://schemas.microsoft.com/office/powerpoint/2010/main" val="1401297368"/>
+        <p14:creationId xmlns:p14="http://schemas.microsoft.com/office/powerpoint/2010/main" xmlns="" val="1401297368"/>
       </p:ext>
     </p:extLst>
   </p:cSld>
@@ -2649,7 +2652,7 @@
     </p:spTree>
     <p:extLst>
       <p:ext uri="{BB962C8B-B14F-4D97-AF65-F5344CB8AC3E}">
-        <p14:creationId xmlns="" xmlns:p14="http://schemas.microsoft.com/office/powerpoint/2010/main" val="3581304418"/>
+        <p14:creationId xmlns:p14="http://schemas.microsoft.com/office/powerpoint/2010/main" xmlns="" val="3581304418"/>
       </p:ext>
     </p:extLst>
   </p:cSld>
@@ -3485,7 +3488,7 @@
     </p:spTree>
     <p:extLst>
       <p:ext uri="{BB962C8B-B14F-4D97-AF65-F5344CB8AC3E}">
-        <p14:creationId xmlns="" xmlns:p14="http://schemas.microsoft.com/office/powerpoint/2010/main" val="2434754427"/>
+        <p14:creationId xmlns:p14="http://schemas.microsoft.com/office/powerpoint/2010/main" xmlns="" val="2434754427"/>
       </p:ext>
     </p:extLst>
   </p:cSld>
@@ -3660,7 +3663,7 @@
     </p:spTree>
     <p:extLst>
       <p:ext uri="{BB962C8B-B14F-4D97-AF65-F5344CB8AC3E}">
-        <p14:creationId xmlns="" xmlns:p14="http://schemas.microsoft.com/office/powerpoint/2010/main" val="796553577"/>
+        <p14:creationId xmlns:p14="http://schemas.microsoft.com/office/powerpoint/2010/main" xmlns="" val="796553577"/>
       </p:ext>
     </p:extLst>
   </p:cSld>
@@ -3845,7 +3848,7 @@
     </p:spTree>
     <p:extLst>
       <p:ext uri="{BB962C8B-B14F-4D97-AF65-F5344CB8AC3E}">
-        <p14:creationId xmlns="" xmlns:p14="http://schemas.microsoft.com/office/powerpoint/2010/main" val="2178378210"/>
+        <p14:creationId xmlns:p14="http://schemas.microsoft.com/office/powerpoint/2010/main" xmlns="" val="2178378210"/>
       </p:ext>
     </p:extLst>
   </p:cSld>
@@ -4208,7 +4211,7 @@
           <a:blip r:embed="rId2">
             <a:extLst>
               <a:ext uri="{28A0092B-C50C-407E-A947-70E740481C1C}">
-                <a14:useLocalDpi xmlns="" xmlns:a14="http://schemas.microsoft.com/office/drawing/2010/main" val="0"/>
+                <a14:useLocalDpi xmlns:a14="http://schemas.microsoft.com/office/drawing/2010/main" xmlns="" val="0"/>
               </a:ext>
             </a:extLst>
           </a:blip>
@@ -4238,7 +4241,7 @@
           <a:blip r:embed="rId3" cstate="print">
             <a:extLst>
               <a:ext uri="{28A0092B-C50C-407E-A947-70E740481C1C}">
-                <a14:useLocalDpi xmlns="" xmlns:a14="http://schemas.microsoft.com/office/drawing/2010/main" val="0"/>
+                <a14:useLocalDpi xmlns:a14="http://schemas.microsoft.com/office/drawing/2010/main" xmlns="" val="0"/>
               </a:ext>
             </a:extLst>
           </a:blip>
@@ -4268,7 +4271,7 @@
           <a:blip r:embed="rId4" cstate="print">
             <a:extLst>
               <a:ext uri="{28A0092B-C50C-407E-A947-70E740481C1C}">
-                <a14:useLocalDpi xmlns="" xmlns:a14="http://schemas.microsoft.com/office/drawing/2010/main" val="0"/>
+                <a14:useLocalDpi xmlns:a14="http://schemas.microsoft.com/office/drawing/2010/main" xmlns="" val="0"/>
               </a:ext>
             </a:extLst>
           </a:blip>
@@ -4289,7 +4292,7 @@
     </p:spTree>
     <p:extLst>
       <p:ext uri="{BB962C8B-B14F-4D97-AF65-F5344CB8AC3E}">
-        <p14:creationId xmlns="" xmlns:p14="http://schemas.microsoft.com/office/powerpoint/2010/main" val="1987851363"/>
+        <p14:creationId xmlns:p14="http://schemas.microsoft.com/office/powerpoint/2010/main" xmlns="" val="1987851363"/>
       </p:ext>
     </p:extLst>
   </p:cSld>
@@ -4551,7 +4554,7 @@
     </p:spTree>
     <p:extLst>
       <p:ext uri="{BB962C8B-B14F-4D97-AF65-F5344CB8AC3E}">
-        <p14:creationId xmlns="" xmlns:p14="http://schemas.microsoft.com/office/powerpoint/2010/main" val="2343256160"/>
+        <p14:creationId xmlns:p14="http://schemas.microsoft.com/office/powerpoint/2010/main" xmlns="" val="2343256160"/>
       </p:ext>
     </p:extLst>
   </p:cSld>
@@ -4788,7 +4791,7 @@
     </p:spTree>
     <p:extLst>
       <p:ext uri="{BB962C8B-B14F-4D97-AF65-F5344CB8AC3E}">
-        <p14:creationId xmlns="" xmlns:p14="http://schemas.microsoft.com/office/powerpoint/2010/main" val="492701131"/>
+        <p14:creationId xmlns:p14="http://schemas.microsoft.com/office/powerpoint/2010/main" xmlns="" val="492701131"/>
       </p:ext>
     </p:extLst>
   </p:cSld>
@@ -5186,7 +5189,7 @@
     </p:spTree>
     <p:extLst>
       <p:ext uri="{BB962C8B-B14F-4D97-AF65-F5344CB8AC3E}">
-        <p14:creationId xmlns="" xmlns:p14="http://schemas.microsoft.com/office/powerpoint/2010/main" val="1192843996"/>
+        <p14:creationId xmlns:p14="http://schemas.microsoft.com/office/powerpoint/2010/main" xmlns="" val="1192843996"/>
       </p:ext>
     </p:extLst>
   </p:cSld>
@@ -5309,7 +5312,7 @@
     </p:spTree>
     <p:extLst>
       <p:ext uri="{BB962C8B-B14F-4D97-AF65-F5344CB8AC3E}">
-        <p14:creationId xmlns="" xmlns:p14="http://schemas.microsoft.com/office/powerpoint/2010/main" val="1497457452"/>
+        <p14:creationId xmlns:p14="http://schemas.microsoft.com/office/powerpoint/2010/main" xmlns="" val="1497457452"/>
       </p:ext>
     </p:extLst>
   </p:cSld>
@@ -5409,7 +5412,7 @@
     </p:spTree>
     <p:extLst>
       <p:ext uri="{BB962C8B-B14F-4D97-AF65-F5344CB8AC3E}">
-        <p14:creationId xmlns="" xmlns:p14="http://schemas.microsoft.com/office/powerpoint/2010/main" val="3150583799"/>
+        <p14:creationId xmlns:p14="http://schemas.microsoft.com/office/powerpoint/2010/main" xmlns="" val="3150583799"/>
       </p:ext>
     </p:extLst>
   </p:cSld>
@@ -5687,7 +5690,7 @@
     </p:spTree>
     <p:extLst>
       <p:ext uri="{BB962C8B-B14F-4D97-AF65-F5344CB8AC3E}">
-        <p14:creationId xmlns="" xmlns:p14="http://schemas.microsoft.com/office/powerpoint/2010/main" val="3101053053"/>
+        <p14:creationId xmlns:p14="http://schemas.microsoft.com/office/powerpoint/2010/main" xmlns="" val="3101053053"/>
       </p:ext>
     </p:extLst>
   </p:cSld>
@@ -5973,7 +5976,7 @@
     </p:spTree>
     <p:extLst>
       <p:ext uri="{BB962C8B-B14F-4D97-AF65-F5344CB8AC3E}">
-        <p14:creationId xmlns="" xmlns:p14="http://schemas.microsoft.com/office/powerpoint/2010/main" val="3053301401"/>
+        <p14:creationId xmlns:p14="http://schemas.microsoft.com/office/powerpoint/2010/main" xmlns="" val="3053301401"/>
       </p:ext>
     </p:extLst>
   </p:cSld>
@@ -6286,7 +6289,7 @@
     </p:spTree>
     <p:extLst>
       <p:ext uri="{BB962C8B-B14F-4D97-AF65-F5344CB8AC3E}">
-        <p14:creationId xmlns="" xmlns:p14="http://schemas.microsoft.com/office/powerpoint/2010/main" val="1640675034"/>
+        <p14:creationId xmlns:p14="http://schemas.microsoft.com/office/powerpoint/2010/main" xmlns="" val="1640675034"/>
       </p:ext>
     </p:extLst>
   </p:cSld>
@@ -6869,7 +6872,7 @@
           <a:blip r:embed="rId2" cstate="print">
             <a:extLst>
               <a:ext uri="{28A0092B-C50C-407E-A947-70E740481C1C}">
-                <a14:useLocalDpi xmlns="" xmlns:a14="http://schemas.microsoft.com/office/drawing/2010/main" val="0"/>
+                <a14:useLocalDpi xmlns:a14="http://schemas.microsoft.com/office/drawing/2010/main" xmlns="" val="0"/>
               </a:ext>
             </a:extLst>
           </a:blip>
@@ -6899,7 +6902,7 @@
           <a:blip r:embed="rId3" cstate="print">
             <a:extLst>
               <a:ext uri="{28A0092B-C50C-407E-A947-70E740481C1C}">
-                <a14:useLocalDpi xmlns="" xmlns:a14="http://schemas.microsoft.com/office/drawing/2010/main" val="0"/>
+                <a14:useLocalDpi xmlns:a14="http://schemas.microsoft.com/office/drawing/2010/main" xmlns="" val="0"/>
               </a:ext>
             </a:extLst>
           </a:blip>
@@ -6929,7 +6932,7 @@
           <a:blip r:embed="rId4" cstate="print">
             <a:extLst>
               <a:ext uri="{28A0092B-C50C-407E-A947-70E740481C1C}">
-                <a14:useLocalDpi xmlns="" xmlns:a14="http://schemas.microsoft.com/office/drawing/2010/main" val="0"/>
+                <a14:useLocalDpi xmlns:a14="http://schemas.microsoft.com/office/drawing/2010/main" xmlns="" val="0"/>
               </a:ext>
             </a:extLst>
           </a:blip>
@@ -6950,7 +6953,7 @@
     </p:spTree>
     <p:extLst>
       <p:ext uri="{BB962C8B-B14F-4D97-AF65-F5344CB8AC3E}">
-        <p14:creationId xmlns="" xmlns:p14="http://schemas.microsoft.com/office/powerpoint/2010/main" val="2194547385"/>
+        <p14:creationId xmlns:p14="http://schemas.microsoft.com/office/powerpoint/2010/main" xmlns="" val="2194547385"/>
       </p:ext>
     </p:extLst>
   </p:cSld>
@@ -6958,7 +6961,7 @@
     <a:masterClrMapping/>
   </p:clrMapOvr>
   <mc:AlternateContent xmlns:mc="http://schemas.openxmlformats.org/markup-compatibility/2006">
-    <mc:Choice xmlns="" xmlns:p14="http://schemas.microsoft.com/office/powerpoint/2010/main" Requires="p14">
+    <mc:Choice xmlns:p14="http://schemas.microsoft.com/office/powerpoint/2010/main" xmlns="" Requires="p14">
       <p:transition spd="med" p14:dur="700">
         <p:fade/>
       </p:transition>
@@ -7039,10 +7042,14 @@
           <a:lstStyle/>
           <a:p>
             <a:r>
-              <a:rPr lang="es-AR" smtClean="0"/>
-              <a:t>OYARZO Mariela – QUIROGA Sandra – MÁRQUEZ EMANUEL</a:t>
-            </a:r>
-            <a:endParaRPr lang="es-AR" dirty="0"/>
+              <a:rPr lang="es-AR" sz="1600" dirty="0" smtClean="0"/>
+              <a:t>OYARZO Mariela – QUIROGA Sandra – MÁRQUEZ </a:t>
+            </a:r>
+            <a:r>
+              <a:rPr lang="es-AR" sz="1600" dirty="0" smtClean="0"/>
+              <a:t>Emanuel</a:t>
+            </a:r>
+            <a:endParaRPr lang="es-AR" sz="1600" dirty="0"/>
           </a:p>
         </p:txBody>
       </p:sp>
@@ -7253,7 +7260,19 @@
           <a:p>
             <a:r>
               <a:rPr lang="es-AR" dirty="0" smtClean="0"/>
-              <a:t>Prototipo Pagina web</a:t>
+              <a:t>Prototipo </a:t>
+            </a:r>
+            <a:r>
+              <a:rPr lang="es-AR" dirty="0" smtClean="0"/>
+              <a:t>Página </a:t>
+            </a:r>
+            <a:r>
+              <a:rPr lang="es-AR" dirty="0" smtClean="0"/>
+              <a:t>W</a:t>
+            </a:r>
+            <a:r>
+              <a:rPr lang="es-AR" dirty="0" smtClean="0"/>
+              <a:t>eb</a:t>
             </a:r>
             <a:endParaRPr lang="es-AR" dirty="0"/>
           </a:p>
@@ -7275,10 +7294,14 @@
           <a:lstStyle/>
           <a:p>
             <a:r>
-              <a:rPr lang="es-AR" smtClean="0"/>
-              <a:t>OYARZO Mariela – QUIROGA Sandra – MÁRQUEZ EMANUEL</a:t>
-            </a:r>
-            <a:endParaRPr lang="es-AR" dirty="0"/>
+              <a:rPr lang="es-AR" sz="1600" dirty="0" smtClean="0"/>
+              <a:t>OYARZO Mariela – QUIROGA Sandra – MÁRQUEZ </a:t>
+            </a:r>
+            <a:r>
+              <a:rPr lang="es-AR" sz="1600" dirty="0" smtClean="0"/>
+              <a:t>Emanuel</a:t>
+            </a:r>
+            <a:endParaRPr lang="es-AR" sz="1600" dirty="0"/>
           </a:p>
         </p:txBody>
       </p:sp>
@@ -7306,6 +7329,450 @@
           </a:p>
         </p:txBody>
       </p:sp>
+      <p:pic>
+        <p:nvPicPr>
+          <p:cNvPr id="1026" name="Picture 2"/>
+          <p:cNvPicPr>
+            <a:picLocks noChangeAspect="1" noChangeArrowheads="1"/>
+          </p:cNvPicPr>
+          <p:nvPr/>
+        </p:nvPicPr>
+        <p:blipFill>
+          <a:blip r:embed="rId2"/>
+          <a:srcRect/>
+          <a:stretch>
+            <a:fillRect/>
+          </a:stretch>
+        </p:blipFill>
+        <p:spPr bwMode="auto">
+          <a:xfrm>
+            <a:off x="2475913" y="1448972"/>
+            <a:ext cx="7047915" cy="5050302"/>
+          </a:xfrm>
+          <a:prstGeom prst="rect">
+            <a:avLst/>
+          </a:prstGeom>
+          <a:noFill/>
+          <a:ln w="9525">
+            <a:noFill/>
+            <a:miter lim="800000"/>
+            <a:headEnd/>
+            <a:tailEnd/>
+          </a:ln>
+          <a:effectLst/>
+        </p:spPr>
+      </p:pic>
+    </p:spTree>
+  </p:cSld>
+  <p:clrMapOvr>
+    <a:masterClrMapping/>
+  </p:clrMapOvr>
+  <p:timing>
+    <p:tnLst>
+      <p:par>
+        <p:cTn id="1" dur="indefinite" restart="never" nodeType="tmRoot"/>
+      </p:par>
+    </p:tnLst>
+  </p:timing>
+</p:sld>
+</file>
+
+<file path=ppt/slides/slide12.xml><?xml version="1.0" encoding="utf-8"?>
+<p:sld xmlns:a="http://schemas.openxmlformats.org/drawingml/2006/main" xmlns:r="http://schemas.openxmlformats.org/officeDocument/2006/relationships" xmlns:p="http://schemas.openxmlformats.org/presentationml/2006/main">
+  <p:cSld>
+    <p:spTree>
+      <p:nvGrpSpPr>
+        <p:cNvPr id="1" name=""/>
+        <p:cNvGrpSpPr/>
+        <p:nvPr/>
+      </p:nvGrpSpPr>
+      <p:grpSpPr>
+        <a:xfrm>
+          <a:off x="0" y="0"/>
+          <a:ext cx="0" cy="0"/>
+          <a:chOff x="0" y="0"/>
+          <a:chExt cx="0" cy="0"/>
+        </a:xfrm>
+      </p:grpSpPr>
+      <p:sp>
+        <p:nvSpPr>
+          <p:cNvPr id="3" name="2 Título"/>
+          <p:cNvSpPr>
+            <a:spLocks noGrp="1"/>
+          </p:cNvSpPr>
+          <p:nvPr>
+            <p:ph type="title"/>
+          </p:nvPr>
+        </p:nvSpPr>
+        <p:spPr/>
+        <p:txBody>
+          <a:bodyPr/>
+          <a:lstStyle/>
+          <a:p>
+            <a:r>
+              <a:rPr lang="es-AR" dirty="0" smtClean="0"/>
+              <a:t>Prototipo Página Web</a:t>
+            </a:r>
+            <a:endParaRPr lang="es-AR" dirty="0"/>
+          </a:p>
+        </p:txBody>
+      </p:sp>
+      <p:sp>
+        <p:nvSpPr>
+          <p:cNvPr id="4" name="3 Marcador de pie de página"/>
+          <p:cNvSpPr>
+            <a:spLocks noGrp="1"/>
+          </p:cNvSpPr>
+          <p:nvPr>
+            <p:ph type="ftr" sz="quarter" idx="11"/>
+          </p:nvPr>
+        </p:nvSpPr>
+        <p:spPr/>
+        <p:txBody>
+          <a:bodyPr/>
+          <a:lstStyle/>
+          <a:p>
+            <a:r>
+              <a:rPr lang="es-AR" sz="1600" dirty="0" smtClean="0"/>
+              <a:t>OYARZO Mariela – QUIROGA Sandra – MÁRQUEZ Emanuel</a:t>
+            </a:r>
+            <a:endParaRPr lang="es-AR" sz="1600" dirty="0"/>
+          </a:p>
+        </p:txBody>
+      </p:sp>
+      <p:sp>
+        <p:nvSpPr>
+          <p:cNvPr id="5" name="4 Marcador de número de diapositiva"/>
+          <p:cNvSpPr>
+            <a:spLocks noGrp="1"/>
+          </p:cNvSpPr>
+          <p:nvPr>
+            <p:ph type="sldNum" sz="quarter" idx="12"/>
+          </p:nvPr>
+        </p:nvSpPr>
+        <p:spPr/>
+        <p:txBody>
+          <a:bodyPr/>
+          <a:lstStyle/>
+          <a:p>
+            <a:fld id="{779E3280-5C43-43EF-BE7D-8C553A58A779}" type="slidenum">
+              <a:rPr lang="es-AR" smtClean="0"/>
+              <a:pPr/>
+              <a:t>12</a:t>
+            </a:fld>
+            <a:endParaRPr lang="es-AR" dirty="0"/>
+          </a:p>
+        </p:txBody>
+      </p:sp>
+      <p:pic>
+        <p:nvPicPr>
+          <p:cNvPr id="2050" name="Picture 2"/>
+          <p:cNvPicPr>
+            <a:picLocks noGrp="1" noChangeAspect="1" noChangeArrowheads="1"/>
+          </p:cNvPicPr>
+          <p:nvPr>
+            <p:ph idx="1"/>
+          </p:nvPr>
+        </p:nvPicPr>
+        <p:blipFill>
+          <a:blip r:embed="rId2"/>
+          <a:srcRect/>
+          <a:stretch>
+            <a:fillRect/>
+          </a:stretch>
+        </p:blipFill>
+        <p:spPr bwMode="auto">
+          <a:xfrm>
+            <a:off x="2785403" y="1438275"/>
+            <a:ext cx="7005711" cy="5011738"/>
+          </a:xfrm>
+          <a:prstGeom prst="rect">
+            <a:avLst/>
+          </a:prstGeom>
+          <a:noFill/>
+          <a:ln w="9525">
+            <a:noFill/>
+            <a:miter lim="800000"/>
+            <a:headEnd/>
+            <a:tailEnd/>
+          </a:ln>
+          <a:effectLst/>
+        </p:spPr>
+      </p:pic>
+    </p:spTree>
+  </p:cSld>
+  <p:clrMapOvr>
+    <a:masterClrMapping/>
+  </p:clrMapOvr>
+  <p:timing>
+    <p:tnLst>
+      <p:par>
+        <p:cTn id="1" dur="indefinite" restart="never" nodeType="tmRoot"/>
+      </p:par>
+    </p:tnLst>
+  </p:timing>
+</p:sld>
+</file>
+
+<file path=ppt/slides/slide13.xml><?xml version="1.0" encoding="utf-8"?>
+<p:sld xmlns:a="http://schemas.openxmlformats.org/drawingml/2006/main" xmlns:r="http://schemas.openxmlformats.org/officeDocument/2006/relationships" xmlns:p="http://schemas.openxmlformats.org/presentationml/2006/main">
+  <p:cSld>
+    <p:spTree>
+      <p:nvGrpSpPr>
+        <p:cNvPr id="1" name=""/>
+        <p:cNvGrpSpPr/>
+        <p:nvPr/>
+      </p:nvGrpSpPr>
+      <p:grpSpPr>
+        <a:xfrm>
+          <a:off x="0" y="0"/>
+          <a:ext cx="0" cy="0"/>
+          <a:chOff x="0" y="0"/>
+          <a:chExt cx="0" cy="0"/>
+        </a:xfrm>
+      </p:grpSpPr>
+      <p:sp>
+        <p:nvSpPr>
+          <p:cNvPr id="3" name="2 Título"/>
+          <p:cNvSpPr>
+            <a:spLocks noGrp="1"/>
+          </p:cNvSpPr>
+          <p:nvPr>
+            <p:ph type="title"/>
+          </p:nvPr>
+        </p:nvSpPr>
+        <p:spPr/>
+        <p:txBody>
+          <a:bodyPr/>
+          <a:lstStyle/>
+          <a:p>
+            <a:r>
+              <a:rPr lang="es-AR" dirty="0" smtClean="0"/>
+              <a:t>Prototipo Página Web</a:t>
+            </a:r>
+            <a:endParaRPr lang="es-AR" dirty="0"/>
+          </a:p>
+        </p:txBody>
+      </p:sp>
+      <p:sp>
+        <p:nvSpPr>
+          <p:cNvPr id="4" name="3 Marcador de pie de página"/>
+          <p:cNvSpPr>
+            <a:spLocks noGrp="1"/>
+          </p:cNvSpPr>
+          <p:nvPr>
+            <p:ph type="ftr" sz="quarter" idx="11"/>
+          </p:nvPr>
+        </p:nvSpPr>
+        <p:spPr/>
+        <p:txBody>
+          <a:bodyPr/>
+          <a:lstStyle/>
+          <a:p>
+            <a:r>
+              <a:rPr lang="es-AR" sz="1600" dirty="0" smtClean="0"/>
+              <a:t>OYARZO Mariela – QUIROGA Sandra – MÁRQUEZ Emanuel</a:t>
+            </a:r>
+            <a:endParaRPr lang="es-AR" sz="1600" dirty="0"/>
+          </a:p>
+        </p:txBody>
+      </p:sp>
+      <p:sp>
+        <p:nvSpPr>
+          <p:cNvPr id="5" name="4 Marcador de número de diapositiva"/>
+          <p:cNvSpPr>
+            <a:spLocks noGrp="1"/>
+          </p:cNvSpPr>
+          <p:nvPr>
+            <p:ph type="sldNum" sz="quarter" idx="12"/>
+          </p:nvPr>
+        </p:nvSpPr>
+        <p:spPr/>
+        <p:txBody>
+          <a:bodyPr/>
+          <a:lstStyle/>
+          <a:p>
+            <a:fld id="{779E3280-5C43-43EF-BE7D-8C553A58A779}" type="slidenum">
+              <a:rPr lang="es-AR" smtClean="0"/>
+              <a:pPr/>
+              <a:t>13</a:t>
+            </a:fld>
+            <a:endParaRPr lang="es-AR" dirty="0"/>
+          </a:p>
+        </p:txBody>
+      </p:sp>
+      <p:pic>
+        <p:nvPicPr>
+          <p:cNvPr id="3074" name="Picture 2"/>
+          <p:cNvPicPr>
+            <a:picLocks noGrp="1" noChangeAspect="1" noChangeArrowheads="1"/>
+          </p:cNvPicPr>
+          <p:nvPr>
+            <p:ph idx="1"/>
+          </p:nvPr>
+        </p:nvPicPr>
+        <p:blipFill>
+          <a:blip r:embed="rId2"/>
+          <a:srcRect/>
+          <a:stretch>
+            <a:fillRect/>
+          </a:stretch>
+        </p:blipFill>
+        <p:spPr bwMode="auto">
+          <a:xfrm>
+            <a:off x="2960488" y="1438275"/>
+            <a:ext cx="6264673" cy="5011738"/>
+          </a:xfrm>
+          <a:prstGeom prst="rect">
+            <a:avLst/>
+          </a:prstGeom>
+          <a:noFill/>
+          <a:ln w="9525">
+            <a:noFill/>
+            <a:miter lim="800000"/>
+            <a:headEnd/>
+            <a:tailEnd/>
+          </a:ln>
+          <a:effectLst/>
+        </p:spPr>
+      </p:pic>
+    </p:spTree>
+  </p:cSld>
+  <p:clrMapOvr>
+    <a:masterClrMapping/>
+  </p:clrMapOvr>
+  <p:timing>
+    <p:tnLst>
+      <p:par>
+        <p:cTn id="1" dur="indefinite" restart="never" nodeType="tmRoot"/>
+      </p:par>
+    </p:tnLst>
+  </p:timing>
+</p:sld>
+</file>
+
+<file path=ppt/slides/slide14.xml><?xml version="1.0" encoding="utf-8"?>
+<p:sld xmlns:a="http://schemas.openxmlformats.org/drawingml/2006/main" xmlns:r="http://schemas.openxmlformats.org/officeDocument/2006/relationships" xmlns:p="http://schemas.openxmlformats.org/presentationml/2006/main">
+  <p:cSld>
+    <p:spTree>
+      <p:nvGrpSpPr>
+        <p:cNvPr id="1" name=""/>
+        <p:cNvGrpSpPr/>
+        <p:nvPr/>
+      </p:nvGrpSpPr>
+      <p:grpSpPr>
+        <a:xfrm>
+          <a:off x="0" y="0"/>
+          <a:ext cx="0" cy="0"/>
+          <a:chOff x="0" y="0"/>
+          <a:chExt cx="0" cy="0"/>
+        </a:xfrm>
+      </p:grpSpPr>
+      <p:sp>
+        <p:nvSpPr>
+          <p:cNvPr id="3" name="2 Título"/>
+          <p:cNvSpPr>
+            <a:spLocks noGrp="1"/>
+          </p:cNvSpPr>
+          <p:nvPr>
+            <p:ph type="title"/>
+          </p:nvPr>
+        </p:nvSpPr>
+        <p:spPr/>
+        <p:txBody>
+          <a:bodyPr/>
+          <a:lstStyle/>
+          <a:p>
+            <a:r>
+              <a:rPr lang="es-AR" dirty="0" smtClean="0"/>
+              <a:t>Prototipo Página Web</a:t>
+            </a:r>
+            <a:endParaRPr lang="es-AR" dirty="0"/>
+          </a:p>
+        </p:txBody>
+      </p:sp>
+      <p:sp>
+        <p:nvSpPr>
+          <p:cNvPr id="4" name="3 Marcador de pie de página"/>
+          <p:cNvSpPr>
+            <a:spLocks noGrp="1"/>
+          </p:cNvSpPr>
+          <p:nvPr>
+            <p:ph type="ftr" sz="quarter" idx="11"/>
+          </p:nvPr>
+        </p:nvSpPr>
+        <p:spPr/>
+        <p:txBody>
+          <a:bodyPr/>
+          <a:lstStyle/>
+          <a:p>
+            <a:r>
+              <a:rPr lang="es-AR" sz="1600" dirty="0" smtClean="0"/>
+              <a:t>OYARZO Mariela – QUIROGA Sandra – MÁRQUEZ Emanuel</a:t>
+            </a:r>
+            <a:endParaRPr lang="es-AR" sz="1600" dirty="0"/>
+          </a:p>
+        </p:txBody>
+      </p:sp>
+      <p:sp>
+        <p:nvSpPr>
+          <p:cNvPr id="5" name="4 Marcador de número de diapositiva"/>
+          <p:cNvSpPr>
+            <a:spLocks noGrp="1"/>
+          </p:cNvSpPr>
+          <p:nvPr>
+            <p:ph type="sldNum" sz="quarter" idx="12"/>
+          </p:nvPr>
+        </p:nvSpPr>
+        <p:spPr/>
+        <p:txBody>
+          <a:bodyPr/>
+          <a:lstStyle/>
+          <a:p>
+            <a:fld id="{779E3280-5C43-43EF-BE7D-8C553A58A779}" type="slidenum">
+              <a:rPr lang="es-AR" smtClean="0"/>
+              <a:pPr/>
+              <a:t>14</a:t>
+            </a:fld>
+            <a:endParaRPr lang="es-AR" dirty="0"/>
+          </a:p>
+        </p:txBody>
+      </p:sp>
+      <p:pic>
+        <p:nvPicPr>
+          <p:cNvPr id="4098" name="Picture 2"/>
+          <p:cNvPicPr>
+            <a:picLocks noGrp="1" noChangeAspect="1" noChangeArrowheads="1"/>
+          </p:cNvPicPr>
+          <p:nvPr>
+            <p:ph idx="1"/>
+          </p:nvPr>
+        </p:nvPicPr>
+        <p:blipFill>
+          <a:blip r:embed="rId2"/>
+          <a:srcRect/>
+          <a:stretch>
+            <a:fillRect/>
+          </a:stretch>
+        </p:blipFill>
+        <p:spPr bwMode="auto">
+          <a:xfrm>
+            <a:off x="2960488" y="1438275"/>
+            <a:ext cx="6264673" cy="5011738"/>
+          </a:xfrm>
+          <a:prstGeom prst="rect">
+            <a:avLst/>
+          </a:prstGeom>
+          <a:noFill/>
+          <a:ln w="9525">
+            <a:noFill/>
+            <a:miter lim="800000"/>
+            <a:headEnd/>
+            <a:tailEnd/>
+          </a:ln>
+          <a:effectLst/>
+        </p:spPr>
+      </p:pic>
     </p:spTree>
   </p:cSld>
   <p:clrMapOvr>
@@ -7358,15 +7825,7 @@
             </a:pPr>
             <a:r>
               <a:rPr lang="es-ES" dirty="0" smtClean="0"/>
-              <a:t>Se realiza </a:t>
-            </a:r>
-            <a:r>
-              <a:rPr lang="es-ES" dirty="0" smtClean="0"/>
-              <a:t>la </a:t>
-            </a:r>
-            <a:r>
-              <a:rPr lang="es-ES" dirty="0" smtClean="0"/>
-              <a:t>presentación del proyecto asignado en el marco de la asignatura Laboratorio de Desarrollo de Software, correspondiente a las carreras Analista y Licenciatura en Sistemas, año 2017. </a:t>
+              <a:t>Se realiza la presentación del proyecto asignado en el marco de la asignatura Laboratorio de Desarrollo de Software, correspondiente a las carreras Analista y Licenciatura en Sistemas, año 2017. </a:t>
             </a:r>
           </a:p>
           <a:p>
@@ -7391,7 +7850,6 @@
               <a:rPr lang="es-ES" dirty="0" smtClean="0"/>
               <a:t>Plan de riesgos.</a:t>
             </a:r>
-            <a:endParaRPr lang="es-ES" dirty="0" smtClean="0"/>
           </a:p>
           <a:p>
             <a:pPr marL="514350" indent="-514350">
@@ -7402,7 +7860,6 @@
               <a:rPr lang="es-ES" dirty="0" smtClean="0"/>
               <a:t>Estimación de la Iteración .</a:t>
             </a:r>
-            <a:endParaRPr lang="es-ES" dirty="0" smtClean="0"/>
           </a:p>
           <a:p>
             <a:pPr marL="514350" indent="-514350">
@@ -7413,7 +7870,6 @@
               <a:rPr lang="es-ES" dirty="0" smtClean="0"/>
               <a:t>Prototipo.</a:t>
             </a:r>
-            <a:endParaRPr lang="es-ES" dirty="0" smtClean="0"/>
           </a:p>
           <a:p>
             <a:pPr marL="514350" indent="-514350">
@@ -7424,7 +7880,6 @@
               <a:rPr lang="es-ES" dirty="0" smtClean="0"/>
               <a:t>UARGFLOW e Ionic Funcional.</a:t>
             </a:r>
-            <a:endParaRPr lang="es-ES" dirty="0" smtClean="0"/>
           </a:p>
         </p:txBody>
       </p:sp>
@@ -7467,10 +7922,14 @@
           <a:lstStyle/>
           <a:p>
             <a:r>
-              <a:rPr lang="es-AR" smtClean="0"/>
-              <a:t>OYARZO Mariela – QUIROGA Sandra – MÁRQUEZ EMANUEL</a:t>
-            </a:r>
-            <a:endParaRPr lang="es-AR" dirty="0"/>
+              <a:rPr lang="es-AR" sz="1600" dirty="0" smtClean="0"/>
+              <a:t>OYARZO Mariela – QUIROGA Sandra – </a:t>
+            </a:r>
+            <a:r>
+              <a:rPr lang="es-AR" sz="1600" dirty="0" smtClean="0"/>
+              <a:t>MÁRQUEZ Emanuel</a:t>
+            </a:r>
+            <a:endParaRPr lang="es-AR" sz="1600" dirty="0"/>
           </a:p>
         </p:txBody>
       </p:sp>
@@ -7699,7 +8158,7 @@
     </p:spTree>
     <p:extLst>
       <p:ext uri="{BB962C8B-B14F-4D97-AF65-F5344CB8AC3E}">
-        <p14:creationId xmlns="" xmlns:p14="http://schemas.microsoft.com/office/powerpoint/2010/main" val="51523331"/>
+        <p14:creationId xmlns:p14="http://schemas.microsoft.com/office/powerpoint/2010/main" xmlns="" val="51523331"/>
       </p:ext>
     </p:extLst>
   </p:cSld>
@@ -7707,7 +8166,7 @@
     <a:masterClrMapping/>
   </p:clrMapOvr>
   <mc:AlternateContent xmlns:mc="http://schemas.openxmlformats.org/markup-compatibility/2006">
-    <mc:Choice xmlns="" xmlns:p14="http://schemas.microsoft.com/office/powerpoint/2010/main" Requires="p14">
+    <mc:Choice xmlns:p14="http://schemas.microsoft.com/office/powerpoint/2010/main" xmlns="" Requires="p14">
       <p:transition spd="slow" p14:dur="3400">
         <p14:reveal/>
       </p:transition>
@@ -7921,7 +8380,7 @@
     </p:spTree>
     <p:extLst>
       <p:ext uri="{BB962C8B-B14F-4D97-AF65-F5344CB8AC3E}">
-        <p14:creationId xmlns="" xmlns:p14="http://schemas.microsoft.com/office/powerpoint/2010/main" val="51523331"/>
+        <p14:creationId xmlns:p14="http://schemas.microsoft.com/office/powerpoint/2010/main" xmlns="" val="51523331"/>
       </p:ext>
     </p:extLst>
   </p:cSld>
@@ -7929,7 +8388,7 @@
     <a:masterClrMapping/>
   </p:clrMapOvr>
   <mc:AlternateContent xmlns:mc="http://schemas.openxmlformats.org/markup-compatibility/2006">
-    <mc:Choice xmlns="" xmlns:p14="http://schemas.microsoft.com/office/powerpoint/2010/main" Requires="p14">
+    <mc:Choice xmlns:p14="http://schemas.microsoft.com/office/powerpoint/2010/main" xmlns="" Requires="p14">
       <p:transition spd="slow" p14:dur="3400">
         <p14:reveal/>
       </p:transition>
@@ -8006,10 +8465,10 @@
           <a:lstStyle/>
           <a:p>
             <a:r>
-              <a:rPr lang="es-AR" dirty="0" smtClean="0"/>
+              <a:rPr lang="es-AR" sz="1600" dirty="0" smtClean="0"/>
               <a:t>OYARZO Mariela – QUIROGA Sandra – MÁRQUEZ Emanuel</a:t>
             </a:r>
-            <a:endParaRPr lang="es-AR" dirty="0"/>
+            <a:endParaRPr lang="es-AR" sz="1600" dirty="0"/>
           </a:p>
         </p:txBody>
       </p:sp>
@@ -8075,7 +8534,7 @@
     </p:spTree>
     <p:extLst>
       <p:ext uri="{BB962C8B-B14F-4D97-AF65-F5344CB8AC3E}">
-        <p14:creationId xmlns="" xmlns:p14="http://schemas.microsoft.com/office/powerpoint/2010/main" val="51523331"/>
+        <p14:creationId xmlns:p14="http://schemas.microsoft.com/office/powerpoint/2010/main" xmlns="" val="51523331"/>
       </p:ext>
     </p:extLst>
   </p:cSld>
@@ -8083,7 +8542,7 @@
     <a:masterClrMapping/>
   </p:clrMapOvr>
   <mc:AlternateContent xmlns:mc="http://schemas.openxmlformats.org/markup-compatibility/2006">
-    <mc:Choice xmlns="" xmlns:p14="http://schemas.microsoft.com/office/powerpoint/2010/main" Requires="p14">
+    <mc:Choice xmlns:p14="http://schemas.microsoft.com/office/powerpoint/2010/main" xmlns="" Requires="p14">
       <p:transition spd="slow" p14:dur="3400">
         <p14:reveal/>
       </p:transition>
@@ -8160,10 +8619,10 @@
           <a:lstStyle/>
           <a:p>
             <a:r>
-              <a:rPr lang="es-AR" dirty="0" smtClean="0"/>
+              <a:rPr lang="es-AR" sz="1600" dirty="0" smtClean="0"/>
               <a:t>OYARZO Mariela – QUIROGA Sandra – MÁRQUEZ Emanuel</a:t>
             </a:r>
-            <a:endParaRPr lang="es-AR" dirty="0"/>
+            <a:endParaRPr lang="es-AR" sz="1600" dirty="0"/>
           </a:p>
         </p:txBody>
       </p:sp>
@@ -8229,7 +8688,7 @@
     </p:spTree>
     <p:extLst>
       <p:ext uri="{BB962C8B-B14F-4D97-AF65-F5344CB8AC3E}">
-        <p14:creationId xmlns="" xmlns:p14="http://schemas.microsoft.com/office/powerpoint/2010/main" val="51523331"/>
+        <p14:creationId xmlns:p14="http://schemas.microsoft.com/office/powerpoint/2010/main" xmlns="" val="51523331"/>
       </p:ext>
     </p:extLst>
   </p:cSld>
@@ -8237,7 +8696,7 @@
     <a:masterClrMapping/>
   </p:clrMapOvr>
   <mc:AlternateContent xmlns:mc="http://schemas.openxmlformats.org/markup-compatibility/2006">
-    <mc:Choice xmlns="" xmlns:p14="http://schemas.microsoft.com/office/powerpoint/2010/main" Requires="p14">
+    <mc:Choice xmlns:p14="http://schemas.microsoft.com/office/powerpoint/2010/main" xmlns="" Requires="p14">
       <p:transition spd="slow" p14:dur="3400">
         <p14:reveal/>
       </p:transition>
@@ -8314,10 +8773,14 @@
           <a:lstStyle/>
           <a:p>
             <a:r>
-              <a:rPr lang="es-AR" smtClean="0"/>
-              <a:t>OYARZO Mariela – QUIROGA Sandra – MÁRQUEZ EMANUEL</a:t>
-            </a:r>
-            <a:endParaRPr lang="es-AR" dirty="0"/>
+              <a:rPr lang="es-AR" sz="1600" dirty="0" smtClean="0"/>
+              <a:t>OYARZO Mariela – QUIROGA Sandra – MÁRQUEZ </a:t>
+            </a:r>
+            <a:r>
+              <a:rPr lang="es-AR" sz="1600" dirty="0" smtClean="0"/>
+              <a:t>Emanuel</a:t>
+            </a:r>
+            <a:endParaRPr lang="es-AR" sz="1600" dirty="0"/>
           </a:p>
         </p:txBody>
       </p:sp>
@@ -8385,6 +8848,13 @@
   <p:clrMapOvr>
     <a:masterClrMapping/>
   </p:clrMapOvr>
+  <p:timing>
+    <p:tnLst>
+      <p:par>
+        <p:cTn id="1" dur="indefinite" restart="never" nodeType="tmRoot"/>
+      </p:par>
+    </p:tnLst>
+  </p:timing>
 </p:sld>
 </file>
 
@@ -8463,10 +8933,14 @@
           <a:lstStyle/>
           <a:p>
             <a:r>
-              <a:rPr lang="es-AR" smtClean="0"/>
-              <a:t>OYARZO Mariela – QUIROGA Sandra – MÁRQUEZ EMANUEL</a:t>
-            </a:r>
-            <a:endParaRPr lang="es-AR" dirty="0"/>
+              <a:rPr lang="es-AR" sz="1600" dirty="0" smtClean="0"/>
+              <a:t>OYARZO Mariela – QUIROGA Sandra – MÁRQUEZ </a:t>
+            </a:r>
+            <a:r>
+              <a:rPr lang="es-AR" sz="1600" dirty="0" smtClean="0"/>
+              <a:t>Emanuel</a:t>
+            </a:r>
+            <a:endParaRPr lang="es-AR" sz="1600" dirty="0"/>
           </a:p>
         </p:txBody>
       </p:sp>
@@ -8499,6 +8973,13 @@
   <p:clrMapOvr>
     <a:masterClrMapping/>
   </p:clrMapOvr>
+  <p:timing>
+    <p:tnLst>
+      <p:par>
+        <p:cTn id="1" dur="indefinite" restart="never" nodeType="tmRoot"/>
+      </p:par>
+    </p:tnLst>
+  </p:timing>
 </p:sld>
 </file>
 
@@ -8562,10 +9043,14 @@
           <a:lstStyle/>
           <a:p>
             <a:r>
-              <a:rPr lang="es-AR" smtClean="0"/>
-              <a:t>OYARZO Mariela – QUIROGA Sandra – MÁRQUEZ EMANUEL</a:t>
-            </a:r>
-            <a:endParaRPr lang="es-AR" dirty="0"/>
+              <a:rPr lang="es-AR" sz="1600" dirty="0" smtClean="0"/>
+              <a:t>OYARZO Mariela – QUIROGA Sandra – MÁRQUEZ </a:t>
+            </a:r>
+            <a:r>
+              <a:rPr lang="es-AR" sz="1600" dirty="0" smtClean="0"/>
+              <a:t>Emanuel</a:t>
+            </a:r>
+            <a:endParaRPr lang="es-AR" sz="1600" dirty="0"/>
           </a:p>
         </p:txBody>
       </p:sp>
@@ -8989,7 +9474,7 @@
   <a:extraClrSchemeLst/>
   <a:extLst>
     <a:ext uri="{05A4C25C-085E-4340-85A3-A5531E510DB2}">
-      <thm15:themeFamily xmlns="" xmlns:thm15="http://schemas.microsoft.com/office/thememl/2012/main" name="Depth" id="{7BEAFC2A-325C-49C4-AC08-2B765DA903F9}" vid="{1735E755-43E6-43AA-ABA2-C989ECC79AF5}"/>
+      <thm15:themeFamily xmlns:thm15="http://schemas.microsoft.com/office/thememl/2012/main" xmlns="" name="Depth" id="{7BEAFC2A-325C-49C4-AC08-2B765DA903F9}" vid="{1735E755-43E6-43AA-ABA2-C989ECC79AF5}"/>
     </a:ext>
   </a:extLst>
 </a:theme>

--- a/08. Presentaciones/Presentación 5 Parcial - 17.10.17.pptx
+++ b/08. Presentaciones/Presentación 5 Parcial - 17.10.17.pptx
@@ -5,10 +5,10 @@
     <p:sldMasterId id="2147483696" r:id="rId1"/>
   </p:sldMasterIdLst>
   <p:notesMasterIdLst>
-    <p:notesMasterId r:id="rId16"/>
+    <p:notesMasterId r:id="rId21"/>
   </p:notesMasterIdLst>
   <p:handoutMasterIdLst>
-    <p:handoutMasterId r:id="rId17"/>
+    <p:handoutMasterId r:id="rId22"/>
   </p:handoutMasterIdLst>
   <p:sldIdLst>
     <p:sldId id="277" r:id="rId2"/>
@@ -19,12 +19,17 @@
     <p:sldId id="284" r:id="rId7"/>
     <p:sldId id="285" r:id="rId8"/>
     <p:sldId id="290" r:id="rId9"/>
-    <p:sldId id="291" r:id="rId10"/>
-    <p:sldId id="292" r:id="rId11"/>
-    <p:sldId id="293" r:id="rId12"/>
-    <p:sldId id="294" r:id="rId13"/>
-    <p:sldId id="295" r:id="rId14"/>
-    <p:sldId id="296" r:id="rId15"/>
+    <p:sldId id="297" r:id="rId10"/>
+    <p:sldId id="298" r:id="rId11"/>
+    <p:sldId id="299" r:id="rId12"/>
+    <p:sldId id="300" r:id="rId13"/>
+    <p:sldId id="301" r:id="rId14"/>
+    <p:sldId id="291" r:id="rId15"/>
+    <p:sldId id="292" r:id="rId16"/>
+    <p:sldId id="293" r:id="rId17"/>
+    <p:sldId id="294" r:id="rId18"/>
+    <p:sldId id="295" r:id="rId19"/>
+    <p:sldId id="296" r:id="rId20"/>
   </p:sldIdLst>
   <p:sldSz cx="12192000" cy="6858000"/>
   <p:notesSz cx="6858000" cy="9144000"/>
@@ -125,7 +130,7 @@
   </p:defaultTextStyle>
   <p:extLst>
     <p:ext uri="{EFAFB233-063F-42B5-8137-9DF3F51BA10A}">
-      <p15:sldGuideLst xmlns:p15="http://schemas.microsoft.com/office/powerpoint/2012/main" xmlns="">
+      <p15:sldGuideLst xmlns="" xmlns:p15="http://schemas.microsoft.com/office/powerpoint/2012/main">
         <p15:guide id="1" orient="horz" pos="2160">
           <p15:clr>
             <a:srgbClr val="A4A3A4"/>
@@ -304,7 +309,7 @@
     </p:spTree>
     <p:extLst>
       <p:ext uri="{BB962C8B-B14F-4D97-AF65-F5344CB8AC3E}">
-        <p14:creationId xmlns:p14="http://schemas.microsoft.com/office/powerpoint/2010/main" xmlns="" val="2830949299"/>
+        <p14:creationId xmlns="" xmlns:p14="http://schemas.microsoft.com/office/powerpoint/2010/main" val="2830949299"/>
       </p:ext>
     </p:extLst>
   </p:cSld>
@@ -568,7 +573,7 @@
     </p:spTree>
     <p:extLst>
       <p:ext uri="{BB962C8B-B14F-4D97-AF65-F5344CB8AC3E}">
-        <p14:creationId xmlns:p14="http://schemas.microsoft.com/office/powerpoint/2010/main" xmlns="" val="3361875708"/>
+        <p14:creationId xmlns="" xmlns:p14="http://schemas.microsoft.com/office/powerpoint/2010/main" val="3361875708"/>
       </p:ext>
     </p:extLst>
   </p:cSld>
@@ -921,7 +926,7 @@
     </p:spTree>
     <p:extLst>
       <p:ext uri="{BB962C8B-B14F-4D97-AF65-F5344CB8AC3E}">
-        <p14:creationId xmlns:p14="http://schemas.microsoft.com/office/powerpoint/2010/main" xmlns="" val="1072273061"/>
+        <p14:creationId xmlns="" xmlns:p14="http://schemas.microsoft.com/office/powerpoint/2010/main" val="1072273061"/>
       </p:ext>
     </p:extLst>
   </p:cSld>
@@ -1207,7 +1212,7 @@
     </p:spTree>
     <p:extLst>
       <p:ext uri="{BB962C8B-B14F-4D97-AF65-F5344CB8AC3E}">
-        <p14:creationId xmlns:p14="http://schemas.microsoft.com/office/powerpoint/2010/main" xmlns="" val="3444745824"/>
+        <p14:creationId xmlns="" xmlns:p14="http://schemas.microsoft.com/office/powerpoint/2010/main" val="3444745824"/>
       </p:ext>
     </p:extLst>
   </p:cSld>
@@ -1404,7 +1409,7 @@
     </p:spTree>
     <p:extLst>
       <p:ext uri="{BB962C8B-B14F-4D97-AF65-F5344CB8AC3E}">
-        <p14:creationId xmlns:p14="http://schemas.microsoft.com/office/powerpoint/2010/main" xmlns="" val="2217620014"/>
+        <p14:creationId xmlns="" xmlns:p14="http://schemas.microsoft.com/office/powerpoint/2010/main" val="2217620014"/>
       </p:ext>
     </p:extLst>
   </p:cSld>
@@ -1902,7 +1907,7 @@
     </p:spTree>
     <p:extLst>
       <p:ext uri="{BB962C8B-B14F-4D97-AF65-F5344CB8AC3E}">
-        <p14:creationId xmlns:p14="http://schemas.microsoft.com/office/powerpoint/2010/main" xmlns="" val="2136429344"/>
+        <p14:creationId xmlns="" xmlns:p14="http://schemas.microsoft.com/office/powerpoint/2010/main" val="2136429344"/>
       </p:ext>
     </p:extLst>
   </p:cSld>
@@ -2101,7 +2106,7 @@
     </p:spTree>
     <p:extLst>
       <p:ext uri="{BB962C8B-B14F-4D97-AF65-F5344CB8AC3E}">
-        <p14:creationId xmlns:p14="http://schemas.microsoft.com/office/powerpoint/2010/main" xmlns="" val="1401297368"/>
+        <p14:creationId xmlns="" xmlns:p14="http://schemas.microsoft.com/office/powerpoint/2010/main" val="1401297368"/>
       </p:ext>
     </p:extLst>
   </p:cSld>
@@ -2652,7 +2657,7 @@
     </p:spTree>
     <p:extLst>
       <p:ext uri="{BB962C8B-B14F-4D97-AF65-F5344CB8AC3E}">
-        <p14:creationId xmlns:p14="http://schemas.microsoft.com/office/powerpoint/2010/main" xmlns="" val="3581304418"/>
+        <p14:creationId xmlns="" xmlns:p14="http://schemas.microsoft.com/office/powerpoint/2010/main" val="3581304418"/>
       </p:ext>
     </p:extLst>
   </p:cSld>
@@ -3488,7 +3493,7 @@
     </p:spTree>
     <p:extLst>
       <p:ext uri="{BB962C8B-B14F-4D97-AF65-F5344CB8AC3E}">
-        <p14:creationId xmlns:p14="http://schemas.microsoft.com/office/powerpoint/2010/main" xmlns="" val="2434754427"/>
+        <p14:creationId xmlns="" xmlns:p14="http://schemas.microsoft.com/office/powerpoint/2010/main" val="2434754427"/>
       </p:ext>
     </p:extLst>
   </p:cSld>
@@ -3663,7 +3668,7 @@
     </p:spTree>
     <p:extLst>
       <p:ext uri="{BB962C8B-B14F-4D97-AF65-F5344CB8AC3E}">
-        <p14:creationId xmlns:p14="http://schemas.microsoft.com/office/powerpoint/2010/main" xmlns="" val="796553577"/>
+        <p14:creationId xmlns="" xmlns:p14="http://schemas.microsoft.com/office/powerpoint/2010/main" val="796553577"/>
       </p:ext>
     </p:extLst>
   </p:cSld>
@@ -3848,7 +3853,7 @@
     </p:spTree>
     <p:extLst>
       <p:ext uri="{BB962C8B-B14F-4D97-AF65-F5344CB8AC3E}">
-        <p14:creationId xmlns:p14="http://schemas.microsoft.com/office/powerpoint/2010/main" xmlns="" val="2178378210"/>
+        <p14:creationId xmlns="" xmlns:p14="http://schemas.microsoft.com/office/powerpoint/2010/main" val="2178378210"/>
       </p:ext>
     </p:extLst>
   </p:cSld>
@@ -4211,7 +4216,7 @@
           <a:blip r:embed="rId2">
             <a:extLst>
               <a:ext uri="{28A0092B-C50C-407E-A947-70E740481C1C}">
-                <a14:useLocalDpi xmlns:a14="http://schemas.microsoft.com/office/drawing/2010/main" xmlns="" val="0"/>
+                <a14:useLocalDpi xmlns="" xmlns:a14="http://schemas.microsoft.com/office/drawing/2010/main" val="0"/>
               </a:ext>
             </a:extLst>
           </a:blip>
@@ -4241,7 +4246,7 @@
           <a:blip r:embed="rId3" cstate="print">
             <a:extLst>
               <a:ext uri="{28A0092B-C50C-407E-A947-70E740481C1C}">
-                <a14:useLocalDpi xmlns:a14="http://schemas.microsoft.com/office/drawing/2010/main" xmlns="" val="0"/>
+                <a14:useLocalDpi xmlns="" xmlns:a14="http://schemas.microsoft.com/office/drawing/2010/main" val="0"/>
               </a:ext>
             </a:extLst>
           </a:blip>
@@ -4271,7 +4276,7 @@
           <a:blip r:embed="rId4" cstate="print">
             <a:extLst>
               <a:ext uri="{28A0092B-C50C-407E-A947-70E740481C1C}">
-                <a14:useLocalDpi xmlns:a14="http://schemas.microsoft.com/office/drawing/2010/main" xmlns="" val="0"/>
+                <a14:useLocalDpi xmlns="" xmlns:a14="http://schemas.microsoft.com/office/drawing/2010/main" val="0"/>
               </a:ext>
             </a:extLst>
           </a:blip>
@@ -4292,7 +4297,7 @@
     </p:spTree>
     <p:extLst>
       <p:ext uri="{BB962C8B-B14F-4D97-AF65-F5344CB8AC3E}">
-        <p14:creationId xmlns:p14="http://schemas.microsoft.com/office/powerpoint/2010/main" xmlns="" val="1987851363"/>
+        <p14:creationId xmlns="" xmlns:p14="http://schemas.microsoft.com/office/powerpoint/2010/main" val="1987851363"/>
       </p:ext>
     </p:extLst>
   </p:cSld>
@@ -4554,7 +4559,7 @@
     </p:spTree>
     <p:extLst>
       <p:ext uri="{BB962C8B-B14F-4D97-AF65-F5344CB8AC3E}">
-        <p14:creationId xmlns:p14="http://schemas.microsoft.com/office/powerpoint/2010/main" xmlns="" val="2343256160"/>
+        <p14:creationId xmlns="" xmlns:p14="http://schemas.microsoft.com/office/powerpoint/2010/main" val="2343256160"/>
       </p:ext>
     </p:extLst>
   </p:cSld>
@@ -4791,7 +4796,7 @@
     </p:spTree>
     <p:extLst>
       <p:ext uri="{BB962C8B-B14F-4D97-AF65-F5344CB8AC3E}">
-        <p14:creationId xmlns:p14="http://schemas.microsoft.com/office/powerpoint/2010/main" xmlns="" val="492701131"/>
+        <p14:creationId xmlns="" xmlns:p14="http://schemas.microsoft.com/office/powerpoint/2010/main" val="492701131"/>
       </p:ext>
     </p:extLst>
   </p:cSld>
@@ -5189,7 +5194,7 @@
     </p:spTree>
     <p:extLst>
       <p:ext uri="{BB962C8B-B14F-4D97-AF65-F5344CB8AC3E}">
-        <p14:creationId xmlns:p14="http://schemas.microsoft.com/office/powerpoint/2010/main" xmlns="" val="1192843996"/>
+        <p14:creationId xmlns="" xmlns:p14="http://schemas.microsoft.com/office/powerpoint/2010/main" val="1192843996"/>
       </p:ext>
     </p:extLst>
   </p:cSld>
@@ -5312,7 +5317,7 @@
     </p:spTree>
     <p:extLst>
       <p:ext uri="{BB962C8B-B14F-4D97-AF65-F5344CB8AC3E}">
-        <p14:creationId xmlns:p14="http://schemas.microsoft.com/office/powerpoint/2010/main" xmlns="" val="1497457452"/>
+        <p14:creationId xmlns="" xmlns:p14="http://schemas.microsoft.com/office/powerpoint/2010/main" val="1497457452"/>
       </p:ext>
     </p:extLst>
   </p:cSld>
@@ -5412,7 +5417,7 @@
     </p:spTree>
     <p:extLst>
       <p:ext uri="{BB962C8B-B14F-4D97-AF65-F5344CB8AC3E}">
-        <p14:creationId xmlns:p14="http://schemas.microsoft.com/office/powerpoint/2010/main" xmlns="" val="3150583799"/>
+        <p14:creationId xmlns="" xmlns:p14="http://schemas.microsoft.com/office/powerpoint/2010/main" val="3150583799"/>
       </p:ext>
     </p:extLst>
   </p:cSld>
@@ -5690,7 +5695,7 @@
     </p:spTree>
     <p:extLst>
       <p:ext uri="{BB962C8B-B14F-4D97-AF65-F5344CB8AC3E}">
-        <p14:creationId xmlns:p14="http://schemas.microsoft.com/office/powerpoint/2010/main" xmlns="" val="3101053053"/>
+        <p14:creationId xmlns="" xmlns:p14="http://schemas.microsoft.com/office/powerpoint/2010/main" val="3101053053"/>
       </p:ext>
     </p:extLst>
   </p:cSld>
@@ -5976,7 +5981,7 @@
     </p:spTree>
     <p:extLst>
       <p:ext uri="{BB962C8B-B14F-4D97-AF65-F5344CB8AC3E}">
-        <p14:creationId xmlns:p14="http://schemas.microsoft.com/office/powerpoint/2010/main" xmlns="" val="3053301401"/>
+        <p14:creationId xmlns="" xmlns:p14="http://schemas.microsoft.com/office/powerpoint/2010/main" val="3053301401"/>
       </p:ext>
     </p:extLst>
   </p:cSld>
@@ -6289,7 +6294,7 @@
     </p:spTree>
     <p:extLst>
       <p:ext uri="{BB962C8B-B14F-4D97-AF65-F5344CB8AC3E}">
-        <p14:creationId xmlns:p14="http://schemas.microsoft.com/office/powerpoint/2010/main" xmlns="" val="1640675034"/>
+        <p14:creationId xmlns="" xmlns:p14="http://schemas.microsoft.com/office/powerpoint/2010/main" val="1640675034"/>
       </p:ext>
     </p:extLst>
   </p:cSld>
@@ -6872,7 +6877,7 @@
           <a:blip r:embed="rId2" cstate="print">
             <a:extLst>
               <a:ext uri="{28A0092B-C50C-407E-A947-70E740481C1C}">
-                <a14:useLocalDpi xmlns:a14="http://schemas.microsoft.com/office/drawing/2010/main" xmlns="" val="0"/>
+                <a14:useLocalDpi xmlns="" xmlns:a14="http://schemas.microsoft.com/office/drawing/2010/main" val="0"/>
               </a:ext>
             </a:extLst>
           </a:blip>
@@ -6902,7 +6907,7 @@
           <a:blip r:embed="rId3" cstate="print">
             <a:extLst>
               <a:ext uri="{28A0092B-C50C-407E-A947-70E740481C1C}">
-                <a14:useLocalDpi xmlns:a14="http://schemas.microsoft.com/office/drawing/2010/main" xmlns="" val="0"/>
+                <a14:useLocalDpi xmlns="" xmlns:a14="http://schemas.microsoft.com/office/drawing/2010/main" val="0"/>
               </a:ext>
             </a:extLst>
           </a:blip>
@@ -6932,7 +6937,7 @@
           <a:blip r:embed="rId4" cstate="print">
             <a:extLst>
               <a:ext uri="{28A0092B-C50C-407E-A947-70E740481C1C}">
-                <a14:useLocalDpi xmlns:a14="http://schemas.microsoft.com/office/drawing/2010/main" xmlns="" val="0"/>
+                <a14:useLocalDpi xmlns="" xmlns:a14="http://schemas.microsoft.com/office/drawing/2010/main" val="0"/>
               </a:ext>
             </a:extLst>
           </a:blip>
@@ -6953,7 +6958,7 @@
     </p:spTree>
     <p:extLst>
       <p:ext uri="{BB962C8B-B14F-4D97-AF65-F5344CB8AC3E}">
-        <p14:creationId xmlns:p14="http://schemas.microsoft.com/office/powerpoint/2010/main" xmlns="" val="2194547385"/>
+        <p14:creationId xmlns="" xmlns:p14="http://schemas.microsoft.com/office/powerpoint/2010/main" val="2194547385"/>
       </p:ext>
     </p:extLst>
   </p:cSld>
@@ -6961,7 +6966,7 @@
     <a:masterClrMapping/>
   </p:clrMapOvr>
   <mc:AlternateContent xmlns:mc="http://schemas.openxmlformats.org/markup-compatibility/2006">
-    <mc:Choice xmlns:p14="http://schemas.microsoft.com/office/powerpoint/2010/main" xmlns="" Requires="p14">
+    <mc:Choice xmlns="" xmlns:p14="http://schemas.microsoft.com/office/powerpoint/2010/main" Requires="p14">
       <p:transition spd="med" p14:dur="700">
         <p:fade/>
       </p:transition>
@@ -7016,11 +7021,7 @@
           <a:p>
             <a:r>
               <a:rPr lang="es-AR" dirty="0" smtClean="0"/>
-              <a:t>Prototipo </a:t>
-            </a:r>
-            <a:r>
-              <a:rPr lang="es-AR" dirty="0" err="1" smtClean="0"/>
-              <a:t>App</a:t>
+              <a:t>Estimación de la Iteración</a:t>
             </a:r>
             <a:endParaRPr lang="es-AR" dirty="0"/>
           </a:p>
@@ -7042,14 +7043,10 @@
           <a:lstStyle/>
           <a:p>
             <a:r>
-              <a:rPr lang="es-AR" sz="1600" dirty="0" smtClean="0"/>
-              <a:t>OYARZO Mariela – QUIROGA Sandra – MÁRQUEZ </a:t>
-            </a:r>
-            <a:r>
-              <a:rPr lang="es-AR" sz="1600" dirty="0" smtClean="0"/>
-              <a:t>Emanuel</a:t>
-            </a:r>
-            <a:endParaRPr lang="es-AR" sz="1600" dirty="0"/>
+              <a:rPr lang="es-AR" smtClean="0"/>
+              <a:t>OYARZO Mariela – QUIROGA Sandra – MÁRQUEZ EMANUEL</a:t>
+            </a:r>
+            <a:endParaRPr lang="es-AR" dirty="0"/>
           </a:p>
         </p:txBody>
       </p:sp>
@@ -7072,6 +7069,1511 @@
               <a:rPr lang="es-AR" smtClean="0"/>
               <a:pPr/>
               <a:t>10</a:t>
+            </a:fld>
+            <a:endParaRPr lang="es-AR" dirty="0"/>
+          </a:p>
+        </p:txBody>
+      </p:sp>
+      <p:pic>
+        <p:nvPicPr>
+          <p:cNvPr id="36866" name="Picture 2"/>
+          <p:cNvPicPr>
+            <a:picLocks noGrp="1" noChangeAspect="1" noChangeArrowheads="1"/>
+          </p:cNvPicPr>
+          <p:nvPr>
+            <p:ph idx="1"/>
+          </p:nvPr>
+        </p:nvPicPr>
+        <p:blipFill>
+          <a:blip r:embed="rId2"/>
+          <a:srcRect/>
+          <a:stretch>
+            <a:fillRect/>
+          </a:stretch>
+        </p:blipFill>
+        <p:spPr bwMode="auto">
+          <a:xfrm>
+            <a:off x="2827606" y="1491175"/>
+            <a:ext cx="5570806" cy="2787784"/>
+          </a:xfrm>
+          <a:prstGeom prst="rect">
+            <a:avLst/>
+          </a:prstGeom>
+          <a:noFill/>
+          <a:ln w="9525">
+            <a:noFill/>
+            <a:miter lim="800000"/>
+            <a:headEnd/>
+            <a:tailEnd/>
+          </a:ln>
+          <a:effectLst/>
+        </p:spPr>
+      </p:pic>
+      <p:sp>
+        <p:nvSpPr>
+          <p:cNvPr id="36867" name="Rectangle 3"/>
+          <p:cNvSpPr>
+            <a:spLocks noChangeArrowheads="1"/>
+          </p:cNvSpPr>
+          <p:nvPr/>
+        </p:nvSpPr>
+        <p:spPr bwMode="auto">
+          <a:xfrm>
+            <a:off x="731521" y="4403188"/>
+            <a:ext cx="10452294" cy="1754326"/>
+          </a:xfrm>
+          <a:prstGeom prst="rect">
+            <a:avLst/>
+          </a:prstGeom>
+          <a:noFill/>
+          <a:ln w="9525">
+            <a:noFill/>
+            <a:miter lim="800000"/>
+            <a:headEnd/>
+            <a:tailEnd/>
+          </a:ln>
+          <a:effectLst/>
+        </p:spPr>
+        <p:txBody>
+          <a:bodyPr vert="horz" wrap="square" lIns="91440" tIns="45720" rIns="91440" bIns="45720" numCol="1" anchor="ctr" anchorCtr="0" compatLnSpc="1">
+            <a:prstTxWarp prst="textNoShape">
+              <a:avLst/>
+            </a:prstTxWarp>
+            <a:spAutoFit/>
+          </a:bodyPr>
+          <a:lstStyle/>
+          <a:p>
+            <a:pPr lvl="0" algn="just" eaLnBrk="0" fontAlgn="base" hangingPunct="0">
+              <a:spcBef>
+                <a:spcPct val="0"/>
+              </a:spcBef>
+              <a:spcAft>
+                <a:spcPct val="0"/>
+              </a:spcAft>
+            </a:pPr>
+            <a:r>
+              <a:rPr lang="es-AR" dirty="0" smtClean="0">
+                <a:solidFill>
+                  <a:schemeClr val="bg1"/>
+                </a:solidFill>
+                <a:ea typeface="Calibri" pitchFamily="34" charset="0"/>
+                <a:cs typeface="Times New Roman" pitchFamily="18" charset="0"/>
+              </a:rPr>
+              <a:t>Duración </a:t>
+            </a:r>
+            <a:r>
+              <a:rPr lang="es-AR" dirty="0" smtClean="0">
+                <a:solidFill>
+                  <a:schemeClr val="bg1"/>
+                </a:solidFill>
+                <a:ea typeface="Calibri" pitchFamily="34" charset="0"/>
+                <a:cs typeface="Times New Roman" pitchFamily="18" charset="0"/>
+              </a:rPr>
+              <a:t>en semanas para cada etapa considerando a un grupo de 3 personas </a:t>
+            </a:r>
+            <a:r>
+              <a:rPr lang="es-AR" dirty="0" err="1" smtClean="0">
+                <a:solidFill>
+                  <a:schemeClr val="bg1"/>
+                </a:solidFill>
+                <a:ea typeface="Calibri" pitchFamily="34" charset="0"/>
+                <a:cs typeface="Times New Roman" pitchFamily="18" charset="0"/>
+              </a:rPr>
+              <a:t>part</a:t>
+            </a:r>
+            <a:r>
+              <a:rPr lang="es-AR" dirty="0" smtClean="0">
+                <a:solidFill>
+                  <a:schemeClr val="bg1"/>
+                </a:solidFill>
+                <a:ea typeface="Calibri" pitchFamily="34" charset="0"/>
+                <a:cs typeface="Times New Roman" pitchFamily="18" charset="0"/>
+              </a:rPr>
+              <a:t>-time (60 horas semanales)</a:t>
+            </a:r>
+            <a:endParaRPr lang="es-AR" dirty="0" smtClean="0">
+              <a:solidFill>
+                <a:schemeClr val="bg1"/>
+              </a:solidFill>
+              <a:cs typeface="Arial" pitchFamily="34" charset="0"/>
+            </a:endParaRPr>
+          </a:p>
+          <a:p>
+            <a:pPr marL="0" marR="0" lvl="0" indent="0" algn="just" defTabSz="914400" rtl="0" eaLnBrk="1" fontAlgn="base" latinLnBrk="0" hangingPunct="1">
+              <a:lnSpc>
+                <a:spcPct val="100000"/>
+              </a:lnSpc>
+              <a:spcBef>
+                <a:spcPct val="0"/>
+              </a:spcBef>
+              <a:spcAft>
+                <a:spcPct val="0"/>
+              </a:spcAft>
+              <a:buClrTx/>
+              <a:buSzTx/>
+              <a:buFontTx/>
+              <a:buNone/>
+              <a:tabLst/>
+            </a:pPr>
+            <a:r>
+              <a:rPr kumimoji="0" lang="es-AR" b="1" i="1" u="sng" strike="noStrike" cap="none" normalizeH="0" baseline="0" dirty="0" smtClean="0">
+                <a:ln>
+                  <a:noFill/>
+                </a:ln>
+                <a:solidFill>
+                  <a:schemeClr val="bg1"/>
+                </a:solidFill>
+                <a:effectLst/>
+                <a:ea typeface="Calibri" pitchFamily="34" charset="0"/>
+                <a:cs typeface="Times New Roman" pitchFamily="18" charset="0"/>
+              </a:rPr>
+              <a:t>FORMULA</a:t>
+            </a:r>
+            <a:r>
+              <a:rPr kumimoji="0" lang="es-AR" b="0" i="0" u="none" strike="noStrike" cap="none" normalizeH="0" baseline="0" dirty="0" smtClean="0">
+                <a:ln>
+                  <a:noFill/>
+                </a:ln>
+                <a:solidFill>
+                  <a:schemeClr val="bg1"/>
+                </a:solidFill>
+                <a:effectLst/>
+                <a:ea typeface="Calibri" pitchFamily="34" charset="0"/>
+                <a:cs typeface="Times New Roman" pitchFamily="18" charset="0"/>
+              </a:rPr>
+              <a:t>: Total horas hombres / (horas semanales (</a:t>
+            </a:r>
+            <a:r>
+              <a:rPr kumimoji="0" lang="es-AR" b="0" i="0" u="none" strike="noStrike" cap="none" normalizeH="0" baseline="0" dirty="0" err="1" smtClean="0">
+                <a:ln>
+                  <a:noFill/>
+                </a:ln>
+                <a:solidFill>
+                  <a:schemeClr val="bg1"/>
+                </a:solidFill>
+                <a:effectLst/>
+                <a:ea typeface="Calibri" pitchFamily="34" charset="0"/>
+                <a:cs typeface="Times New Roman" pitchFamily="18" charset="0"/>
+              </a:rPr>
+              <a:t>part</a:t>
+            </a:r>
+            <a:r>
+              <a:rPr kumimoji="0" lang="es-AR" b="0" i="0" u="none" strike="noStrike" cap="none" normalizeH="0" baseline="0" dirty="0" smtClean="0">
+                <a:ln>
+                  <a:noFill/>
+                </a:ln>
+                <a:solidFill>
+                  <a:schemeClr val="bg1"/>
+                </a:solidFill>
+                <a:effectLst/>
+                <a:ea typeface="Calibri" pitchFamily="34" charset="0"/>
+                <a:cs typeface="Times New Roman" pitchFamily="18" charset="0"/>
+              </a:rPr>
+              <a:t>-time)*personas) =  semanas</a:t>
+            </a:r>
+            <a:endParaRPr kumimoji="0" lang="es-AR" b="0" i="0" u="none" strike="noStrike" cap="none" normalizeH="0" baseline="0" dirty="0" smtClean="0">
+              <a:ln>
+                <a:noFill/>
+              </a:ln>
+              <a:solidFill>
+                <a:schemeClr val="bg1"/>
+              </a:solidFill>
+              <a:effectLst/>
+              <a:cs typeface="Arial" pitchFamily="34" charset="0"/>
+            </a:endParaRPr>
+          </a:p>
+          <a:p>
+            <a:pPr marL="0" marR="0" lvl="0" indent="0" algn="just" defTabSz="914400" rtl="0" eaLnBrk="0" fontAlgn="base" latinLnBrk="0" hangingPunct="0">
+              <a:lnSpc>
+                <a:spcPct val="100000"/>
+              </a:lnSpc>
+              <a:spcBef>
+                <a:spcPct val="0"/>
+              </a:spcBef>
+              <a:spcAft>
+                <a:spcPct val="0"/>
+              </a:spcAft>
+              <a:buClrTx/>
+              <a:buSzTx/>
+              <a:buFontTx/>
+              <a:buNone/>
+              <a:tabLst/>
+            </a:pPr>
+            <a:r>
+              <a:rPr kumimoji="0" lang="es-AR" b="0" i="0" u="none" strike="noStrike" cap="none" normalizeH="0" baseline="0" dirty="0" smtClean="0">
+                <a:ln>
+                  <a:noFill/>
+                </a:ln>
+                <a:solidFill>
+                  <a:schemeClr val="bg1"/>
+                </a:solidFill>
+                <a:effectLst/>
+                <a:ea typeface="Calibri" pitchFamily="34" charset="0"/>
+                <a:cs typeface="Times New Roman" pitchFamily="18" charset="0"/>
+              </a:rPr>
+              <a:t>                          1682.5 /(20*3)= 28,04 semanas</a:t>
+            </a:r>
+            <a:endParaRPr kumimoji="0" lang="es-AR" b="0" i="0" u="none" strike="noStrike" cap="none" normalizeH="0" baseline="0" dirty="0" smtClean="0">
+              <a:ln>
+                <a:noFill/>
+              </a:ln>
+              <a:solidFill>
+                <a:schemeClr val="bg1"/>
+              </a:solidFill>
+              <a:effectLst/>
+              <a:cs typeface="Arial" pitchFamily="34" charset="0"/>
+            </a:endParaRPr>
+          </a:p>
+          <a:p>
+            <a:pPr marL="0" marR="0" lvl="0" indent="0" algn="just" defTabSz="914400" rtl="0" eaLnBrk="0" fontAlgn="base" latinLnBrk="0" hangingPunct="0">
+              <a:lnSpc>
+                <a:spcPct val="100000"/>
+              </a:lnSpc>
+              <a:spcBef>
+                <a:spcPct val="0"/>
+              </a:spcBef>
+              <a:spcAft>
+                <a:spcPct val="0"/>
+              </a:spcAft>
+              <a:buClrTx/>
+              <a:buSzTx/>
+              <a:buFontTx/>
+              <a:buNone/>
+              <a:tabLst/>
+            </a:pPr>
+            <a:r>
+              <a:rPr kumimoji="0" lang="es-AR" b="1" i="1" u="sng" strike="noStrike" cap="none" normalizeH="0" baseline="0" dirty="0" smtClean="0">
+                <a:ln>
+                  <a:noFill/>
+                </a:ln>
+                <a:solidFill>
+                  <a:schemeClr val="bg1"/>
+                </a:solidFill>
+                <a:effectLst/>
+                <a:ea typeface="Calibri" pitchFamily="34" charset="0"/>
+                <a:cs typeface="Times New Roman" pitchFamily="18" charset="0"/>
+              </a:rPr>
+              <a:t>FORMULA</a:t>
+            </a:r>
+            <a:r>
+              <a:rPr kumimoji="0" lang="es-AR" b="0" i="0" u="none" strike="noStrike" cap="none" normalizeH="0" baseline="0" dirty="0" smtClean="0">
+                <a:ln>
+                  <a:noFill/>
+                </a:ln>
+                <a:solidFill>
+                  <a:schemeClr val="bg1"/>
+                </a:solidFill>
+                <a:effectLst/>
+                <a:ea typeface="Calibri" pitchFamily="34" charset="0"/>
+                <a:cs typeface="Times New Roman" pitchFamily="18" charset="0"/>
+              </a:rPr>
+              <a:t>: Semanas / semanas que tiene un mes=meses</a:t>
+            </a:r>
+            <a:endParaRPr kumimoji="0" lang="es-AR" b="0" i="0" u="none" strike="noStrike" cap="none" normalizeH="0" baseline="0" dirty="0" smtClean="0">
+              <a:ln>
+                <a:noFill/>
+              </a:ln>
+              <a:solidFill>
+                <a:schemeClr val="bg1"/>
+              </a:solidFill>
+              <a:effectLst/>
+              <a:cs typeface="Arial" pitchFamily="34" charset="0"/>
+            </a:endParaRPr>
+          </a:p>
+          <a:p>
+            <a:pPr marL="0" marR="0" lvl="0" indent="0" algn="just" defTabSz="914400" rtl="0" eaLnBrk="0" fontAlgn="base" latinLnBrk="0" hangingPunct="0">
+              <a:lnSpc>
+                <a:spcPct val="100000"/>
+              </a:lnSpc>
+              <a:spcBef>
+                <a:spcPct val="0"/>
+              </a:spcBef>
+              <a:spcAft>
+                <a:spcPct val="0"/>
+              </a:spcAft>
+              <a:buClrTx/>
+              <a:buSzTx/>
+              <a:buFontTx/>
+              <a:buNone/>
+              <a:tabLst/>
+            </a:pPr>
+            <a:r>
+              <a:rPr kumimoji="0" lang="es-AR" b="0" i="0" u="none" strike="noStrike" cap="none" normalizeH="0" baseline="0" dirty="0" smtClean="0">
+                <a:ln>
+                  <a:noFill/>
+                </a:ln>
+                <a:solidFill>
+                  <a:schemeClr val="bg1"/>
+                </a:solidFill>
+                <a:effectLst/>
+                <a:ea typeface="Calibri" pitchFamily="34" charset="0"/>
+                <a:cs typeface="Times New Roman" pitchFamily="18" charset="0"/>
+              </a:rPr>
+              <a:t>                         28,04 / 4= 7 meses</a:t>
+            </a:r>
+            <a:endParaRPr kumimoji="0" lang="es-AR" b="0" i="0" u="none" strike="noStrike" cap="none" normalizeH="0" baseline="0" dirty="0" smtClean="0">
+              <a:ln>
+                <a:noFill/>
+              </a:ln>
+              <a:solidFill>
+                <a:schemeClr val="bg1"/>
+              </a:solidFill>
+              <a:effectLst/>
+              <a:cs typeface="Arial" pitchFamily="34" charset="0"/>
+            </a:endParaRPr>
+          </a:p>
+          <a:p>
+            <a:pPr marL="0" marR="0" lvl="0" indent="0" algn="just" defTabSz="914400" rtl="0" eaLnBrk="0" fontAlgn="base" latinLnBrk="0" hangingPunct="0">
+              <a:lnSpc>
+                <a:spcPct val="100000"/>
+              </a:lnSpc>
+              <a:spcBef>
+                <a:spcPct val="0"/>
+              </a:spcBef>
+              <a:spcAft>
+                <a:spcPct val="0"/>
+              </a:spcAft>
+              <a:buClrTx/>
+              <a:buSzTx/>
+              <a:buFontTx/>
+              <a:buNone/>
+              <a:tabLst/>
+            </a:pPr>
+            <a:r>
+              <a:rPr kumimoji="0" lang="es-AR" b="1" i="1" u="sng" strike="noStrike" cap="none" normalizeH="0" baseline="0" dirty="0" smtClean="0">
+                <a:ln>
+                  <a:noFill/>
+                </a:ln>
+                <a:solidFill>
+                  <a:schemeClr val="bg1"/>
+                </a:solidFill>
+                <a:effectLst/>
+                <a:ea typeface="Calibri" pitchFamily="34" charset="0"/>
+                <a:cs typeface="Times New Roman" pitchFamily="18" charset="0"/>
+              </a:rPr>
+              <a:t>Estimación en meses</a:t>
+            </a:r>
+            <a:r>
+              <a:rPr kumimoji="0" lang="es-AR" b="1" i="1" u="none" strike="noStrike" cap="none" normalizeH="0" baseline="0" dirty="0" smtClean="0">
+                <a:ln>
+                  <a:noFill/>
+                </a:ln>
+                <a:solidFill>
+                  <a:schemeClr val="bg1"/>
+                </a:solidFill>
+                <a:effectLst/>
+                <a:ea typeface="Calibri" pitchFamily="34" charset="0"/>
+                <a:cs typeface="Times New Roman" pitchFamily="18" charset="0"/>
+              </a:rPr>
+              <a:t>: 7 meses</a:t>
+            </a:r>
+            <a:endParaRPr kumimoji="0" lang="es-AR" b="0" i="0" u="none" strike="noStrike" cap="none" normalizeH="0" baseline="0" dirty="0" smtClean="0">
+              <a:ln>
+                <a:noFill/>
+              </a:ln>
+              <a:solidFill>
+                <a:schemeClr val="bg1"/>
+              </a:solidFill>
+              <a:effectLst/>
+              <a:cs typeface="Arial" pitchFamily="34" charset="0"/>
+            </a:endParaRPr>
+          </a:p>
+        </p:txBody>
+      </p:sp>
+    </p:spTree>
+  </p:cSld>
+  <p:clrMapOvr>
+    <a:masterClrMapping/>
+  </p:clrMapOvr>
+</p:sld>
+</file>
+
+<file path=ppt/slides/slide11.xml><?xml version="1.0" encoding="utf-8"?>
+<p:sld xmlns:a="http://schemas.openxmlformats.org/drawingml/2006/main" xmlns:r="http://schemas.openxmlformats.org/officeDocument/2006/relationships" xmlns:p="http://schemas.openxmlformats.org/presentationml/2006/main">
+  <p:cSld>
+    <p:spTree>
+      <p:nvGrpSpPr>
+        <p:cNvPr id="1" name=""/>
+        <p:cNvGrpSpPr/>
+        <p:nvPr/>
+      </p:nvGrpSpPr>
+      <p:grpSpPr>
+        <a:xfrm>
+          <a:off x="0" y="0"/>
+          <a:ext cx="0" cy="0"/>
+          <a:chOff x="0" y="0"/>
+          <a:chExt cx="0" cy="0"/>
+        </a:xfrm>
+      </p:grpSpPr>
+      <p:sp>
+        <p:nvSpPr>
+          <p:cNvPr id="3" name="2 Título"/>
+          <p:cNvSpPr>
+            <a:spLocks noGrp="1"/>
+          </p:cNvSpPr>
+          <p:nvPr>
+            <p:ph type="title"/>
+          </p:nvPr>
+        </p:nvSpPr>
+        <p:spPr/>
+        <p:txBody>
+          <a:bodyPr/>
+          <a:lstStyle/>
+          <a:p>
+            <a:r>
+              <a:rPr lang="es-AR" dirty="0" smtClean="0"/>
+              <a:t>Estimación de la Iteración</a:t>
+            </a:r>
+            <a:endParaRPr lang="es-AR" dirty="0"/>
+          </a:p>
+        </p:txBody>
+      </p:sp>
+      <p:sp>
+        <p:nvSpPr>
+          <p:cNvPr id="4" name="3 Marcador de pie de página"/>
+          <p:cNvSpPr>
+            <a:spLocks noGrp="1"/>
+          </p:cNvSpPr>
+          <p:nvPr>
+            <p:ph type="ftr" sz="quarter" idx="11"/>
+          </p:nvPr>
+        </p:nvSpPr>
+        <p:spPr/>
+        <p:txBody>
+          <a:bodyPr/>
+          <a:lstStyle/>
+          <a:p>
+            <a:r>
+              <a:rPr lang="es-AR" smtClean="0"/>
+              <a:t>OYARZO Mariela – QUIROGA Sandra – MÁRQUEZ EMANUEL</a:t>
+            </a:r>
+            <a:endParaRPr lang="es-AR" dirty="0"/>
+          </a:p>
+        </p:txBody>
+      </p:sp>
+      <p:sp>
+        <p:nvSpPr>
+          <p:cNvPr id="5" name="4 Marcador de número de diapositiva"/>
+          <p:cNvSpPr>
+            <a:spLocks noGrp="1"/>
+          </p:cNvSpPr>
+          <p:nvPr>
+            <p:ph type="sldNum" sz="quarter" idx="12"/>
+          </p:nvPr>
+        </p:nvSpPr>
+        <p:spPr/>
+        <p:txBody>
+          <a:bodyPr/>
+          <a:lstStyle/>
+          <a:p>
+            <a:fld id="{779E3280-5C43-43EF-BE7D-8C553A58A779}" type="slidenum">
+              <a:rPr lang="es-AR" smtClean="0"/>
+              <a:pPr/>
+              <a:t>11</a:t>
+            </a:fld>
+            <a:endParaRPr lang="es-AR" dirty="0"/>
+          </a:p>
+        </p:txBody>
+      </p:sp>
+      <p:sp>
+        <p:nvSpPr>
+          <p:cNvPr id="9" name="8 Rectángulo"/>
+          <p:cNvSpPr/>
+          <p:nvPr/>
+        </p:nvSpPr>
+        <p:spPr>
+          <a:xfrm>
+            <a:off x="801857" y="4953685"/>
+            <a:ext cx="7455877" cy="461665"/>
+          </a:xfrm>
+          <a:prstGeom prst="rect">
+            <a:avLst/>
+          </a:prstGeom>
+        </p:spPr>
+        <p:txBody>
+          <a:bodyPr wrap="square">
+            <a:spAutoFit/>
+          </a:bodyPr>
+          <a:lstStyle/>
+          <a:p>
+            <a:pPr lvl="0"/>
+            <a:r>
+              <a:rPr lang="es-AR" sz="2400" dirty="0" smtClean="0">
+                <a:solidFill>
+                  <a:prstClr val="black"/>
+                </a:solidFill>
+              </a:rPr>
+              <a:t>20 / 4 semanas que tiene un mes = </a:t>
+            </a:r>
+            <a:r>
+              <a:rPr lang="es-AR" sz="2400" b="1" dirty="0" smtClean="0">
+                <a:solidFill>
+                  <a:prstClr val="black"/>
+                </a:solidFill>
+              </a:rPr>
+              <a:t>5 meses</a:t>
+            </a:r>
+            <a:endParaRPr lang="es-AR" sz="2400" b="1" dirty="0">
+              <a:solidFill>
+                <a:prstClr val="black"/>
+              </a:solidFill>
+            </a:endParaRPr>
+          </a:p>
+        </p:txBody>
+      </p:sp>
+      <p:pic>
+        <p:nvPicPr>
+          <p:cNvPr id="37891" name="Picture 3"/>
+          <p:cNvPicPr>
+            <a:picLocks noGrp="1" noChangeAspect="1" noChangeArrowheads="1"/>
+          </p:cNvPicPr>
+          <p:nvPr>
+            <p:ph idx="1"/>
+          </p:nvPr>
+        </p:nvPicPr>
+        <p:blipFill>
+          <a:blip r:embed="rId2"/>
+          <a:srcRect/>
+          <a:stretch>
+            <a:fillRect/>
+          </a:stretch>
+        </p:blipFill>
+        <p:spPr bwMode="auto">
+          <a:xfrm>
+            <a:off x="2310606" y="2175363"/>
+            <a:ext cx="6326957" cy="2617623"/>
+          </a:xfrm>
+          <a:prstGeom prst="rect">
+            <a:avLst/>
+          </a:prstGeom>
+          <a:noFill/>
+          <a:ln w="9525">
+            <a:noFill/>
+            <a:miter lim="800000"/>
+            <a:headEnd/>
+            <a:tailEnd/>
+          </a:ln>
+          <a:effectLst/>
+        </p:spPr>
+      </p:pic>
+      <p:sp>
+        <p:nvSpPr>
+          <p:cNvPr id="37892" name="Rectangle 4"/>
+          <p:cNvSpPr>
+            <a:spLocks noChangeArrowheads="1"/>
+          </p:cNvSpPr>
+          <p:nvPr/>
+        </p:nvSpPr>
+        <p:spPr bwMode="auto">
+          <a:xfrm>
+            <a:off x="689317" y="1744394"/>
+            <a:ext cx="2278188" cy="461665"/>
+          </a:xfrm>
+          <a:prstGeom prst="rect">
+            <a:avLst/>
+          </a:prstGeom>
+          <a:noFill/>
+          <a:ln w="9525">
+            <a:noFill/>
+            <a:miter lim="800000"/>
+            <a:headEnd/>
+            <a:tailEnd/>
+          </a:ln>
+          <a:effectLst/>
+        </p:spPr>
+        <p:txBody>
+          <a:bodyPr vert="horz" wrap="none" lIns="91440" tIns="45720" rIns="91440" bIns="45720" numCol="1" anchor="ctr" anchorCtr="0" compatLnSpc="1">
+            <a:prstTxWarp prst="textNoShape">
+              <a:avLst/>
+            </a:prstTxWarp>
+            <a:spAutoFit/>
+          </a:bodyPr>
+          <a:lstStyle/>
+          <a:p>
+            <a:pPr marL="0" marR="0" lvl="0" indent="0" algn="l" defTabSz="914400" rtl="0" eaLnBrk="1" fontAlgn="base" latinLnBrk="0" hangingPunct="1">
+              <a:lnSpc>
+                <a:spcPct val="100000"/>
+              </a:lnSpc>
+              <a:spcBef>
+                <a:spcPct val="0"/>
+              </a:spcBef>
+              <a:spcAft>
+                <a:spcPct val="0"/>
+              </a:spcAft>
+              <a:buClrTx/>
+              <a:buSzTx/>
+              <a:buFontTx/>
+              <a:buNone/>
+              <a:tabLst/>
+            </a:pPr>
+            <a:r>
+              <a:rPr kumimoji="0" lang="es-ES" sz="2400" b="0" i="0" u="sng" strike="noStrike" cap="none" normalizeH="0" baseline="0" dirty="0" smtClean="0">
+                <a:ln>
+                  <a:noFill/>
+                </a:ln>
+                <a:solidFill>
+                  <a:schemeClr val="bg1"/>
+                </a:solidFill>
+                <a:effectLst/>
+                <a:ea typeface="Calibri" pitchFamily="34" charset="0"/>
+                <a:cs typeface="Times New Roman" pitchFamily="18" charset="0"/>
+              </a:rPr>
+              <a:t>Estimación </a:t>
+            </a:r>
+            <a:r>
+              <a:rPr kumimoji="0" lang="es-ES" sz="2400" b="0" i="0" u="sng" strike="noStrike" cap="none" normalizeH="0" dirty="0" smtClean="0">
+                <a:ln>
+                  <a:noFill/>
+                </a:ln>
+                <a:solidFill>
+                  <a:schemeClr val="bg1"/>
+                </a:solidFill>
+                <a:effectLst/>
+                <a:ea typeface="Calibri" pitchFamily="34" charset="0"/>
+                <a:cs typeface="Times New Roman" pitchFamily="18" charset="0"/>
+              </a:rPr>
+              <a:t> Nº</a:t>
+            </a:r>
+            <a:r>
+              <a:rPr kumimoji="0" lang="es-ES" sz="2400" b="0" i="0" u="sng" strike="noStrike" cap="none" normalizeH="0" baseline="0" dirty="0" smtClean="0">
+                <a:ln>
+                  <a:noFill/>
+                </a:ln>
+                <a:solidFill>
+                  <a:schemeClr val="bg1"/>
+                </a:solidFill>
+                <a:effectLst/>
+                <a:ea typeface="Calibri" pitchFamily="34" charset="0"/>
+                <a:cs typeface="Times New Roman" pitchFamily="18" charset="0"/>
+              </a:rPr>
+              <a:t> 2</a:t>
+            </a:r>
+            <a:endParaRPr kumimoji="0" lang="es-ES" sz="2400" b="0" i="0" u="sng" strike="noStrike" cap="none" normalizeH="0" baseline="0" dirty="0" smtClean="0">
+              <a:ln>
+                <a:noFill/>
+              </a:ln>
+              <a:solidFill>
+                <a:schemeClr val="bg1"/>
+              </a:solidFill>
+              <a:effectLst/>
+              <a:cs typeface="Arial" pitchFamily="34" charset="0"/>
+            </a:endParaRPr>
+          </a:p>
+        </p:txBody>
+      </p:sp>
+    </p:spTree>
+  </p:cSld>
+  <p:clrMapOvr>
+    <a:masterClrMapping/>
+  </p:clrMapOvr>
+</p:sld>
+</file>
+
+<file path=ppt/slides/slide12.xml><?xml version="1.0" encoding="utf-8"?>
+<p:sld xmlns:a="http://schemas.openxmlformats.org/drawingml/2006/main" xmlns:r="http://schemas.openxmlformats.org/officeDocument/2006/relationships" xmlns:p="http://schemas.openxmlformats.org/presentationml/2006/main">
+  <p:cSld>
+    <p:spTree>
+      <p:nvGrpSpPr>
+        <p:cNvPr id="1" name=""/>
+        <p:cNvGrpSpPr/>
+        <p:nvPr/>
+      </p:nvGrpSpPr>
+      <p:grpSpPr>
+        <a:xfrm>
+          <a:off x="0" y="0"/>
+          <a:ext cx="0" cy="0"/>
+          <a:chOff x="0" y="0"/>
+          <a:chExt cx="0" cy="0"/>
+        </a:xfrm>
+      </p:grpSpPr>
+      <p:sp>
+        <p:nvSpPr>
+          <p:cNvPr id="3" name="2 Título"/>
+          <p:cNvSpPr>
+            <a:spLocks noGrp="1"/>
+          </p:cNvSpPr>
+          <p:nvPr>
+            <p:ph type="title"/>
+          </p:nvPr>
+        </p:nvSpPr>
+        <p:spPr/>
+        <p:txBody>
+          <a:bodyPr/>
+          <a:lstStyle/>
+          <a:p>
+            <a:r>
+              <a:rPr lang="es-AR" dirty="0" smtClean="0"/>
+              <a:t>Estimación de la Iteración</a:t>
+            </a:r>
+            <a:endParaRPr lang="es-AR" dirty="0"/>
+          </a:p>
+        </p:txBody>
+      </p:sp>
+      <p:sp>
+        <p:nvSpPr>
+          <p:cNvPr id="4" name="3 Marcador de pie de página"/>
+          <p:cNvSpPr>
+            <a:spLocks noGrp="1"/>
+          </p:cNvSpPr>
+          <p:nvPr>
+            <p:ph type="ftr" sz="quarter" idx="11"/>
+          </p:nvPr>
+        </p:nvSpPr>
+        <p:spPr/>
+        <p:txBody>
+          <a:bodyPr/>
+          <a:lstStyle/>
+          <a:p>
+            <a:r>
+              <a:rPr lang="es-AR" smtClean="0"/>
+              <a:t>OYARZO Mariela – QUIROGA Sandra – MÁRQUEZ EMANUEL</a:t>
+            </a:r>
+            <a:endParaRPr lang="es-AR" dirty="0"/>
+          </a:p>
+        </p:txBody>
+      </p:sp>
+      <p:sp>
+        <p:nvSpPr>
+          <p:cNvPr id="5" name="4 Marcador de número de diapositiva"/>
+          <p:cNvSpPr>
+            <a:spLocks noGrp="1"/>
+          </p:cNvSpPr>
+          <p:nvPr>
+            <p:ph type="sldNum" sz="quarter" idx="12"/>
+          </p:nvPr>
+        </p:nvSpPr>
+        <p:spPr/>
+        <p:txBody>
+          <a:bodyPr/>
+          <a:lstStyle/>
+          <a:p>
+            <a:fld id="{779E3280-5C43-43EF-BE7D-8C553A58A779}" type="slidenum">
+              <a:rPr lang="es-AR" smtClean="0"/>
+              <a:pPr/>
+              <a:t>12</a:t>
+            </a:fld>
+            <a:endParaRPr lang="es-AR" dirty="0"/>
+          </a:p>
+        </p:txBody>
+      </p:sp>
+      <p:pic>
+        <p:nvPicPr>
+          <p:cNvPr id="38914" name="Picture 2"/>
+          <p:cNvPicPr>
+            <a:picLocks noGrp="1" noChangeAspect="1" noChangeArrowheads="1"/>
+          </p:cNvPicPr>
+          <p:nvPr>
+            <p:ph idx="1"/>
+          </p:nvPr>
+        </p:nvPicPr>
+        <p:blipFill>
+          <a:blip r:embed="rId2"/>
+          <a:srcRect/>
+          <a:stretch>
+            <a:fillRect/>
+          </a:stretch>
+        </p:blipFill>
+        <p:spPr bwMode="auto">
+          <a:xfrm>
+            <a:off x="3249637" y="2307102"/>
+            <a:ext cx="5291113" cy="2379406"/>
+          </a:xfrm>
+          <a:prstGeom prst="rect">
+            <a:avLst/>
+          </a:prstGeom>
+          <a:noFill/>
+          <a:ln w="9525">
+            <a:noFill/>
+            <a:miter lim="800000"/>
+            <a:headEnd/>
+            <a:tailEnd/>
+          </a:ln>
+          <a:effectLst/>
+        </p:spPr>
+      </p:pic>
+      <p:sp>
+        <p:nvSpPr>
+          <p:cNvPr id="38915" name="Rectangle 3"/>
+          <p:cNvSpPr>
+            <a:spLocks noChangeArrowheads="1"/>
+          </p:cNvSpPr>
+          <p:nvPr/>
+        </p:nvSpPr>
+        <p:spPr bwMode="auto">
+          <a:xfrm>
+            <a:off x="689317" y="1800664"/>
+            <a:ext cx="2199641" cy="461665"/>
+          </a:xfrm>
+          <a:prstGeom prst="rect">
+            <a:avLst/>
+          </a:prstGeom>
+          <a:noFill/>
+          <a:ln w="9525">
+            <a:noFill/>
+            <a:miter lim="800000"/>
+            <a:headEnd/>
+            <a:tailEnd/>
+          </a:ln>
+          <a:effectLst/>
+        </p:spPr>
+        <p:txBody>
+          <a:bodyPr vert="horz" wrap="none" lIns="91440" tIns="45720" rIns="91440" bIns="45720" numCol="1" anchor="ctr" anchorCtr="0" compatLnSpc="1">
+            <a:prstTxWarp prst="textNoShape">
+              <a:avLst/>
+            </a:prstTxWarp>
+            <a:spAutoFit/>
+          </a:bodyPr>
+          <a:lstStyle/>
+          <a:p>
+            <a:pPr marL="0" marR="0" lvl="0" indent="0" algn="l" defTabSz="914400" rtl="0" eaLnBrk="1" fontAlgn="base" latinLnBrk="0" hangingPunct="1">
+              <a:lnSpc>
+                <a:spcPct val="100000"/>
+              </a:lnSpc>
+              <a:spcBef>
+                <a:spcPct val="0"/>
+              </a:spcBef>
+              <a:spcAft>
+                <a:spcPct val="0"/>
+              </a:spcAft>
+              <a:buClrTx/>
+              <a:buSzTx/>
+              <a:buFontTx/>
+              <a:buNone/>
+              <a:tabLst/>
+            </a:pPr>
+            <a:r>
+              <a:rPr kumimoji="0" lang="es-ES" sz="2400" b="0" i="0" u="sng" strike="noStrike" cap="none" normalizeH="0" baseline="0" dirty="0" smtClean="0">
+                <a:ln>
+                  <a:noFill/>
+                </a:ln>
+                <a:solidFill>
+                  <a:schemeClr val="bg1"/>
+                </a:solidFill>
+                <a:effectLst/>
+                <a:ea typeface="Calibri" pitchFamily="34" charset="0"/>
+                <a:cs typeface="Times New Roman" pitchFamily="18" charset="0"/>
+              </a:rPr>
+              <a:t>Estimación </a:t>
+            </a:r>
+            <a:r>
+              <a:rPr kumimoji="0" lang="es-ES" sz="2400" b="0" i="0" u="sng" strike="noStrike" cap="none" normalizeH="0" dirty="0" smtClean="0">
+                <a:ln>
+                  <a:noFill/>
+                </a:ln>
+                <a:solidFill>
+                  <a:schemeClr val="bg1"/>
+                </a:solidFill>
+                <a:effectLst/>
+                <a:ea typeface="Calibri" pitchFamily="34" charset="0"/>
+                <a:cs typeface="Times New Roman" pitchFamily="18" charset="0"/>
+              </a:rPr>
+              <a:t> Nº</a:t>
+            </a:r>
+            <a:r>
+              <a:rPr kumimoji="0" lang="es-ES" sz="2400" b="0" i="0" u="sng" strike="noStrike" cap="none" normalizeH="0" baseline="0" dirty="0" smtClean="0">
+                <a:ln>
+                  <a:noFill/>
+                </a:ln>
+                <a:solidFill>
+                  <a:schemeClr val="bg1"/>
+                </a:solidFill>
+                <a:effectLst/>
+                <a:ea typeface="Calibri" pitchFamily="34" charset="0"/>
+                <a:cs typeface="Times New Roman" pitchFamily="18" charset="0"/>
+              </a:rPr>
+              <a:t>3</a:t>
+            </a:r>
+            <a:endParaRPr kumimoji="0" lang="es-ES" sz="2400" b="0" i="0" u="none" strike="noStrike" cap="none" normalizeH="0" baseline="0" dirty="0" smtClean="0">
+              <a:ln>
+                <a:noFill/>
+              </a:ln>
+              <a:solidFill>
+                <a:schemeClr val="bg1"/>
+              </a:solidFill>
+              <a:effectLst/>
+              <a:cs typeface="Arial" pitchFamily="34" charset="0"/>
+            </a:endParaRPr>
+          </a:p>
+        </p:txBody>
+      </p:sp>
+      <p:sp>
+        <p:nvSpPr>
+          <p:cNvPr id="12" name="11 Rectángulo"/>
+          <p:cNvSpPr/>
+          <p:nvPr/>
+        </p:nvSpPr>
+        <p:spPr>
+          <a:xfrm>
+            <a:off x="881576" y="5019041"/>
+            <a:ext cx="9992750" cy="461665"/>
+          </a:xfrm>
+          <a:prstGeom prst="rect">
+            <a:avLst/>
+          </a:prstGeom>
+        </p:spPr>
+        <p:txBody>
+          <a:bodyPr wrap="square">
+            <a:spAutoFit/>
+          </a:bodyPr>
+          <a:lstStyle/>
+          <a:p>
+            <a:r>
+              <a:rPr lang="es-AR" sz="2400" dirty="0" smtClean="0">
+                <a:solidFill>
+                  <a:schemeClr val="bg1"/>
+                </a:solidFill>
+              </a:rPr>
+              <a:t>14.24/ 4 semanas que tiene un mes = </a:t>
+            </a:r>
+            <a:r>
+              <a:rPr lang="es-AR" sz="2400" b="1" dirty="0" smtClean="0">
+                <a:solidFill>
+                  <a:schemeClr val="bg1"/>
+                </a:solidFill>
+              </a:rPr>
+              <a:t>3.56 (3 meses y 2 semanas aprox.)</a:t>
+            </a:r>
+            <a:endParaRPr lang="es-AR" sz="2400" b="1" dirty="0">
+              <a:solidFill>
+                <a:schemeClr val="bg1"/>
+              </a:solidFill>
+            </a:endParaRPr>
+          </a:p>
+        </p:txBody>
+      </p:sp>
+    </p:spTree>
+  </p:cSld>
+  <p:clrMapOvr>
+    <a:masterClrMapping/>
+  </p:clrMapOvr>
+</p:sld>
+</file>
+
+<file path=ppt/slides/slide13.xml><?xml version="1.0" encoding="utf-8"?>
+<p:sld xmlns:a="http://schemas.openxmlformats.org/drawingml/2006/main" xmlns:r="http://schemas.openxmlformats.org/officeDocument/2006/relationships" xmlns:p="http://schemas.openxmlformats.org/presentationml/2006/main">
+  <p:cSld>
+    <p:spTree>
+      <p:nvGrpSpPr>
+        <p:cNvPr id="1" name=""/>
+        <p:cNvGrpSpPr/>
+        <p:nvPr/>
+      </p:nvGrpSpPr>
+      <p:grpSpPr>
+        <a:xfrm>
+          <a:off x="0" y="0"/>
+          <a:ext cx="0" cy="0"/>
+          <a:chOff x="0" y="0"/>
+          <a:chExt cx="0" cy="0"/>
+        </a:xfrm>
+      </p:grpSpPr>
+      <p:sp>
+        <p:nvSpPr>
+          <p:cNvPr id="3" name="2 Título"/>
+          <p:cNvSpPr>
+            <a:spLocks noGrp="1"/>
+          </p:cNvSpPr>
+          <p:nvPr>
+            <p:ph type="title"/>
+          </p:nvPr>
+        </p:nvSpPr>
+        <p:spPr/>
+        <p:txBody>
+          <a:bodyPr/>
+          <a:lstStyle/>
+          <a:p>
+            <a:r>
+              <a:rPr lang="es-AR" dirty="0" smtClean="0"/>
+              <a:t>Estimación de la Iteración </a:t>
+            </a:r>
+            <a:endParaRPr lang="es-AR" dirty="0"/>
+          </a:p>
+        </p:txBody>
+      </p:sp>
+      <p:sp>
+        <p:nvSpPr>
+          <p:cNvPr id="4" name="3 Marcador de pie de página"/>
+          <p:cNvSpPr>
+            <a:spLocks noGrp="1"/>
+          </p:cNvSpPr>
+          <p:nvPr>
+            <p:ph type="ftr" sz="quarter" idx="11"/>
+          </p:nvPr>
+        </p:nvSpPr>
+        <p:spPr/>
+        <p:txBody>
+          <a:bodyPr/>
+          <a:lstStyle/>
+          <a:p>
+            <a:r>
+              <a:rPr lang="es-AR" smtClean="0"/>
+              <a:t>OYARZO Mariela – QUIROGA Sandra – MÁRQUEZ EMANUEL</a:t>
+            </a:r>
+            <a:endParaRPr lang="es-AR" dirty="0"/>
+          </a:p>
+        </p:txBody>
+      </p:sp>
+      <p:sp>
+        <p:nvSpPr>
+          <p:cNvPr id="5" name="4 Marcador de número de diapositiva"/>
+          <p:cNvSpPr>
+            <a:spLocks noGrp="1"/>
+          </p:cNvSpPr>
+          <p:nvPr>
+            <p:ph type="sldNum" sz="quarter" idx="12"/>
+          </p:nvPr>
+        </p:nvSpPr>
+        <p:spPr/>
+        <p:txBody>
+          <a:bodyPr/>
+          <a:lstStyle/>
+          <a:p>
+            <a:fld id="{779E3280-5C43-43EF-BE7D-8C553A58A779}" type="slidenum">
+              <a:rPr lang="es-AR" smtClean="0"/>
+              <a:pPr/>
+              <a:t>13</a:t>
+            </a:fld>
+            <a:endParaRPr lang="es-AR" dirty="0"/>
+          </a:p>
+        </p:txBody>
+      </p:sp>
+      <p:pic>
+        <p:nvPicPr>
+          <p:cNvPr id="39938" name="Picture 2"/>
+          <p:cNvPicPr>
+            <a:picLocks noGrp="1" noChangeAspect="1" noChangeArrowheads="1"/>
+          </p:cNvPicPr>
+          <p:nvPr>
+            <p:ph idx="1"/>
+          </p:nvPr>
+        </p:nvPicPr>
+        <p:blipFill>
+          <a:blip r:embed="rId2"/>
+          <a:srcRect/>
+          <a:stretch>
+            <a:fillRect/>
+          </a:stretch>
+        </p:blipFill>
+        <p:spPr bwMode="auto">
+          <a:xfrm>
+            <a:off x="2883878" y="3353593"/>
+            <a:ext cx="6611814" cy="1795181"/>
+          </a:xfrm>
+          <a:prstGeom prst="rect">
+            <a:avLst/>
+          </a:prstGeom>
+          <a:noFill/>
+          <a:ln w="9525">
+            <a:noFill/>
+            <a:miter lim="800000"/>
+            <a:headEnd/>
+            <a:tailEnd/>
+          </a:ln>
+          <a:effectLst/>
+        </p:spPr>
+      </p:pic>
+      <p:sp>
+        <p:nvSpPr>
+          <p:cNvPr id="39939" name="Rectangle 3"/>
+          <p:cNvSpPr>
+            <a:spLocks noChangeArrowheads="1"/>
+          </p:cNvSpPr>
+          <p:nvPr/>
+        </p:nvSpPr>
+        <p:spPr bwMode="auto">
+          <a:xfrm>
+            <a:off x="661181" y="1913206"/>
+            <a:ext cx="1579278" cy="461665"/>
+          </a:xfrm>
+          <a:prstGeom prst="rect">
+            <a:avLst/>
+          </a:prstGeom>
+          <a:noFill/>
+          <a:ln w="9525">
+            <a:noFill/>
+            <a:miter lim="800000"/>
+            <a:headEnd/>
+            <a:tailEnd/>
+          </a:ln>
+          <a:effectLst/>
+        </p:spPr>
+        <p:txBody>
+          <a:bodyPr vert="horz" wrap="none" lIns="91440" tIns="45720" rIns="91440" bIns="45720" numCol="1" anchor="ctr" anchorCtr="0" compatLnSpc="1">
+            <a:prstTxWarp prst="textNoShape">
+              <a:avLst/>
+            </a:prstTxWarp>
+            <a:spAutoFit/>
+          </a:bodyPr>
+          <a:lstStyle/>
+          <a:p>
+            <a:pPr marL="0" marR="0" lvl="0" indent="0" algn="l" defTabSz="914400" rtl="0" eaLnBrk="1" fontAlgn="base" latinLnBrk="0" hangingPunct="1">
+              <a:lnSpc>
+                <a:spcPct val="100000"/>
+              </a:lnSpc>
+              <a:spcBef>
+                <a:spcPct val="0"/>
+              </a:spcBef>
+              <a:spcAft>
+                <a:spcPct val="0"/>
+              </a:spcAft>
+              <a:buClrTx/>
+              <a:buSzTx/>
+              <a:buFontTx/>
+              <a:buNone/>
+              <a:tabLst/>
+            </a:pPr>
+            <a:r>
+              <a:rPr kumimoji="0" lang="es-ES" sz="2400" b="0" i="0" u="sng" strike="noStrike" cap="none" normalizeH="0" baseline="0" dirty="0" smtClean="0">
+                <a:ln>
+                  <a:noFill/>
+                </a:ln>
+                <a:solidFill>
+                  <a:schemeClr val="bg1"/>
+                </a:solidFill>
+                <a:effectLst/>
+                <a:ea typeface="Calibri" pitchFamily="34" charset="0"/>
+                <a:cs typeface="Times New Roman" pitchFamily="18" charset="0"/>
+              </a:rPr>
+              <a:t>Conclusión</a:t>
+            </a:r>
+            <a:endParaRPr kumimoji="0" lang="es-ES" sz="2400" b="0" i="0" u="none" strike="noStrike" cap="none" normalizeH="0" baseline="0" dirty="0" smtClean="0">
+              <a:ln>
+                <a:noFill/>
+              </a:ln>
+              <a:solidFill>
+                <a:schemeClr val="bg1"/>
+              </a:solidFill>
+              <a:effectLst/>
+              <a:cs typeface="Arial" pitchFamily="34" charset="0"/>
+            </a:endParaRPr>
+          </a:p>
+        </p:txBody>
+      </p:sp>
+    </p:spTree>
+  </p:cSld>
+  <p:clrMapOvr>
+    <a:masterClrMapping/>
+  </p:clrMapOvr>
+</p:sld>
+</file>
+
+<file path=ppt/slides/slide14.xml><?xml version="1.0" encoding="utf-8"?>
+<p:sld xmlns:a="http://schemas.openxmlformats.org/drawingml/2006/main" xmlns:r="http://schemas.openxmlformats.org/officeDocument/2006/relationships" xmlns:p="http://schemas.openxmlformats.org/presentationml/2006/main">
+  <p:cSld>
+    <p:spTree>
+      <p:nvGrpSpPr>
+        <p:cNvPr id="1" name=""/>
+        <p:cNvGrpSpPr/>
+        <p:nvPr/>
+      </p:nvGrpSpPr>
+      <p:grpSpPr>
+        <a:xfrm>
+          <a:off x="0" y="0"/>
+          <a:ext cx="0" cy="0"/>
+          <a:chOff x="0" y="0"/>
+          <a:chExt cx="0" cy="0"/>
+        </a:xfrm>
+      </p:grpSpPr>
+      <p:sp>
+        <p:nvSpPr>
+          <p:cNvPr id="3" name="2 Título"/>
+          <p:cNvSpPr>
+            <a:spLocks noGrp="1"/>
+          </p:cNvSpPr>
+          <p:nvPr>
+            <p:ph type="title"/>
+          </p:nvPr>
+        </p:nvSpPr>
+        <p:spPr/>
+        <p:txBody>
+          <a:bodyPr/>
+          <a:lstStyle/>
+          <a:p>
+            <a:r>
+              <a:rPr lang="es-AR" dirty="0" smtClean="0"/>
+              <a:t>Prototipo </a:t>
+            </a:r>
+            <a:r>
+              <a:rPr lang="es-AR" dirty="0" err="1" smtClean="0"/>
+              <a:t>App</a:t>
+            </a:r>
+            <a:endParaRPr lang="es-AR" dirty="0"/>
+          </a:p>
+        </p:txBody>
+      </p:sp>
+      <p:sp>
+        <p:nvSpPr>
+          <p:cNvPr id="4" name="3 Marcador de pie de página"/>
+          <p:cNvSpPr>
+            <a:spLocks noGrp="1"/>
+          </p:cNvSpPr>
+          <p:nvPr>
+            <p:ph type="ftr" sz="quarter" idx="11"/>
+          </p:nvPr>
+        </p:nvSpPr>
+        <p:spPr/>
+        <p:txBody>
+          <a:bodyPr/>
+          <a:lstStyle/>
+          <a:p>
+            <a:r>
+              <a:rPr lang="es-AR" sz="1600" dirty="0" smtClean="0"/>
+              <a:t>OYARZO Mariela – QUIROGA Sandra – MÁRQUEZ Emanuel</a:t>
+            </a:r>
+            <a:endParaRPr lang="es-AR" sz="1600" dirty="0"/>
+          </a:p>
+        </p:txBody>
+      </p:sp>
+      <p:sp>
+        <p:nvSpPr>
+          <p:cNvPr id="5" name="4 Marcador de número de diapositiva"/>
+          <p:cNvSpPr>
+            <a:spLocks noGrp="1"/>
+          </p:cNvSpPr>
+          <p:nvPr>
+            <p:ph type="sldNum" sz="quarter" idx="12"/>
+          </p:nvPr>
+        </p:nvSpPr>
+        <p:spPr/>
+        <p:txBody>
+          <a:bodyPr/>
+          <a:lstStyle/>
+          <a:p>
+            <a:fld id="{779E3280-5C43-43EF-BE7D-8C553A58A779}" type="slidenum">
+              <a:rPr lang="es-AR" smtClean="0"/>
+              <a:pPr/>
+              <a:t>14</a:t>
+            </a:fld>
+            <a:endParaRPr lang="es-AR" dirty="0"/>
+          </a:p>
+        </p:txBody>
+      </p:sp>
+      <p:pic>
+        <p:nvPicPr>
+          <p:cNvPr id="5123" name="Picture 3"/>
+          <p:cNvPicPr>
+            <a:picLocks noGrp="1" noChangeAspect="1" noChangeArrowheads="1"/>
+          </p:cNvPicPr>
+          <p:nvPr>
+            <p:ph idx="1"/>
+          </p:nvPr>
+        </p:nvPicPr>
+        <p:blipFill>
+          <a:blip r:embed="rId2"/>
+          <a:srcRect/>
+          <a:stretch>
+            <a:fillRect/>
+          </a:stretch>
+        </p:blipFill>
+        <p:spPr bwMode="auto">
+          <a:xfrm>
+            <a:off x="327122" y="1563333"/>
+            <a:ext cx="2781300" cy="4705350"/>
+          </a:xfrm>
+          <a:prstGeom prst="rect">
+            <a:avLst/>
+          </a:prstGeom>
+          <a:noFill/>
+          <a:ln w="9525">
+            <a:noFill/>
+            <a:miter lim="800000"/>
+            <a:headEnd/>
+            <a:tailEnd/>
+          </a:ln>
+          <a:effectLst/>
+        </p:spPr>
+      </p:pic>
+      <p:pic>
+        <p:nvPicPr>
+          <p:cNvPr id="10" name="9 Imagen" descr="02.png"/>
+          <p:cNvPicPr>
+            <a:picLocks noChangeAspect="1"/>
+          </p:cNvPicPr>
+          <p:nvPr/>
+        </p:nvPicPr>
+        <p:blipFill>
+          <a:blip r:embed="rId3"/>
+          <a:srcRect l="20141" r="53205"/>
+          <a:stretch>
+            <a:fillRect/>
+          </a:stretch>
+        </p:blipFill>
+        <p:spPr>
+          <a:xfrm>
+            <a:off x="3080825" y="1378632"/>
+            <a:ext cx="2729132" cy="5064370"/>
+          </a:xfrm>
+          <a:prstGeom prst="rect">
+            <a:avLst/>
+          </a:prstGeom>
+        </p:spPr>
+      </p:pic>
+      <p:pic>
+        <p:nvPicPr>
+          <p:cNvPr id="5125" name="Picture 5"/>
+          <p:cNvPicPr>
+            <a:picLocks noChangeAspect="1" noChangeArrowheads="1"/>
+          </p:cNvPicPr>
+          <p:nvPr/>
+        </p:nvPicPr>
+        <p:blipFill>
+          <a:blip r:embed="rId4"/>
+          <a:srcRect/>
+          <a:stretch>
+            <a:fillRect/>
+          </a:stretch>
+        </p:blipFill>
+        <p:spPr bwMode="auto">
+          <a:xfrm>
+            <a:off x="5868646" y="1565398"/>
+            <a:ext cx="2733675" cy="4863537"/>
+          </a:xfrm>
+          <a:prstGeom prst="rect">
+            <a:avLst/>
+          </a:prstGeom>
+          <a:noFill/>
+          <a:ln w="9525">
+            <a:noFill/>
+            <a:miter lim="800000"/>
+            <a:headEnd/>
+            <a:tailEnd/>
+          </a:ln>
+          <a:effectLst/>
+        </p:spPr>
+      </p:pic>
+      <p:pic>
+        <p:nvPicPr>
+          <p:cNvPr id="5126" name="Picture 6"/>
+          <p:cNvPicPr>
+            <a:picLocks noChangeAspect="1" noChangeArrowheads="1"/>
+          </p:cNvPicPr>
+          <p:nvPr/>
+        </p:nvPicPr>
+        <p:blipFill>
+          <a:blip r:embed="rId5"/>
+          <a:srcRect/>
+          <a:stretch>
+            <a:fillRect/>
+          </a:stretch>
+        </p:blipFill>
+        <p:spPr bwMode="auto">
+          <a:xfrm>
+            <a:off x="8640200" y="1561513"/>
+            <a:ext cx="2705100" cy="4825219"/>
+          </a:xfrm>
+          <a:prstGeom prst="rect">
+            <a:avLst/>
+          </a:prstGeom>
+          <a:noFill/>
+          <a:ln w="9525">
+            <a:noFill/>
+            <a:miter lim="800000"/>
+            <a:headEnd/>
+            <a:tailEnd/>
+          </a:ln>
+          <a:effectLst/>
+        </p:spPr>
+      </p:pic>
+    </p:spTree>
+  </p:cSld>
+  <p:clrMapOvr>
+    <a:masterClrMapping/>
+  </p:clrMapOvr>
+  <p:timing>
+    <p:tnLst>
+      <p:par>
+        <p:cTn id="1" dur="indefinite" restart="never" nodeType="tmRoot"/>
+      </p:par>
+    </p:tnLst>
+  </p:timing>
+</p:sld>
+</file>
+
+<file path=ppt/slides/slide15.xml><?xml version="1.0" encoding="utf-8"?>
+<p:sld xmlns:a="http://schemas.openxmlformats.org/drawingml/2006/main" xmlns:r="http://schemas.openxmlformats.org/officeDocument/2006/relationships" xmlns:p="http://schemas.openxmlformats.org/presentationml/2006/main">
+  <p:cSld>
+    <p:spTree>
+      <p:nvGrpSpPr>
+        <p:cNvPr id="1" name=""/>
+        <p:cNvGrpSpPr/>
+        <p:nvPr/>
+      </p:nvGrpSpPr>
+      <p:grpSpPr>
+        <a:xfrm>
+          <a:off x="0" y="0"/>
+          <a:ext cx="0" cy="0"/>
+          <a:chOff x="0" y="0"/>
+          <a:chExt cx="0" cy="0"/>
+        </a:xfrm>
+      </p:grpSpPr>
+      <p:sp>
+        <p:nvSpPr>
+          <p:cNvPr id="3" name="2 Título"/>
+          <p:cNvSpPr>
+            <a:spLocks noGrp="1"/>
+          </p:cNvSpPr>
+          <p:nvPr>
+            <p:ph type="title"/>
+          </p:nvPr>
+        </p:nvSpPr>
+        <p:spPr/>
+        <p:txBody>
+          <a:bodyPr/>
+          <a:lstStyle/>
+          <a:p>
+            <a:r>
+              <a:rPr lang="es-AR" dirty="0" smtClean="0"/>
+              <a:t>Prototipo </a:t>
+            </a:r>
+            <a:r>
+              <a:rPr lang="es-AR" dirty="0" err="1" smtClean="0"/>
+              <a:t>App</a:t>
+            </a:r>
+            <a:endParaRPr lang="es-AR" dirty="0"/>
+          </a:p>
+        </p:txBody>
+      </p:sp>
+      <p:sp>
+        <p:nvSpPr>
+          <p:cNvPr id="4" name="3 Marcador de pie de página"/>
+          <p:cNvSpPr>
+            <a:spLocks noGrp="1"/>
+          </p:cNvSpPr>
+          <p:nvPr>
+            <p:ph type="ftr" sz="quarter" idx="11"/>
+          </p:nvPr>
+        </p:nvSpPr>
+        <p:spPr/>
+        <p:txBody>
+          <a:bodyPr/>
+          <a:lstStyle/>
+          <a:p>
+            <a:r>
+              <a:rPr lang="es-AR" sz="1600" dirty="0" smtClean="0"/>
+              <a:t>OYARZO Mariela – QUIROGA Sandra – MÁRQUEZ Emanuel</a:t>
+            </a:r>
+            <a:endParaRPr lang="es-AR" sz="1600" dirty="0"/>
+          </a:p>
+        </p:txBody>
+      </p:sp>
+      <p:sp>
+        <p:nvSpPr>
+          <p:cNvPr id="5" name="4 Marcador de número de diapositiva"/>
+          <p:cNvSpPr>
+            <a:spLocks noGrp="1"/>
+          </p:cNvSpPr>
+          <p:nvPr>
+            <p:ph type="sldNum" sz="quarter" idx="12"/>
+          </p:nvPr>
+        </p:nvSpPr>
+        <p:spPr/>
+        <p:txBody>
+          <a:bodyPr/>
+          <a:lstStyle/>
+          <a:p>
+            <a:fld id="{779E3280-5C43-43EF-BE7D-8C553A58A779}" type="slidenum">
+              <a:rPr lang="es-AR" smtClean="0"/>
+              <a:pPr/>
+              <a:t>15</a:t>
             </a:fld>
             <a:endParaRPr lang="es-AR" dirty="0"/>
           </a:p>
@@ -7226,7 +8728,7 @@
 </p:sld>
 </file>
 
-<file path=ppt/slides/slide11.xml><?xml version="1.0" encoding="utf-8"?>
+<file path=ppt/slides/slide16.xml><?xml version="1.0" encoding="utf-8"?>
 <p:sld xmlns:a="http://schemas.openxmlformats.org/drawingml/2006/main" xmlns:r="http://schemas.openxmlformats.org/officeDocument/2006/relationships" xmlns:p="http://schemas.openxmlformats.org/presentationml/2006/main">
   <p:cSld>
     <p:spTree>
@@ -7260,19 +8762,7 @@
           <a:p>
             <a:r>
               <a:rPr lang="es-AR" dirty="0" smtClean="0"/>
-              <a:t>Prototipo </a:t>
-            </a:r>
-            <a:r>
-              <a:rPr lang="es-AR" dirty="0" smtClean="0"/>
-              <a:t>Página </a:t>
-            </a:r>
-            <a:r>
-              <a:rPr lang="es-AR" dirty="0" smtClean="0"/>
-              <a:t>W</a:t>
-            </a:r>
-            <a:r>
-              <a:rPr lang="es-AR" dirty="0" smtClean="0"/>
-              <a:t>eb</a:t>
+              <a:t>Prototipo Página Web</a:t>
             </a:r>
             <a:endParaRPr lang="es-AR" dirty="0"/>
           </a:p>
@@ -7295,11 +8785,7 @@
           <a:p>
             <a:r>
               <a:rPr lang="es-AR" sz="1600" dirty="0" smtClean="0"/>
-              <a:t>OYARZO Mariela – QUIROGA Sandra – MÁRQUEZ </a:t>
-            </a:r>
-            <a:r>
-              <a:rPr lang="es-AR" sz="1600" dirty="0" smtClean="0"/>
-              <a:t>Emanuel</a:t>
+              <a:t>OYARZO Mariela – QUIROGA Sandra – MÁRQUEZ Emanuel</a:t>
             </a:r>
             <a:endParaRPr lang="es-AR" sz="1600" dirty="0"/>
           </a:p>
@@ -7323,7 +8809,7 @@
             <a:fld id="{779E3280-5C43-43EF-BE7D-8C553A58A779}" type="slidenum">
               <a:rPr lang="es-AR" smtClean="0"/>
               <a:pPr/>
-              <a:t>11</a:t>
+              <a:t>16</a:t>
             </a:fld>
             <a:endParaRPr lang="es-AR" dirty="0"/>
           </a:p>
@@ -7377,7 +8863,7 @@
 </p:sld>
 </file>
 
-<file path=ppt/slides/slide12.xml><?xml version="1.0" encoding="utf-8"?>
+<file path=ppt/slides/slide17.xml><?xml version="1.0" encoding="utf-8"?>
 <p:sld xmlns:a="http://schemas.openxmlformats.org/drawingml/2006/main" xmlns:r="http://schemas.openxmlformats.org/officeDocument/2006/relationships" xmlns:p="http://schemas.openxmlformats.org/presentationml/2006/main">
   <p:cSld>
     <p:spTree>
@@ -7458,7 +8944,7 @@
             <a:fld id="{779E3280-5C43-43EF-BE7D-8C553A58A779}" type="slidenum">
               <a:rPr lang="es-AR" smtClean="0"/>
               <a:pPr/>
-              <a:t>12</a:t>
+              <a:t>17</a:t>
             </a:fld>
             <a:endParaRPr lang="es-AR" dirty="0"/>
           </a:p>
@@ -7514,7 +9000,7 @@
 </p:sld>
 </file>
 
-<file path=ppt/slides/slide13.xml><?xml version="1.0" encoding="utf-8"?>
+<file path=ppt/slides/slide18.xml><?xml version="1.0" encoding="utf-8"?>
 <p:sld xmlns:a="http://schemas.openxmlformats.org/drawingml/2006/main" xmlns:r="http://schemas.openxmlformats.org/officeDocument/2006/relationships" xmlns:p="http://schemas.openxmlformats.org/presentationml/2006/main">
   <p:cSld>
     <p:spTree>
@@ -7595,7 +9081,7 @@
             <a:fld id="{779E3280-5C43-43EF-BE7D-8C553A58A779}" type="slidenum">
               <a:rPr lang="es-AR" smtClean="0"/>
               <a:pPr/>
-              <a:t>13</a:t>
+              <a:t>18</a:t>
             </a:fld>
             <a:endParaRPr lang="es-AR" dirty="0"/>
           </a:p>
@@ -7651,7 +9137,7 @@
 </p:sld>
 </file>
 
-<file path=ppt/slides/slide14.xml><?xml version="1.0" encoding="utf-8"?>
+<file path=ppt/slides/slide19.xml><?xml version="1.0" encoding="utf-8"?>
 <p:sld xmlns:a="http://schemas.openxmlformats.org/drawingml/2006/main" xmlns:r="http://schemas.openxmlformats.org/officeDocument/2006/relationships" xmlns:p="http://schemas.openxmlformats.org/presentationml/2006/main">
   <p:cSld>
     <p:spTree>
@@ -7732,7 +9218,7 @@
             <a:fld id="{779E3280-5C43-43EF-BE7D-8C553A58A779}" type="slidenum">
               <a:rPr lang="es-AR" smtClean="0"/>
               <a:pPr/>
-              <a:t>14</a:t>
+              <a:t>19</a:t>
             </a:fld>
             <a:endParaRPr lang="es-AR" dirty="0"/>
           </a:p>
@@ -7824,17 +9310,12 @@
               <a:buNone/>
             </a:pPr>
             <a:r>
-              <a:rPr lang="es-ES" dirty="0" smtClean="0"/>
-              <a:t>Se realiza la presentación del proyecto asignado en el marco de la asignatura Laboratorio de Desarrollo de Software, correspondiente a las carreras Analista y Licenciatura en Sistemas, año 2017. </a:t>
-            </a:r>
-          </a:p>
-          <a:p>
-            <a:pPr marL="0" indent="0">
-              <a:buNone/>
-            </a:pPr>
-            <a:r>
               <a:rPr lang="es-ES" b="1" u="sng" dirty="0" smtClean="0"/>
-              <a:t>Temas a desarrollar</a:t>
+              <a:t>Temas </a:t>
+            </a:r>
+            <a:r>
+              <a:rPr lang="es-ES" b="1" u="sng" dirty="0" smtClean="0"/>
+              <a:t>a desarrollar</a:t>
             </a:r>
             <a:r>
               <a:rPr lang="es-ES" dirty="0" smtClean="0"/>
@@ -7923,11 +9404,7 @@
           <a:p>
             <a:r>
               <a:rPr lang="es-AR" sz="1600" dirty="0" smtClean="0"/>
-              <a:t>OYARZO Mariela – QUIROGA Sandra – </a:t>
-            </a:r>
-            <a:r>
-              <a:rPr lang="es-AR" sz="1600" dirty="0" smtClean="0"/>
-              <a:t>MÁRQUEZ Emanuel</a:t>
+              <a:t>OYARZO Mariela – QUIROGA Sandra – MÁRQUEZ Emanuel</a:t>
             </a:r>
             <a:endParaRPr lang="es-AR" sz="1600" dirty="0"/>
           </a:p>
@@ -8158,7 +9635,7 @@
     </p:spTree>
     <p:extLst>
       <p:ext uri="{BB962C8B-B14F-4D97-AF65-F5344CB8AC3E}">
-        <p14:creationId xmlns:p14="http://schemas.microsoft.com/office/powerpoint/2010/main" xmlns="" val="51523331"/>
+        <p14:creationId xmlns="" xmlns:p14="http://schemas.microsoft.com/office/powerpoint/2010/main" val="51523331"/>
       </p:ext>
     </p:extLst>
   </p:cSld>
@@ -8166,7 +9643,7 @@
     <a:masterClrMapping/>
   </p:clrMapOvr>
   <mc:AlternateContent xmlns:mc="http://schemas.openxmlformats.org/markup-compatibility/2006">
-    <mc:Choice xmlns:p14="http://schemas.microsoft.com/office/powerpoint/2010/main" xmlns="" Requires="p14">
+    <mc:Choice xmlns="" xmlns:p14="http://schemas.microsoft.com/office/powerpoint/2010/main" Requires="p14">
       <p:transition spd="slow" p14:dur="3400">
         <p14:reveal/>
       </p:transition>
@@ -8380,7 +9857,7 @@
     </p:spTree>
     <p:extLst>
       <p:ext uri="{BB962C8B-B14F-4D97-AF65-F5344CB8AC3E}">
-        <p14:creationId xmlns:p14="http://schemas.microsoft.com/office/powerpoint/2010/main" xmlns="" val="51523331"/>
+        <p14:creationId xmlns="" xmlns:p14="http://schemas.microsoft.com/office/powerpoint/2010/main" val="51523331"/>
       </p:ext>
     </p:extLst>
   </p:cSld>
@@ -8388,7 +9865,7 @@
     <a:masterClrMapping/>
   </p:clrMapOvr>
   <mc:AlternateContent xmlns:mc="http://schemas.openxmlformats.org/markup-compatibility/2006">
-    <mc:Choice xmlns:p14="http://schemas.microsoft.com/office/powerpoint/2010/main" xmlns="" Requires="p14">
+    <mc:Choice xmlns="" xmlns:p14="http://schemas.microsoft.com/office/powerpoint/2010/main" Requires="p14">
       <p:transition spd="slow" p14:dur="3400">
         <p14:reveal/>
       </p:transition>
@@ -8534,7 +10011,7 @@
     </p:spTree>
     <p:extLst>
       <p:ext uri="{BB962C8B-B14F-4D97-AF65-F5344CB8AC3E}">
-        <p14:creationId xmlns:p14="http://schemas.microsoft.com/office/powerpoint/2010/main" xmlns="" val="51523331"/>
+        <p14:creationId xmlns="" xmlns:p14="http://schemas.microsoft.com/office/powerpoint/2010/main" val="51523331"/>
       </p:ext>
     </p:extLst>
   </p:cSld>
@@ -8542,7 +10019,7 @@
     <a:masterClrMapping/>
   </p:clrMapOvr>
   <mc:AlternateContent xmlns:mc="http://schemas.openxmlformats.org/markup-compatibility/2006">
-    <mc:Choice xmlns:p14="http://schemas.microsoft.com/office/powerpoint/2010/main" xmlns="" Requires="p14">
+    <mc:Choice xmlns="" xmlns:p14="http://schemas.microsoft.com/office/powerpoint/2010/main" Requires="p14">
       <p:transition spd="slow" p14:dur="3400">
         <p14:reveal/>
       </p:transition>
@@ -8688,7 +10165,7 @@
     </p:spTree>
     <p:extLst>
       <p:ext uri="{BB962C8B-B14F-4D97-AF65-F5344CB8AC3E}">
-        <p14:creationId xmlns:p14="http://schemas.microsoft.com/office/powerpoint/2010/main" xmlns="" val="51523331"/>
+        <p14:creationId xmlns="" xmlns:p14="http://schemas.microsoft.com/office/powerpoint/2010/main" val="51523331"/>
       </p:ext>
     </p:extLst>
   </p:cSld>
@@ -8696,7 +10173,7 @@
     <a:masterClrMapping/>
   </p:clrMapOvr>
   <mc:AlternateContent xmlns:mc="http://schemas.openxmlformats.org/markup-compatibility/2006">
-    <mc:Choice xmlns:p14="http://schemas.microsoft.com/office/powerpoint/2010/main" xmlns="" Requires="p14">
+    <mc:Choice xmlns="" xmlns:p14="http://schemas.microsoft.com/office/powerpoint/2010/main" Requires="p14">
       <p:transition spd="slow" p14:dur="3400">
         <p14:reveal/>
       </p:transition>
@@ -8774,11 +10251,7 @@
           <a:p>
             <a:r>
               <a:rPr lang="es-AR" sz="1600" dirty="0" smtClean="0"/>
-              <a:t>OYARZO Mariela – QUIROGA Sandra – MÁRQUEZ </a:t>
-            </a:r>
-            <a:r>
-              <a:rPr lang="es-AR" sz="1600" dirty="0" smtClean="0"/>
-              <a:t>Emanuel</a:t>
+              <a:t>OYARZO Mariela – QUIROGA Sandra – MÁRQUEZ Emanuel</a:t>
             </a:r>
             <a:endParaRPr lang="es-AR" sz="1600" dirty="0"/>
           </a:p>
@@ -8877,25 +10350,6 @@
       </p:grpSpPr>
       <p:sp>
         <p:nvSpPr>
-          <p:cNvPr id="2" name="1 Marcador de contenido"/>
-          <p:cNvSpPr>
-            <a:spLocks noGrp="1"/>
-          </p:cNvSpPr>
-          <p:nvPr>
-            <p:ph idx="1"/>
-          </p:nvPr>
-        </p:nvSpPr>
-        <p:spPr/>
-        <p:txBody>
-          <a:bodyPr/>
-          <a:lstStyle/>
-          <a:p>
-            <a:endParaRPr lang="es-AR" dirty="0"/>
-          </a:p>
-        </p:txBody>
-      </p:sp>
-      <p:sp>
-        <p:nvSpPr>
           <p:cNvPr id="3" name="2 Título"/>
           <p:cNvSpPr>
             <a:spLocks noGrp="1"/>
@@ -8934,11 +10388,7 @@
           <a:p>
             <a:r>
               <a:rPr lang="es-AR" sz="1600" dirty="0" smtClean="0"/>
-              <a:t>OYARZO Mariela – QUIROGA Sandra – MÁRQUEZ </a:t>
-            </a:r>
-            <a:r>
-              <a:rPr lang="es-AR" sz="1600" dirty="0" smtClean="0"/>
-              <a:t>Emanuel</a:t>
+              <a:t>OYARZO Mariela – QUIROGA Sandra – MÁRQUEZ Emanuel</a:t>
             </a:r>
             <a:endParaRPr lang="es-AR" sz="1600" dirty="0"/>
           </a:p>
@@ -8965,6 +10415,256 @@
               <a:t>8</a:t>
             </a:fld>
             <a:endParaRPr lang="es-AR" dirty="0"/>
+          </a:p>
+        </p:txBody>
+      </p:sp>
+      <p:pic>
+        <p:nvPicPr>
+          <p:cNvPr id="1026" name="Picture 2"/>
+          <p:cNvPicPr>
+            <a:picLocks noGrp="1" noChangeAspect="1" noChangeArrowheads="1"/>
+          </p:cNvPicPr>
+          <p:nvPr>
+            <p:ph idx="1"/>
+          </p:nvPr>
+        </p:nvPicPr>
+        <p:blipFill>
+          <a:blip r:embed="rId2"/>
+          <a:srcRect/>
+          <a:stretch>
+            <a:fillRect/>
+          </a:stretch>
+        </p:blipFill>
+        <p:spPr bwMode="auto">
+          <a:xfrm>
+            <a:off x="1914556" y="1994487"/>
+            <a:ext cx="8074873" cy="2784975"/>
+          </a:xfrm>
+          <a:prstGeom prst="rect">
+            <a:avLst/>
+          </a:prstGeom>
+          <a:noFill/>
+          <a:ln w="9525">
+            <a:noFill/>
+            <a:miter lim="800000"/>
+            <a:headEnd/>
+            <a:tailEnd/>
+          </a:ln>
+          <a:effectLst/>
+        </p:spPr>
+      </p:pic>
+      <p:sp>
+        <p:nvSpPr>
+          <p:cNvPr id="7" name="6 Rectángulo"/>
+          <p:cNvSpPr/>
+          <p:nvPr/>
+        </p:nvSpPr>
+        <p:spPr>
+          <a:xfrm>
+            <a:off x="1223890" y="4839286"/>
+            <a:ext cx="9819248" cy="1477328"/>
+          </a:xfrm>
+          <a:prstGeom prst="rect">
+            <a:avLst/>
+          </a:prstGeom>
+        </p:spPr>
+        <p:txBody>
+          <a:bodyPr wrap="square">
+            <a:spAutoFit/>
+          </a:bodyPr>
+          <a:lstStyle/>
+          <a:p>
+            <a:r>
+              <a:rPr lang="es-AR" b="1" i="1" u="sng" dirty="0" smtClean="0">
+                <a:solidFill>
+                  <a:schemeClr val="bg1"/>
+                </a:solidFill>
+              </a:rPr>
+              <a:t>FORMULA</a:t>
+            </a:r>
+            <a:r>
+              <a:rPr lang="es-AR" dirty="0" smtClean="0">
+                <a:solidFill>
+                  <a:schemeClr val="bg1"/>
+                </a:solidFill>
+              </a:rPr>
+              <a:t>: Total horas hombres / (horas semanales (</a:t>
+            </a:r>
+            <a:r>
+              <a:rPr lang="es-AR" dirty="0" err="1" smtClean="0">
+                <a:solidFill>
+                  <a:schemeClr val="bg1"/>
+                </a:solidFill>
+              </a:rPr>
+              <a:t>part</a:t>
+            </a:r>
+            <a:r>
+              <a:rPr lang="es-AR" dirty="0" smtClean="0">
+                <a:solidFill>
+                  <a:schemeClr val="bg1"/>
+                </a:solidFill>
+              </a:rPr>
+              <a:t>-time)*personas) =  semanas</a:t>
+            </a:r>
+          </a:p>
+          <a:p>
+            <a:r>
+              <a:rPr lang="es-AR" dirty="0" smtClean="0">
+                <a:solidFill>
+                  <a:schemeClr val="bg1"/>
+                </a:solidFill>
+              </a:rPr>
+              <a:t>                         3750</a:t>
+            </a:r>
+            <a:r>
+              <a:rPr lang="es-AR" dirty="0" smtClean="0">
+                <a:solidFill>
+                  <a:schemeClr val="bg1"/>
+                </a:solidFill>
+              </a:rPr>
+              <a:t>/(20*3)= 62.5 semanas</a:t>
+            </a:r>
+          </a:p>
+          <a:p>
+            <a:r>
+              <a:rPr lang="es-AR" b="1" i="1" u="sng" dirty="0" smtClean="0">
+                <a:solidFill>
+                  <a:schemeClr val="bg1"/>
+                </a:solidFill>
+              </a:rPr>
+              <a:t>FORMULA</a:t>
+            </a:r>
+            <a:r>
+              <a:rPr lang="es-AR" dirty="0" smtClean="0">
+                <a:solidFill>
+                  <a:schemeClr val="bg1"/>
+                </a:solidFill>
+              </a:rPr>
+              <a:t>: Semanas / semanas que tiene un </a:t>
+            </a:r>
+            <a:r>
+              <a:rPr lang="es-AR" dirty="0" smtClean="0">
+                <a:solidFill>
+                  <a:schemeClr val="bg1"/>
+                </a:solidFill>
+              </a:rPr>
+              <a:t>mes=meses</a:t>
+            </a:r>
+          </a:p>
+          <a:p>
+            <a:r>
+              <a:rPr lang="es-AR" dirty="0" smtClean="0">
+                <a:solidFill>
+                  <a:schemeClr val="bg1"/>
+                </a:solidFill>
+              </a:rPr>
+              <a:t> </a:t>
+            </a:r>
+            <a:r>
+              <a:rPr lang="es-AR" dirty="0" smtClean="0">
+                <a:solidFill>
+                  <a:schemeClr val="bg1"/>
+                </a:solidFill>
+              </a:rPr>
+              <a:t>                         62,5 </a:t>
+            </a:r>
+            <a:r>
+              <a:rPr lang="es-AR" dirty="0" smtClean="0">
+                <a:solidFill>
+                  <a:schemeClr val="bg1"/>
+                </a:solidFill>
+              </a:rPr>
+              <a:t>/ 4= 15,6 meses</a:t>
+            </a:r>
+          </a:p>
+          <a:p>
+            <a:r>
+              <a:rPr lang="es-AR" b="1" i="1" u="sng" dirty="0" smtClean="0">
+                <a:solidFill>
+                  <a:schemeClr val="bg1"/>
+                </a:solidFill>
+              </a:rPr>
+              <a:t>Estimación en años</a:t>
+            </a:r>
+            <a:r>
+              <a:rPr lang="es-AR" b="1" i="1" dirty="0" smtClean="0">
+                <a:solidFill>
+                  <a:schemeClr val="bg1"/>
+                </a:solidFill>
+              </a:rPr>
+              <a:t>: </a:t>
+            </a:r>
+            <a:r>
+              <a:rPr lang="es-AR" dirty="0" smtClean="0">
+                <a:solidFill>
+                  <a:schemeClr val="bg1"/>
+                </a:solidFill>
+              </a:rPr>
+              <a:t>15,6 / 12 = </a:t>
+            </a:r>
+            <a:r>
+              <a:rPr lang="es-AR" b="1" dirty="0" smtClean="0">
+                <a:solidFill>
+                  <a:schemeClr val="bg1"/>
+                </a:solidFill>
+              </a:rPr>
+              <a:t>1 años y 3 meses</a:t>
+            </a:r>
+            <a:r>
+              <a:rPr lang="es-AR" dirty="0" smtClean="0">
+                <a:solidFill>
+                  <a:schemeClr val="bg1"/>
+                </a:solidFill>
+              </a:rPr>
+              <a:t>.</a:t>
+            </a:r>
+            <a:endParaRPr lang="es-AR" dirty="0">
+              <a:solidFill>
+                <a:schemeClr val="bg1"/>
+              </a:solidFill>
+            </a:endParaRPr>
+          </a:p>
+        </p:txBody>
+      </p:sp>
+      <p:sp>
+        <p:nvSpPr>
+          <p:cNvPr id="8" name="7 CuadroTexto"/>
+          <p:cNvSpPr txBox="1"/>
+          <p:nvPr/>
+        </p:nvSpPr>
+        <p:spPr>
+          <a:xfrm>
+            <a:off x="1477106" y="1529274"/>
+            <a:ext cx="7680961" cy="369332"/>
+          </a:xfrm>
+          <a:prstGeom prst="rect">
+            <a:avLst/>
+          </a:prstGeom>
+          <a:noFill/>
+        </p:spPr>
+        <p:txBody>
+          <a:bodyPr wrap="square" rtlCol="0">
+            <a:spAutoFit/>
+          </a:bodyPr>
+          <a:lstStyle/>
+          <a:p>
+            <a:r>
+              <a:rPr lang="es-AR" b="1" i="1" u="sng" dirty="0" smtClean="0">
+                <a:solidFill>
+                  <a:schemeClr val="bg1"/>
+                </a:solidFill>
+              </a:rPr>
+              <a:t>Estimación del proyecto</a:t>
+            </a:r>
+            <a:r>
+              <a:rPr lang="es-AR" b="1" i="1" u="sng" dirty="0" smtClean="0">
+                <a:solidFill>
+                  <a:schemeClr val="bg1"/>
+                </a:solidFill>
+              </a:rPr>
+              <a:t>.</a:t>
+            </a:r>
+            <a:endParaRPr lang="es-AR" b="1" i="1" u="sng" dirty="0"/>
           </a:p>
         </p:txBody>
       </p:sp>
@@ -9017,11 +10717,7 @@
           <a:p>
             <a:r>
               <a:rPr lang="es-AR" dirty="0" smtClean="0"/>
-              <a:t>Prototipo </a:t>
-            </a:r>
-            <a:r>
-              <a:rPr lang="es-AR" dirty="0" err="1" smtClean="0"/>
-              <a:t>App</a:t>
+              <a:t>Estimación de la Iteración</a:t>
             </a:r>
             <a:endParaRPr lang="es-AR" dirty="0"/>
           </a:p>
@@ -9043,14 +10739,10 @@
           <a:lstStyle/>
           <a:p>
             <a:r>
-              <a:rPr lang="es-AR" sz="1600" dirty="0" smtClean="0"/>
-              <a:t>OYARZO Mariela – QUIROGA Sandra – MÁRQUEZ </a:t>
-            </a:r>
-            <a:r>
-              <a:rPr lang="es-AR" sz="1600" dirty="0" smtClean="0"/>
-              <a:t>Emanuel</a:t>
-            </a:r>
-            <a:endParaRPr lang="es-AR" sz="1600" dirty="0"/>
+              <a:rPr lang="es-AR" smtClean="0"/>
+              <a:t>OYARZO Mariela – QUIROGA Sandra – MÁRQUEZ EMANUEL</a:t>
+            </a:r>
+            <a:endParaRPr lang="es-AR" dirty="0"/>
           </a:p>
         </p:txBody>
       </p:sp>
@@ -9080,7 +10772,7 @@
       </p:sp>
       <p:pic>
         <p:nvPicPr>
-          <p:cNvPr id="5123" name="Picture 3"/>
+          <p:cNvPr id="2055" name="Picture 7"/>
           <p:cNvPicPr>
             <a:picLocks noGrp="1" noChangeAspect="1" noChangeArrowheads="1"/>
           </p:cNvPicPr>
@@ -9097,8 +10789,8 @@
         </p:blipFill>
         <p:spPr bwMode="auto">
           <a:xfrm>
-            <a:off x="327122" y="1563333"/>
-            <a:ext cx="2781300" cy="4705350"/>
+            <a:off x="2293035" y="2869809"/>
+            <a:ext cx="6231987" cy="3123027"/>
           </a:xfrm>
           <a:prstGeom prst="rect">
             <a:avLst/>
@@ -9113,50 +10805,18 @@
           <a:effectLst/>
         </p:spPr>
       </p:pic>
-      <p:pic>
-        <p:nvPicPr>
-          <p:cNvPr id="10" name="9 Imagen" descr="02.png"/>
-          <p:cNvPicPr>
-            <a:picLocks noChangeAspect="1"/>
-          </p:cNvPicPr>
+      <p:sp>
+        <p:nvSpPr>
+          <p:cNvPr id="2056" name="Rectangle 8"/>
+          <p:cNvSpPr>
+            <a:spLocks noChangeArrowheads="1"/>
+          </p:cNvSpPr>
           <p:nvPr/>
-        </p:nvPicPr>
-        <p:blipFill>
-          <a:blip r:embed="rId3"/>
-          <a:srcRect l="20141" r="53205"/>
-          <a:stretch>
-            <a:fillRect/>
-          </a:stretch>
-        </p:blipFill>
-        <p:spPr>
-          <a:xfrm>
-            <a:off x="3080825" y="1378632"/>
-            <a:ext cx="2729132" cy="5064370"/>
-          </a:xfrm>
-          <a:prstGeom prst="rect">
-            <a:avLst/>
-          </a:prstGeom>
-        </p:spPr>
-      </p:pic>
-      <p:pic>
-        <p:nvPicPr>
-          <p:cNvPr id="5125" name="Picture 5"/>
-          <p:cNvPicPr>
-            <a:picLocks noChangeAspect="1" noChangeArrowheads="1"/>
-          </p:cNvPicPr>
-          <p:nvPr/>
-        </p:nvPicPr>
-        <p:blipFill>
-          <a:blip r:embed="rId4"/>
-          <a:srcRect/>
-          <a:stretch>
-            <a:fillRect/>
-          </a:stretch>
-        </p:blipFill>
+        </p:nvSpPr>
         <p:spPr bwMode="auto">
           <a:xfrm>
-            <a:off x="5868646" y="1565398"/>
-            <a:ext cx="2733675" cy="4863537"/>
+            <a:off x="609599" y="1538068"/>
+            <a:ext cx="11408229" cy="1200329"/>
           </a:xfrm>
           <a:prstGeom prst="rect">
             <a:avLst/>
@@ -9170,52 +10830,105 @@
           </a:ln>
           <a:effectLst/>
         </p:spPr>
-      </p:pic>
-      <p:pic>
-        <p:nvPicPr>
-          <p:cNvPr id="5126" name="Picture 6"/>
-          <p:cNvPicPr>
-            <a:picLocks noChangeAspect="1" noChangeArrowheads="1"/>
-          </p:cNvPicPr>
-          <p:nvPr/>
-        </p:nvPicPr>
-        <p:blipFill>
-          <a:blip r:embed="rId5"/>
-          <a:srcRect/>
-          <a:stretch>
-            <a:fillRect/>
-          </a:stretch>
-        </p:blipFill>
-        <p:spPr bwMode="auto">
-          <a:xfrm>
-            <a:off x="8640200" y="1561513"/>
-            <a:ext cx="2705100" cy="4825219"/>
-          </a:xfrm>
-          <a:prstGeom prst="rect">
-            <a:avLst/>
-          </a:prstGeom>
-          <a:noFill/>
-          <a:ln w="9525">
-            <a:noFill/>
-            <a:miter lim="800000"/>
-            <a:headEnd/>
-            <a:tailEnd/>
-          </a:ln>
-          <a:effectLst/>
-        </p:spPr>
-      </p:pic>
+        <p:txBody>
+          <a:bodyPr vert="horz" wrap="square" lIns="91440" tIns="45720" rIns="91440" bIns="45720" numCol="1" anchor="ctr" anchorCtr="0" compatLnSpc="1">
+            <a:prstTxWarp prst="textNoShape">
+              <a:avLst/>
+            </a:prstTxWarp>
+            <a:spAutoFit/>
+          </a:bodyPr>
+          <a:lstStyle/>
+          <a:p>
+            <a:pPr marL="0" marR="0" lvl="0" indent="0" algn="l" defTabSz="914400" rtl="0" eaLnBrk="1" fontAlgn="base" latinLnBrk="0" hangingPunct="1">
+              <a:lnSpc>
+                <a:spcPct val="100000"/>
+              </a:lnSpc>
+              <a:spcBef>
+                <a:spcPct val="0"/>
+              </a:spcBef>
+              <a:spcAft>
+                <a:spcPct val="0"/>
+              </a:spcAft>
+              <a:buClrTx/>
+              <a:buSzTx/>
+              <a:buFontTx/>
+              <a:buNone/>
+              <a:tabLst/>
+            </a:pPr>
+            <a:r>
+              <a:rPr kumimoji="0" lang="es-ES" sz="2400" b="0" i="0" u="none" strike="noStrike" cap="none" normalizeH="0" baseline="0" dirty="0" smtClean="0">
+                <a:ln>
+                  <a:noFill/>
+                </a:ln>
+                <a:solidFill>
+                  <a:schemeClr val="bg1"/>
+                </a:solidFill>
+                <a:effectLst/>
+                <a:ea typeface="Calibri" pitchFamily="34" charset="0"/>
+                <a:cs typeface="Times New Roman" pitchFamily="18" charset="0"/>
+              </a:rPr>
+              <a:t>Estimación para la fase de construcción, sobre la base de los casos de uso que se han identificado durante la fase de Inicio y considerando los avances de la iteración anterior. </a:t>
+            </a:r>
+            <a:endParaRPr kumimoji="0" lang="es-AR" sz="2400" b="0" i="0" u="none" strike="noStrike" cap="none" normalizeH="0" baseline="0" dirty="0" smtClean="0">
+              <a:ln>
+                <a:noFill/>
+              </a:ln>
+              <a:solidFill>
+                <a:schemeClr val="bg1"/>
+              </a:solidFill>
+              <a:effectLst/>
+              <a:cs typeface="Arial" pitchFamily="34" charset="0"/>
+            </a:endParaRPr>
+          </a:p>
+          <a:p>
+            <a:pPr marL="0" marR="0" lvl="0" indent="0" algn="l" defTabSz="914400" rtl="0" eaLnBrk="0" fontAlgn="base" latinLnBrk="0" hangingPunct="0">
+              <a:lnSpc>
+                <a:spcPct val="100000"/>
+              </a:lnSpc>
+              <a:spcBef>
+                <a:spcPct val="0"/>
+              </a:spcBef>
+              <a:spcAft>
+                <a:spcPct val="0"/>
+              </a:spcAft>
+              <a:buClrTx/>
+              <a:buSzTx/>
+              <a:buFontTx/>
+              <a:buNone/>
+              <a:tabLst/>
+            </a:pPr>
+            <a:r>
+              <a:rPr kumimoji="0" lang="es-ES" sz="2400" b="0" i="0" u="sng" strike="noStrike" cap="none" normalizeH="0" baseline="0" dirty="0" smtClean="0">
+                <a:ln>
+                  <a:noFill/>
+                </a:ln>
+                <a:solidFill>
+                  <a:schemeClr val="bg1"/>
+                </a:solidFill>
+                <a:effectLst/>
+                <a:ea typeface="Calibri" pitchFamily="34" charset="0"/>
+                <a:cs typeface="Times New Roman" pitchFamily="18" charset="0"/>
+              </a:rPr>
+              <a:t>Estimación Nº 1</a:t>
+            </a:r>
+            <a:endParaRPr kumimoji="0" lang="es-ES" sz="2400" b="0" i="0" u="none" strike="noStrike" cap="none" normalizeH="0" baseline="0" dirty="0" smtClean="0">
+              <a:ln>
+                <a:noFill/>
+              </a:ln>
+              <a:solidFill>
+                <a:schemeClr val="bg1"/>
+              </a:solidFill>
+              <a:effectLst/>
+              <a:cs typeface="Arial" pitchFamily="34" charset="0"/>
+            </a:endParaRPr>
+          </a:p>
+        </p:txBody>
+      </p:sp>
     </p:spTree>
   </p:cSld>
   <p:clrMapOvr>
     <a:masterClrMapping/>
   </p:clrMapOvr>
-  <p:timing>
-    <p:tnLst>
-      <p:par>
-        <p:cTn id="1" dur="indefinite" restart="never" nodeType="tmRoot"/>
-      </p:par>
-    </p:tnLst>
-  </p:timing>
 </p:sld>
 </file>
 
@@ -9474,7 +11187,7 @@
   <a:extraClrSchemeLst/>
   <a:extLst>
     <a:ext uri="{05A4C25C-085E-4340-85A3-A5531E510DB2}">
-      <thm15:themeFamily xmlns:thm15="http://schemas.microsoft.com/office/thememl/2012/main" xmlns="" name="Depth" id="{7BEAFC2A-325C-49C4-AC08-2B765DA903F9}" vid="{1735E755-43E6-43AA-ABA2-C989ECC79AF5}"/>
+      <thm15:themeFamily xmlns="" xmlns:thm15="http://schemas.microsoft.com/office/thememl/2012/main" name="Depth" id="{7BEAFC2A-325C-49C4-AC08-2B765DA903F9}" vid="{1735E755-43E6-43AA-ABA2-C989ECC79AF5}"/>
     </a:ext>
   </a:extLst>
 </a:theme>

--- a/08. Presentaciones/Presentación 5 Parcial - 17.10.17.pptx
+++ b/08. Presentaciones/Presentación 5 Parcial - 17.10.17.pptx
@@ -14,22 +14,22 @@
     <p:sldId id="277" r:id="rId2"/>
     <p:sldId id="289" r:id="rId3"/>
     <p:sldId id="282" r:id="rId4"/>
-    <p:sldId id="287" r:id="rId5"/>
-    <p:sldId id="283" r:id="rId6"/>
-    <p:sldId id="284" r:id="rId7"/>
-    <p:sldId id="285" r:id="rId8"/>
-    <p:sldId id="290" r:id="rId9"/>
-    <p:sldId id="297" r:id="rId10"/>
-    <p:sldId id="298" r:id="rId11"/>
-    <p:sldId id="299" r:id="rId12"/>
-    <p:sldId id="300" r:id="rId13"/>
-    <p:sldId id="301" r:id="rId14"/>
-    <p:sldId id="291" r:id="rId15"/>
-    <p:sldId id="292" r:id="rId16"/>
-    <p:sldId id="293" r:id="rId17"/>
-    <p:sldId id="294" r:id="rId18"/>
-    <p:sldId id="295" r:id="rId19"/>
-    <p:sldId id="296" r:id="rId20"/>
+    <p:sldId id="283" r:id="rId5"/>
+    <p:sldId id="284" r:id="rId6"/>
+    <p:sldId id="285" r:id="rId7"/>
+    <p:sldId id="290" r:id="rId8"/>
+    <p:sldId id="297" r:id="rId9"/>
+    <p:sldId id="298" r:id="rId10"/>
+    <p:sldId id="299" r:id="rId11"/>
+    <p:sldId id="300" r:id="rId12"/>
+    <p:sldId id="301" r:id="rId13"/>
+    <p:sldId id="291" r:id="rId14"/>
+    <p:sldId id="292" r:id="rId15"/>
+    <p:sldId id="293" r:id="rId16"/>
+    <p:sldId id="294" r:id="rId17"/>
+    <p:sldId id="295" r:id="rId18"/>
+    <p:sldId id="296" r:id="rId19"/>
+    <p:sldId id="302" r:id="rId20"/>
   </p:sldIdLst>
   <p:sldSz cx="12192000" cy="6858000"/>
   <p:notesSz cx="6858000" cy="9144000"/>
@@ -130,7 +130,7 @@
   </p:defaultTextStyle>
   <p:extLst>
     <p:ext uri="{EFAFB233-063F-42B5-8137-9DF3F51BA10A}">
-      <p15:sldGuideLst xmlns="" xmlns:p15="http://schemas.microsoft.com/office/powerpoint/2012/main">
+      <p15:sldGuideLst xmlns:p15="http://schemas.microsoft.com/office/powerpoint/2012/main">
         <p15:guide id="1" orient="horz" pos="2160">
           <p15:clr>
             <a:srgbClr val="A4A3A4"/>
@@ -309,7 +309,7 @@
     </p:spTree>
     <p:extLst>
       <p:ext uri="{BB962C8B-B14F-4D97-AF65-F5344CB8AC3E}">
-        <p14:creationId xmlns="" xmlns:p14="http://schemas.microsoft.com/office/powerpoint/2010/main" val="2830949299"/>
+        <p14:creationId xmlns:p14="http://schemas.microsoft.com/office/powerpoint/2010/main" val="2830949299"/>
       </p:ext>
     </p:extLst>
   </p:cSld>
@@ -573,7 +573,7 @@
     </p:spTree>
     <p:extLst>
       <p:ext uri="{BB962C8B-B14F-4D97-AF65-F5344CB8AC3E}">
-        <p14:creationId xmlns="" xmlns:p14="http://schemas.microsoft.com/office/powerpoint/2010/main" val="3361875708"/>
+        <p14:creationId xmlns:p14="http://schemas.microsoft.com/office/powerpoint/2010/main" val="3361875708"/>
       </p:ext>
     </p:extLst>
   </p:cSld>
@@ -926,7 +926,7 @@
     </p:spTree>
     <p:extLst>
       <p:ext uri="{BB962C8B-B14F-4D97-AF65-F5344CB8AC3E}">
-        <p14:creationId xmlns="" xmlns:p14="http://schemas.microsoft.com/office/powerpoint/2010/main" val="1072273061"/>
+        <p14:creationId xmlns:p14="http://schemas.microsoft.com/office/powerpoint/2010/main" val="1072273061"/>
       </p:ext>
     </p:extLst>
   </p:cSld>
@@ -1212,7 +1212,7 @@
     </p:spTree>
     <p:extLst>
       <p:ext uri="{BB962C8B-B14F-4D97-AF65-F5344CB8AC3E}">
-        <p14:creationId xmlns="" xmlns:p14="http://schemas.microsoft.com/office/powerpoint/2010/main" val="3444745824"/>
+        <p14:creationId xmlns:p14="http://schemas.microsoft.com/office/powerpoint/2010/main" val="3444745824"/>
       </p:ext>
     </p:extLst>
   </p:cSld>
@@ -1409,7 +1409,7 @@
     </p:spTree>
     <p:extLst>
       <p:ext uri="{BB962C8B-B14F-4D97-AF65-F5344CB8AC3E}">
-        <p14:creationId xmlns="" xmlns:p14="http://schemas.microsoft.com/office/powerpoint/2010/main" val="2217620014"/>
+        <p14:creationId xmlns:p14="http://schemas.microsoft.com/office/powerpoint/2010/main" val="2217620014"/>
       </p:ext>
     </p:extLst>
   </p:cSld>
@@ -1907,7 +1907,7 @@
     </p:spTree>
     <p:extLst>
       <p:ext uri="{BB962C8B-B14F-4D97-AF65-F5344CB8AC3E}">
-        <p14:creationId xmlns="" xmlns:p14="http://schemas.microsoft.com/office/powerpoint/2010/main" val="2136429344"/>
+        <p14:creationId xmlns:p14="http://schemas.microsoft.com/office/powerpoint/2010/main" val="2136429344"/>
       </p:ext>
     </p:extLst>
   </p:cSld>
@@ -2106,7 +2106,7 @@
     </p:spTree>
     <p:extLst>
       <p:ext uri="{BB962C8B-B14F-4D97-AF65-F5344CB8AC3E}">
-        <p14:creationId xmlns="" xmlns:p14="http://schemas.microsoft.com/office/powerpoint/2010/main" val="1401297368"/>
+        <p14:creationId xmlns:p14="http://schemas.microsoft.com/office/powerpoint/2010/main" val="1401297368"/>
       </p:ext>
     </p:extLst>
   </p:cSld>
@@ -2657,7 +2657,7 @@
     </p:spTree>
     <p:extLst>
       <p:ext uri="{BB962C8B-B14F-4D97-AF65-F5344CB8AC3E}">
-        <p14:creationId xmlns="" xmlns:p14="http://schemas.microsoft.com/office/powerpoint/2010/main" val="3581304418"/>
+        <p14:creationId xmlns:p14="http://schemas.microsoft.com/office/powerpoint/2010/main" val="3581304418"/>
       </p:ext>
     </p:extLst>
   </p:cSld>
@@ -3493,7 +3493,7 @@
     </p:spTree>
     <p:extLst>
       <p:ext uri="{BB962C8B-B14F-4D97-AF65-F5344CB8AC3E}">
-        <p14:creationId xmlns="" xmlns:p14="http://schemas.microsoft.com/office/powerpoint/2010/main" val="2434754427"/>
+        <p14:creationId xmlns:p14="http://schemas.microsoft.com/office/powerpoint/2010/main" val="2434754427"/>
       </p:ext>
     </p:extLst>
   </p:cSld>
@@ -3668,7 +3668,7 @@
     </p:spTree>
     <p:extLst>
       <p:ext uri="{BB962C8B-B14F-4D97-AF65-F5344CB8AC3E}">
-        <p14:creationId xmlns="" xmlns:p14="http://schemas.microsoft.com/office/powerpoint/2010/main" val="796553577"/>
+        <p14:creationId xmlns:p14="http://schemas.microsoft.com/office/powerpoint/2010/main" val="796553577"/>
       </p:ext>
     </p:extLst>
   </p:cSld>
@@ -3853,7 +3853,7 @@
     </p:spTree>
     <p:extLst>
       <p:ext uri="{BB962C8B-B14F-4D97-AF65-F5344CB8AC3E}">
-        <p14:creationId xmlns="" xmlns:p14="http://schemas.microsoft.com/office/powerpoint/2010/main" val="2178378210"/>
+        <p14:creationId xmlns:p14="http://schemas.microsoft.com/office/powerpoint/2010/main" val="2178378210"/>
       </p:ext>
     </p:extLst>
   </p:cSld>
@@ -4216,7 +4216,7 @@
           <a:blip r:embed="rId2">
             <a:extLst>
               <a:ext uri="{28A0092B-C50C-407E-A947-70E740481C1C}">
-                <a14:useLocalDpi xmlns="" xmlns:a14="http://schemas.microsoft.com/office/drawing/2010/main" val="0"/>
+                <a14:useLocalDpi xmlns:a14="http://schemas.microsoft.com/office/drawing/2010/main" val="0"/>
               </a:ext>
             </a:extLst>
           </a:blip>
@@ -4246,7 +4246,7 @@
           <a:blip r:embed="rId3" cstate="print">
             <a:extLst>
               <a:ext uri="{28A0092B-C50C-407E-A947-70E740481C1C}">
-                <a14:useLocalDpi xmlns="" xmlns:a14="http://schemas.microsoft.com/office/drawing/2010/main" val="0"/>
+                <a14:useLocalDpi xmlns:a14="http://schemas.microsoft.com/office/drawing/2010/main" val="0"/>
               </a:ext>
             </a:extLst>
           </a:blip>
@@ -4276,7 +4276,7 @@
           <a:blip r:embed="rId4" cstate="print">
             <a:extLst>
               <a:ext uri="{28A0092B-C50C-407E-A947-70E740481C1C}">
-                <a14:useLocalDpi xmlns="" xmlns:a14="http://schemas.microsoft.com/office/drawing/2010/main" val="0"/>
+                <a14:useLocalDpi xmlns:a14="http://schemas.microsoft.com/office/drawing/2010/main" val="0"/>
               </a:ext>
             </a:extLst>
           </a:blip>
@@ -4297,7 +4297,7 @@
     </p:spTree>
     <p:extLst>
       <p:ext uri="{BB962C8B-B14F-4D97-AF65-F5344CB8AC3E}">
-        <p14:creationId xmlns="" xmlns:p14="http://schemas.microsoft.com/office/powerpoint/2010/main" val="1987851363"/>
+        <p14:creationId xmlns:p14="http://schemas.microsoft.com/office/powerpoint/2010/main" val="1987851363"/>
       </p:ext>
     </p:extLst>
   </p:cSld>
@@ -4559,7 +4559,7 @@
     </p:spTree>
     <p:extLst>
       <p:ext uri="{BB962C8B-B14F-4D97-AF65-F5344CB8AC3E}">
-        <p14:creationId xmlns="" xmlns:p14="http://schemas.microsoft.com/office/powerpoint/2010/main" val="2343256160"/>
+        <p14:creationId xmlns:p14="http://schemas.microsoft.com/office/powerpoint/2010/main" val="2343256160"/>
       </p:ext>
     </p:extLst>
   </p:cSld>
@@ -4796,7 +4796,7 @@
     </p:spTree>
     <p:extLst>
       <p:ext uri="{BB962C8B-B14F-4D97-AF65-F5344CB8AC3E}">
-        <p14:creationId xmlns="" xmlns:p14="http://schemas.microsoft.com/office/powerpoint/2010/main" val="492701131"/>
+        <p14:creationId xmlns:p14="http://schemas.microsoft.com/office/powerpoint/2010/main" val="492701131"/>
       </p:ext>
     </p:extLst>
   </p:cSld>
@@ -5194,7 +5194,7 @@
     </p:spTree>
     <p:extLst>
       <p:ext uri="{BB962C8B-B14F-4D97-AF65-F5344CB8AC3E}">
-        <p14:creationId xmlns="" xmlns:p14="http://schemas.microsoft.com/office/powerpoint/2010/main" val="1192843996"/>
+        <p14:creationId xmlns:p14="http://schemas.microsoft.com/office/powerpoint/2010/main" val="1192843996"/>
       </p:ext>
     </p:extLst>
   </p:cSld>
@@ -5317,7 +5317,7 @@
     </p:spTree>
     <p:extLst>
       <p:ext uri="{BB962C8B-B14F-4D97-AF65-F5344CB8AC3E}">
-        <p14:creationId xmlns="" xmlns:p14="http://schemas.microsoft.com/office/powerpoint/2010/main" val="1497457452"/>
+        <p14:creationId xmlns:p14="http://schemas.microsoft.com/office/powerpoint/2010/main" val="1497457452"/>
       </p:ext>
     </p:extLst>
   </p:cSld>
@@ -5417,7 +5417,7 @@
     </p:spTree>
     <p:extLst>
       <p:ext uri="{BB962C8B-B14F-4D97-AF65-F5344CB8AC3E}">
-        <p14:creationId xmlns="" xmlns:p14="http://schemas.microsoft.com/office/powerpoint/2010/main" val="3150583799"/>
+        <p14:creationId xmlns:p14="http://schemas.microsoft.com/office/powerpoint/2010/main" val="3150583799"/>
       </p:ext>
     </p:extLst>
   </p:cSld>
@@ -5695,7 +5695,7 @@
     </p:spTree>
     <p:extLst>
       <p:ext uri="{BB962C8B-B14F-4D97-AF65-F5344CB8AC3E}">
-        <p14:creationId xmlns="" xmlns:p14="http://schemas.microsoft.com/office/powerpoint/2010/main" val="3101053053"/>
+        <p14:creationId xmlns:p14="http://schemas.microsoft.com/office/powerpoint/2010/main" val="3101053053"/>
       </p:ext>
     </p:extLst>
   </p:cSld>
@@ -5981,7 +5981,7 @@
     </p:spTree>
     <p:extLst>
       <p:ext uri="{BB962C8B-B14F-4D97-AF65-F5344CB8AC3E}">
-        <p14:creationId xmlns="" xmlns:p14="http://schemas.microsoft.com/office/powerpoint/2010/main" val="3053301401"/>
+        <p14:creationId xmlns:p14="http://schemas.microsoft.com/office/powerpoint/2010/main" val="3053301401"/>
       </p:ext>
     </p:extLst>
   </p:cSld>
@@ -6294,7 +6294,7 @@
     </p:spTree>
     <p:extLst>
       <p:ext uri="{BB962C8B-B14F-4D97-AF65-F5344CB8AC3E}">
-        <p14:creationId xmlns="" xmlns:p14="http://schemas.microsoft.com/office/powerpoint/2010/main" val="1640675034"/>
+        <p14:creationId xmlns:p14="http://schemas.microsoft.com/office/powerpoint/2010/main" val="1640675034"/>
       </p:ext>
     </p:extLst>
   </p:cSld>
@@ -6877,7 +6877,7 @@
           <a:blip r:embed="rId2" cstate="print">
             <a:extLst>
               <a:ext uri="{28A0092B-C50C-407E-A947-70E740481C1C}">
-                <a14:useLocalDpi xmlns="" xmlns:a14="http://schemas.microsoft.com/office/drawing/2010/main" val="0"/>
+                <a14:useLocalDpi xmlns:a14="http://schemas.microsoft.com/office/drawing/2010/main" val="0"/>
               </a:ext>
             </a:extLst>
           </a:blip>
@@ -6907,7 +6907,7 @@
           <a:blip r:embed="rId3" cstate="print">
             <a:extLst>
               <a:ext uri="{28A0092B-C50C-407E-A947-70E740481C1C}">
-                <a14:useLocalDpi xmlns="" xmlns:a14="http://schemas.microsoft.com/office/drawing/2010/main" val="0"/>
+                <a14:useLocalDpi xmlns:a14="http://schemas.microsoft.com/office/drawing/2010/main" val="0"/>
               </a:ext>
             </a:extLst>
           </a:blip>
@@ -6937,7 +6937,7 @@
           <a:blip r:embed="rId4" cstate="print">
             <a:extLst>
               <a:ext uri="{28A0092B-C50C-407E-A947-70E740481C1C}">
-                <a14:useLocalDpi xmlns="" xmlns:a14="http://schemas.microsoft.com/office/drawing/2010/main" val="0"/>
+                <a14:useLocalDpi xmlns:a14="http://schemas.microsoft.com/office/drawing/2010/main" val="0"/>
               </a:ext>
             </a:extLst>
           </a:blip>
@@ -6958,20 +6958,20 @@
     </p:spTree>
     <p:extLst>
       <p:ext uri="{BB962C8B-B14F-4D97-AF65-F5344CB8AC3E}">
-        <p14:creationId xmlns="" xmlns:p14="http://schemas.microsoft.com/office/powerpoint/2010/main" val="2194547385"/>
+        <p14:creationId xmlns:p14="http://schemas.microsoft.com/office/powerpoint/2010/main" val="2194547385"/>
       </p:ext>
     </p:extLst>
   </p:cSld>
   <p:clrMapOvr>
     <a:masterClrMapping/>
   </p:clrMapOvr>
-  <mc:AlternateContent xmlns:mc="http://schemas.openxmlformats.org/markup-compatibility/2006">
-    <mc:Choice xmlns="" xmlns:p14="http://schemas.microsoft.com/office/powerpoint/2010/main" Requires="p14">
+  <mc:AlternateContent xmlns:mc="http://schemas.openxmlformats.org/markup-compatibility/2006" xmlns:p14="http://schemas.microsoft.com/office/powerpoint/2010/main">
+    <mc:Choice Requires="p14">
       <p:transition spd="med" p14:dur="700">
         <p:fade/>
       </p:transition>
     </mc:Choice>
-    <mc:Fallback>
+    <mc:Fallback xmlns="">
       <p:transition spd="med">
         <p:fade/>
       </p:transition>
@@ -7074,507 +7074,6 @@
           </a:p>
         </p:txBody>
       </p:sp>
-      <p:pic>
-        <p:nvPicPr>
-          <p:cNvPr id="36866" name="Picture 2"/>
-          <p:cNvPicPr>
-            <a:picLocks noGrp="1" noChangeAspect="1" noChangeArrowheads="1"/>
-          </p:cNvPicPr>
-          <p:nvPr>
-            <p:ph idx="1"/>
-          </p:nvPr>
-        </p:nvPicPr>
-        <p:blipFill>
-          <a:blip r:embed="rId2"/>
-          <a:srcRect/>
-          <a:stretch>
-            <a:fillRect/>
-          </a:stretch>
-        </p:blipFill>
-        <p:spPr bwMode="auto">
-          <a:xfrm>
-            <a:off x="2827606" y="1491175"/>
-            <a:ext cx="5570806" cy="2787784"/>
-          </a:xfrm>
-          <a:prstGeom prst="rect">
-            <a:avLst/>
-          </a:prstGeom>
-          <a:noFill/>
-          <a:ln w="9525">
-            <a:noFill/>
-            <a:miter lim="800000"/>
-            <a:headEnd/>
-            <a:tailEnd/>
-          </a:ln>
-          <a:effectLst/>
-        </p:spPr>
-      </p:pic>
-      <p:sp>
-        <p:nvSpPr>
-          <p:cNvPr id="36867" name="Rectangle 3"/>
-          <p:cNvSpPr>
-            <a:spLocks noChangeArrowheads="1"/>
-          </p:cNvSpPr>
-          <p:nvPr/>
-        </p:nvSpPr>
-        <p:spPr bwMode="auto">
-          <a:xfrm>
-            <a:off x="731521" y="4403188"/>
-            <a:ext cx="10452294" cy="1754326"/>
-          </a:xfrm>
-          <a:prstGeom prst="rect">
-            <a:avLst/>
-          </a:prstGeom>
-          <a:noFill/>
-          <a:ln w="9525">
-            <a:noFill/>
-            <a:miter lim="800000"/>
-            <a:headEnd/>
-            <a:tailEnd/>
-          </a:ln>
-          <a:effectLst/>
-        </p:spPr>
-        <p:txBody>
-          <a:bodyPr vert="horz" wrap="square" lIns="91440" tIns="45720" rIns="91440" bIns="45720" numCol="1" anchor="ctr" anchorCtr="0" compatLnSpc="1">
-            <a:prstTxWarp prst="textNoShape">
-              <a:avLst/>
-            </a:prstTxWarp>
-            <a:spAutoFit/>
-          </a:bodyPr>
-          <a:lstStyle/>
-          <a:p>
-            <a:pPr lvl="0" algn="just" eaLnBrk="0" fontAlgn="base" hangingPunct="0">
-              <a:spcBef>
-                <a:spcPct val="0"/>
-              </a:spcBef>
-              <a:spcAft>
-                <a:spcPct val="0"/>
-              </a:spcAft>
-            </a:pPr>
-            <a:r>
-              <a:rPr lang="es-AR" dirty="0" smtClean="0">
-                <a:solidFill>
-                  <a:schemeClr val="bg1"/>
-                </a:solidFill>
-                <a:ea typeface="Calibri" pitchFamily="34" charset="0"/>
-                <a:cs typeface="Times New Roman" pitchFamily="18" charset="0"/>
-              </a:rPr>
-              <a:t>Duración </a:t>
-            </a:r>
-            <a:r>
-              <a:rPr lang="es-AR" dirty="0" smtClean="0">
-                <a:solidFill>
-                  <a:schemeClr val="bg1"/>
-                </a:solidFill>
-                <a:ea typeface="Calibri" pitchFamily="34" charset="0"/>
-                <a:cs typeface="Times New Roman" pitchFamily="18" charset="0"/>
-              </a:rPr>
-              <a:t>en semanas para cada etapa considerando a un grupo de 3 personas </a:t>
-            </a:r>
-            <a:r>
-              <a:rPr lang="es-AR" dirty="0" err="1" smtClean="0">
-                <a:solidFill>
-                  <a:schemeClr val="bg1"/>
-                </a:solidFill>
-                <a:ea typeface="Calibri" pitchFamily="34" charset="0"/>
-                <a:cs typeface="Times New Roman" pitchFamily="18" charset="0"/>
-              </a:rPr>
-              <a:t>part</a:t>
-            </a:r>
-            <a:r>
-              <a:rPr lang="es-AR" dirty="0" smtClean="0">
-                <a:solidFill>
-                  <a:schemeClr val="bg1"/>
-                </a:solidFill>
-                <a:ea typeface="Calibri" pitchFamily="34" charset="0"/>
-                <a:cs typeface="Times New Roman" pitchFamily="18" charset="0"/>
-              </a:rPr>
-              <a:t>-time (60 horas semanales)</a:t>
-            </a:r>
-            <a:endParaRPr lang="es-AR" dirty="0" smtClean="0">
-              <a:solidFill>
-                <a:schemeClr val="bg1"/>
-              </a:solidFill>
-              <a:cs typeface="Arial" pitchFamily="34" charset="0"/>
-            </a:endParaRPr>
-          </a:p>
-          <a:p>
-            <a:pPr marL="0" marR="0" lvl="0" indent="0" algn="just" defTabSz="914400" rtl="0" eaLnBrk="1" fontAlgn="base" latinLnBrk="0" hangingPunct="1">
-              <a:lnSpc>
-                <a:spcPct val="100000"/>
-              </a:lnSpc>
-              <a:spcBef>
-                <a:spcPct val="0"/>
-              </a:spcBef>
-              <a:spcAft>
-                <a:spcPct val="0"/>
-              </a:spcAft>
-              <a:buClrTx/>
-              <a:buSzTx/>
-              <a:buFontTx/>
-              <a:buNone/>
-              <a:tabLst/>
-            </a:pPr>
-            <a:r>
-              <a:rPr kumimoji="0" lang="es-AR" b="1" i="1" u="sng" strike="noStrike" cap="none" normalizeH="0" baseline="0" dirty="0" smtClean="0">
-                <a:ln>
-                  <a:noFill/>
-                </a:ln>
-                <a:solidFill>
-                  <a:schemeClr val="bg1"/>
-                </a:solidFill>
-                <a:effectLst/>
-                <a:ea typeface="Calibri" pitchFamily="34" charset="0"/>
-                <a:cs typeface="Times New Roman" pitchFamily="18" charset="0"/>
-              </a:rPr>
-              <a:t>FORMULA</a:t>
-            </a:r>
-            <a:r>
-              <a:rPr kumimoji="0" lang="es-AR" b="0" i="0" u="none" strike="noStrike" cap="none" normalizeH="0" baseline="0" dirty="0" smtClean="0">
-                <a:ln>
-                  <a:noFill/>
-                </a:ln>
-                <a:solidFill>
-                  <a:schemeClr val="bg1"/>
-                </a:solidFill>
-                <a:effectLst/>
-                <a:ea typeface="Calibri" pitchFamily="34" charset="0"/>
-                <a:cs typeface="Times New Roman" pitchFamily="18" charset="0"/>
-              </a:rPr>
-              <a:t>: Total horas hombres / (horas semanales (</a:t>
-            </a:r>
-            <a:r>
-              <a:rPr kumimoji="0" lang="es-AR" b="0" i="0" u="none" strike="noStrike" cap="none" normalizeH="0" baseline="0" dirty="0" err="1" smtClean="0">
-                <a:ln>
-                  <a:noFill/>
-                </a:ln>
-                <a:solidFill>
-                  <a:schemeClr val="bg1"/>
-                </a:solidFill>
-                <a:effectLst/>
-                <a:ea typeface="Calibri" pitchFamily="34" charset="0"/>
-                <a:cs typeface="Times New Roman" pitchFamily="18" charset="0"/>
-              </a:rPr>
-              <a:t>part</a:t>
-            </a:r>
-            <a:r>
-              <a:rPr kumimoji="0" lang="es-AR" b="0" i="0" u="none" strike="noStrike" cap="none" normalizeH="0" baseline="0" dirty="0" smtClean="0">
-                <a:ln>
-                  <a:noFill/>
-                </a:ln>
-                <a:solidFill>
-                  <a:schemeClr val="bg1"/>
-                </a:solidFill>
-                <a:effectLst/>
-                <a:ea typeface="Calibri" pitchFamily="34" charset="0"/>
-                <a:cs typeface="Times New Roman" pitchFamily="18" charset="0"/>
-              </a:rPr>
-              <a:t>-time)*personas) =  semanas</a:t>
-            </a:r>
-            <a:endParaRPr kumimoji="0" lang="es-AR" b="0" i="0" u="none" strike="noStrike" cap="none" normalizeH="0" baseline="0" dirty="0" smtClean="0">
-              <a:ln>
-                <a:noFill/>
-              </a:ln>
-              <a:solidFill>
-                <a:schemeClr val="bg1"/>
-              </a:solidFill>
-              <a:effectLst/>
-              <a:cs typeface="Arial" pitchFamily="34" charset="0"/>
-            </a:endParaRPr>
-          </a:p>
-          <a:p>
-            <a:pPr marL="0" marR="0" lvl="0" indent="0" algn="just" defTabSz="914400" rtl="0" eaLnBrk="0" fontAlgn="base" latinLnBrk="0" hangingPunct="0">
-              <a:lnSpc>
-                <a:spcPct val="100000"/>
-              </a:lnSpc>
-              <a:spcBef>
-                <a:spcPct val="0"/>
-              </a:spcBef>
-              <a:spcAft>
-                <a:spcPct val="0"/>
-              </a:spcAft>
-              <a:buClrTx/>
-              <a:buSzTx/>
-              <a:buFontTx/>
-              <a:buNone/>
-              <a:tabLst/>
-            </a:pPr>
-            <a:r>
-              <a:rPr kumimoji="0" lang="es-AR" b="0" i="0" u="none" strike="noStrike" cap="none" normalizeH="0" baseline="0" dirty="0" smtClean="0">
-                <a:ln>
-                  <a:noFill/>
-                </a:ln>
-                <a:solidFill>
-                  <a:schemeClr val="bg1"/>
-                </a:solidFill>
-                <a:effectLst/>
-                <a:ea typeface="Calibri" pitchFamily="34" charset="0"/>
-                <a:cs typeface="Times New Roman" pitchFamily="18" charset="0"/>
-              </a:rPr>
-              <a:t>                          1682.5 /(20*3)= 28,04 semanas</a:t>
-            </a:r>
-            <a:endParaRPr kumimoji="0" lang="es-AR" b="0" i="0" u="none" strike="noStrike" cap="none" normalizeH="0" baseline="0" dirty="0" smtClean="0">
-              <a:ln>
-                <a:noFill/>
-              </a:ln>
-              <a:solidFill>
-                <a:schemeClr val="bg1"/>
-              </a:solidFill>
-              <a:effectLst/>
-              <a:cs typeface="Arial" pitchFamily="34" charset="0"/>
-            </a:endParaRPr>
-          </a:p>
-          <a:p>
-            <a:pPr marL="0" marR="0" lvl="0" indent="0" algn="just" defTabSz="914400" rtl="0" eaLnBrk="0" fontAlgn="base" latinLnBrk="0" hangingPunct="0">
-              <a:lnSpc>
-                <a:spcPct val="100000"/>
-              </a:lnSpc>
-              <a:spcBef>
-                <a:spcPct val="0"/>
-              </a:spcBef>
-              <a:spcAft>
-                <a:spcPct val="0"/>
-              </a:spcAft>
-              <a:buClrTx/>
-              <a:buSzTx/>
-              <a:buFontTx/>
-              <a:buNone/>
-              <a:tabLst/>
-            </a:pPr>
-            <a:r>
-              <a:rPr kumimoji="0" lang="es-AR" b="1" i="1" u="sng" strike="noStrike" cap="none" normalizeH="0" baseline="0" dirty="0" smtClean="0">
-                <a:ln>
-                  <a:noFill/>
-                </a:ln>
-                <a:solidFill>
-                  <a:schemeClr val="bg1"/>
-                </a:solidFill>
-                <a:effectLst/>
-                <a:ea typeface="Calibri" pitchFamily="34" charset="0"/>
-                <a:cs typeface="Times New Roman" pitchFamily="18" charset="0"/>
-              </a:rPr>
-              <a:t>FORMULA</a:t>
-            </a:r>
-            <a:r>
-              <a:rPr kumimoji="0" lang="es-AR" b="0" i="0" u="none" strike="noStrike" cap="none" normalizeH="0" baseline="0" dirty="0" smtClean="0">
-                <a:ln>
-                  <a:noFill/>
-                </a:ln>
-                <a:solidFill>
-                  <a:schemeClr val="bg1"/>
-                </a:solidFill>
-                <a:effectLst/>
-                <a:ea typeface="Calibri" pitchFamily="34" charset="0"/>
-                <a:cs typeface="Times New Roman" pitchFamily="18" charset="0"/>
-              </a:rPr>
-              <a:t>: Semanas / semanas que tiene un mes=meses</a:t>
-            </a:r>
-            <a:endParaRPr kumimoji="0" lang="es-AR" b="0" i="0" u="none" strike="noStrike" cap="none" normalizeH="0" baseline="0" dirty="0" smtClean="0">
-              <a:ln>
-                <a:noFill/>
-              </a:ln>
-              <a:solidFill>
-                <a:schemeClr val="bg1"/>
-              </a:solidFill>
-              <a:effectLst/>
-              <a:cs typeface="Arial" pitchFamily="34" charset="0"/>
-            </a:endParaRPr>
-          </a:p>
-          <a:p>
-            <a:pPr marL="0" marR="0" lvl="0" indent="0" algn="just" defTabSz="914400" rtl="0" eaLnBrk="0" fontAlgn="base" latinLnBrk="0" hangingPunct="0">
-              <a:lnSpc>
-                <a:spcPct val="100000"/>
-              </a:lnSpc>
-              <a:spcBef>
-                <a:spcPct val="0"/>
-              </a:spcBef>
-              <a:spcAft>
-                <a:spcPct val="0"/>
-              </a:spcAft>
-              <a:buClrTx/>
-              <a:buSzTx/>
-              <a:buFontTx/>
-              <a:buNone/>
-              <a:tabLst/>
-            </a:pPr>
-            <a:r>
-              <a:rPr kumimoji="0" lang="es-AR" b="0" i="0" u="none" strike="noStrike" cap="none" normalizeH="0" baseline="0" dirty="0" smtClean="0">
-                <a:ln>
-                  <a:noFill/>
-                </a:ln>
-                <a:solidFill>
-                  <a:schemeClr val="bg1"/>
-                </a:solidFill>
-                <a:effectLst/>
-                <a:ea typeface="Calibri" pitchFamily="34" charset="0"/>
-                <a:cs typeface="Times New Roman" pitchFamily="18" charset="0"/>
-              </a:rPr>
-              <a:t>                         28,04 / 4= 7 meses</a:t>
-            </a:r>
-            <a:endParaRPr kumimoji="0" lang="es-AR" b="0" i="0" u="none" strike="noStrike" cap="none" normalizeH="0" baseline="0" dirty="0" smtClean="0">
-              <a:ln>
-                <a:noFill/>
-              </a:ln>
-              <a:solidFill>
-                <a:schemeClr val="bg1"/>
-              </a:solidFill>
-              <a:effectLst/>
-              <a:cs typeface="Arial" pitchFamily="34" charset="0"/>
-            </a:endParaRPr>
-          </a:p>
-          <a:p>
-            <a:pPr marL="0" marR="0" lvl="0" indent="0" algn="just" defTabSz="914400" rtl="0" eaLnBrk="0" fontAlgn="base" latinLnBrk="0" hangingPunct="0">
-              <a:lnSpc>
-                <a:spcPct val="100000"/>
-              </a:lnSpc>
-              <a:spcBef>
-                <a:spcPct val="0"/>
-              </a:spcBef>
-              <a:spcAft>
-                <a:spcPct val="0"/>
-              </a:spcAft>
-              <a:buClrTx/>
-              <a:buSzTx/>
-              <a:buFontTx/>
-              <a:buNone/>
-              <a:tabLst/>
-            </a:pPr>
-            <a:r>
-              <a:rPr kumimoji="0" lang="es-AR" b="1" i="1" u="sng" strike="noStrike" cap="none" normalizeH="0" baseline="0" dirty="0" smtClean="0">
-                <a:ln>
-                  <a:noFill/>
-                </a:ln>
-                <a:solidFill>
-                  <a:schemeClr val="bg1"/>
-                </a:solidFill>
-                <a:effectLst/>
-                <a:ea typeface="Calibri" pitchFamily="34" charset="0"/>
-                <a:cs typeface="Times New Roman" pitchFamily="18" charset="0"/>
-              </a:rPr>
-              <a:t>Estimación en meses</a:t>
-            </a:r>
-            <a:r>
-              <a:rPr kumimoji="0" lang="es-AR" b="1" i="1" u="none" strike="noStrike" cap="none" normalizeH="0" baseline="0" dirty="0" smtClean="0">
-                <a:ln>
-                  <a:noFill/>
-                </a:ln>
-                <a:solidFill>
-                  <a:schemeClr val="bg1"/>
-                </a:solidFill>
-                <a:effectLst/>
-                <a:ea typeface="Calibri" pitchFamily="34" charset="0"/>
-                <a:cs typeface="Times New Roman" pitchFamily="18" charset="0"/>
-              </a:rPr>
-              <a:t>: 7 meses</a:t>
-            </a:r>
-            <a:endParaRPr kumimoji="0" lang="es-AR" b="0" i="0" u="none" strike="noStrike" cap="none" normalizeH="0" baseline="0" dirty="0" smtClean="0">
-              <a:ln>
-                <a:noFill/>
-              </a:ln>
-              <a:solidFill>
-                <a:schemeClr val="bg1"/>
-              </a:solidFill>
-              <a:effectLst/>
-              <a:cs typeface="Arial" pitchFamily="34" charset="0"/>
-            </a:endParaRPr>
-          </a:p>
-        </p:txBody>
-      </p:sp>
-    </p:spTree>
-  </p:cSld>
-  <p:clrMapOvr>
-    <a:masterClrMapping/>
-  </p:clrMapOvr>
-</p:sld>
-</file>
-
-<file path=ppt/slides/slide11.xml><?xml version="1.0" encoding="utf-8"?>
-<p:sld xmlns:a="http://schemas.openxmlformats.org/drawingml/2006/main" xmlns:r="http://schemas.openxmlformats.org/officeDocument/2006/relationships" xmlns:p="http://schemas.openxmlformats.org/presentationml/2006/main">
-  <p:cSld>
-    <p:spTree>
-      <p:nvGrpSpPr>
-        <p:cNvPr id="1" name=""/>
-        <p:cNvGrpSpPr/>
-        <p:nvPr/>
-      </p:nvGrpSpPr>
-      <p:grpSpPr>
-        <a:xfrm>
-          <a:off x="0" y="0"/>
-          <a:ext cx="0" cy="0"/>
-          <a:chOff x="0" y="0"/>
-          <a:chExt cx="0" cy="0"/>
-        </a:xfrm>
-      </p:grpSpPr>
-      <p:sp>
-        <p:nvSpPr>
-          <p:cNvPr id="3" name="2 Título"/>
-          <p:cNvSpPr>
-            <a:spLocks noGrp="1"/>
-          </p:cNvSpPr>
-          <p:nvPr>
-            <p:ph type="title"/>
-          </p:nvPr>
-        </p:nvSpPr>
-        <p:spPr/>
-        <p:txBody>
-          <a:bodyPr/>
-          <a:lstStyle/>
-          <a:p>
-            <a:r>
-              <a:rPr lang="es-AR" dirty="0" smtClean="0"/>
-              <a:t>Estimación de la Iteración</a:t>
-            </a:r>
-            <a:endParaRPr lang="es-AR" dirty="0"/>
-          </a:p>
-        </p:txBody>
-      </p:sp>
-      <p:sp>
-        <p:nvSpPr>
-          <p:cNvPr id="4" name="3 Marcador de pie de página"/>
-          <p:cNvSpPr>
-            <a:spLocks noGrp="1"/>
-          </p:cNvSpPr>
-          <p:nvPr>
-            <p:ph type="ftr" sz="quarter" idx="11"/>
-          </p:nvPr>
-        </p:nvSpPr>
-        <p:spPr/>
-        <p:txBody>
-          <a:bodyPr/>
-          <a:lstStyle/>
-          <a:p>
-            <a:r>
-              <a:rPr lang="es-AR" smtClean="0"/>
-              <a:t>OYARZO Mariela – QUIROGA Sandra – MÁRQUEZ EMANUEL</a:t>
-            </a:r>
-            <a:endParaRPr lang="es-AR" dirty="0"/>
-          </a:p>
-        </p:txBody>
-      </p:sp>
-      <p:sp>
-        <p:nvSpPr>
-          <p:cNvPr id="5" name="4 Marcador de número de diapositiva"/>
-          <p:cNvSpPr>
-            <a:spLocks noGrp="1"/>
-          </p:cNvSpPr>
-          <p:nvPr>
-            <p:ph type="sldNum" sz="quarter" idx="12"/>
-          </p:nvPr>
-        </p:nvSpPr>
-        <p:spPr/>
-        <p:txBody>
-          <a:bodyPr/>
-          <a:lstStyle/>
-          <a:p>
-            <a:fld id="{779E3280-5C43-43EF-BE7D-8C553A58A779}" type="slidenum">
-              <a:rPr lang="es-AR" smtClean="0"/>
-              <a:pPr/>
-              <a:t>11</a:t>
-            </a:fld>
-            <a:endParaRPr lang="es-AR" dirty="0"/>
-          </a:p>
-        </p:txBody>
-      </p:sp>
       <p:sp>
         <p:nvSpPr>
           <p:cNvPr id="9" name="8 Rectángulo"/>
@@ -7766,10 +7265,29 @@
   <p:clrMapOvr>
     <a:masterClrMapping/>
   </p:clrMapOvr>
+  <mc:AlternateContent xmlns:mc="http://schemas.openxmlformats.org/markup-compatibility/2006" xmlns:p14="http://schemas.microsoft.com/office/powerpoint/2010/main">
+    <mc:Choice Requires="p14">
+      <p:transition spd="slow">
+        <p14:reveal/>
+      </p:transition>
+    </mc:Choice>
+    <mc:Fallback xmlns="">
+      <p:transition spd="slow">
+        <p:fade/>
+      </p:transition>
+    </mc:Fallback>
+  </mc:AlternateContent>
+  <p:timing>
+    <p:tnLst>
+      <p:par>
+        <p:cTn id="1" dur="indefinite" restart="never" nodeType="tmRoot"/>
+      </p:par>
+    </p:tnLst>
+  </p:timing>
 </p:sld>
 </file>
 
-<file path=ppt/slides/slide12.xml><?xml version="1.0" encoding="utf-8"?>
+<file path=ppt/slides/slide11.xml><?xml version="1.0" encoding="utf-8"?>
 <p:sld xmlns:a="http://schemas.openxmlformats.org/drawingml/2006/main" xmlns:r="http://schemas.openxmlformats.org/officeDocument/2006/relationships" xmlns:p="http://schemas.openxmlformats.org/presentationml/2006/main">
   <p:cSld>
     <p:spTree>
@@ -7850,7 +7368,7 @@
             <a:fld id="{779E3280-5C43-43EF-BE7D-8C553A58A779}" type="slidenum">
               <a:rPr lang="es-AR" smtClean="0"/>
               <a:pPr/>
-              <a:t>12</a:t>
+              <a:t>11</a:t>
             </a:fld>
             <a:endParaRPr lang="es-AR" dirty="0"/>
           </a:p>
@@ -8046,10 +7564,29 @@
   <p:clrMapOvr>
     <a:masterClrMapping/>
   </p:clrMapOvr>
+  <mc:AlternateContent xmlns:mc="http://schemas.openxmlformats.org/markup-compatibility/2006" xmlns:p14="http://schemas.microsoft.com/office/powerpoint/2010/main">
+    <mc:Choice Requires="p14">
+      <p:transition spd="slow">
+        <p14:reveal/>
+      </p:transition>
+    </mc:Choice>
+    <mc:Fallback xmlns="">
+      <p:transition spd="slow">
+        <p:fade/>
+      </p:transition>
+    </mc:Fallback>
+  </mc:AlternateContent>
+  <p:timing>
+    <p:tnLst>
+      <p:par>
+        <p:cTn id="1" dur="indefinite" restart="never" nodeType="tmRoot"/>
+      </p:par>
+    </p:tnLst>
+  </p:timing>
 </p:sld>
 </file>
 
-<file path=ppt/slides/slide13.xml><?xml version="1.0" encoding="utf-8"?>
+<file path=ppt/slides/slide12.xml><?xml version="1.0" encoding="utf-8"?>
 <p:sld xmlns:a="http://schemas.openxmlformats.org/drawingml/2006/main" xmlns:r="http://schemas.openxmlformats.org/officeDocument/2006/relationships" xmlns:p="http://schemas.openxmlformats.org/presentationml/2006/main">
   <p:cSld>
     <p:spTree>
@@ -8130,7 +7667,7 @@
             <a:fld id="{779E3280-5C43-43EF-BE7D-8C553A58A779}" type="slidenum">
               <a:rPr lang="es-AR" smtClean="0"/>
               <a:pPr/>
-              <a:t>13</a:t>
+              <a:t>12</a:t>
             </a:fld>
             <a:endParaRPr lang="es-AR" dirty="0"/>
           </a:p>
@@ -8253,10 +7790,29 @@
   <p:clrMapOvr>
     <a:masterClrMapping/>
   </p:clrMapOvr>
+  <mc:AlternateContent xmlns:mc="http://schemas.openxmlformats.org/markup-compatibility/2006" xmlns:p14="http://schemas.microsoft.com/office/powerpoint/2010/main">
+    <mc:Choice Requires="p14">
+      <p:transition spd="slow">
+        <p14:reveal/>
+      </p:transition>
+    </mc:Choice>
+    <mc:Fallback xmlns="">
+      <p:transition spd="slow">
+        <p:fade/>
+      </p:transition>
+    </mc:Fallback>
+  </mc:AlternateContent>
+  <p:timing>
+    <p:tnLst>
+      <p:par>
+        <p:cTn id="1" dur="indefinite" restart="never" nodeType="tmRoot"/>
+      </p:par>
+    </p:tnLst>
+  </p:timing>
 </p:sld>
 </file>
 
-<file path=ppt/slides/slide14.xml><?xml version="1.0" encoding="utf-8"?>
+<file path=ppt/slides/slide13.xml><?xml version="1.0" encoding="utf-8"?>
 <p:sld xmlns:a="http://schemas.openxmlformats.org/drawingml/2006/main" xmlns:r="http://schemas.openxmlformats.org/officeDocument/2006/relationships" xmlns:p="http://schemas.openxmlformats.org/presentationml/2006/main">
   <p:cSld>
     <p:spTree>
@@ -8341,7 +7897,7 @@
             <a:fld id="{779E3280-5C43-43EF-BE7D-8C553A58A779}" type="slidenum">
               <a:rPr lang="es-AR" smtClean="0"/>
               <a:pPr/>
-              <a:t>14</a:t>
+              <a:t>13</a:t>
             </a:fld>
             <a:endParaRPr lang="es-AR" dirty="0"/>
           </a:p>
@@ -8478,6 +8034,18 @@
   <p:clrMapOvr>
     <a:masterClrMapping/>
   </p:clrMapOvr>
+  <mc:AlternateContent xmlns:mc="http://schemas.openxmlformats.org/markup-compatibility/2006" xmlns:p14="http://schemas.microsoft.com/office/powerpoint/2010/main">
+    <mc:Choice Requires="p14">
+      <p:transition spd="slow">
+        <p14:reveal/>
+      </p:transition>
+    </mc:Choice>
+    <mc:Fallback xmlns="">
+      <p:transition spd="slow">
+        <p:fade/>
+      </p:transition>
+    </mc:Fallback>
+  </mc:AlternateContent>
   <p:timing>
     <p:tnLst>
       <p:par>
@@ -8488,7 +8056,7 @@
 </p:sld>
 </file>
 
-<file path=ppt/slides/slide15.xml><?xml version="1.0" encoding="utf-8"?>
+<file path=ppt/slides/slide14.xml><?xml version="1.0" encoding="utf-8"?>
 <p:sld xmlns:a="http://schemas.openxmlformats.org/drawingml/2006/main" xmlns:r="http://schemas.openxmlformats.org/officeDocument/2006/relationships" xmlns:p="http://schemas.openxmlformats.org/presentationml/2006/main">
   <p:cSld>
     <p:spTree>
@@ -8573,7 +8141,7 @@
             <a:fld id="{779E3280-5C43-43EF-BE7D-8C553A58A779}" type="slidenum">
               <a:rPr lang="es-AR" smtClean="0"/>
               <a:pPr/>
-              <a:t>15</a:t>
+              <a:t>14</a:t>
             </a:fld>
             <a:endParaRPr lang="es-AR" dirty="0"/>
           </a:p>
@@ -8718,6 +8286,165 @@
   <p:clrMapOvr>
     <a:masterClrMapping/>
   </p:clrMapOvr>
+  <mc:AlternateContent xmlns:mc="http://schemas.openxmlformats.org/markup-compatibility/2006" xmlns:p14="http://schemas.microsoft.com/office/powerpoint/2010/main">
+    <mc:Choice Requires="p14">
+      <p:transition spd="slow">
+        <p14:reveal/>
+      </p:transition>
+    </mc:Choice>
+    <mc:Fallback xmlns="">
+      <p:transition spd="slow">
+        <p:fade/>
+      </p:transition>
+    </mc:Fallback>
+  </mc:AlternateContent>
+  <p:timing>
+    <p:tnLst>
+      <p:par>
+        <p:cTn id="1" dur="indefinite" restart="never" nodeType="tmRoot"/>
+      </p:par>
+    </p:tnLst>
+  </p:timing>
+</p:sld>
+</file>
+
+<file path=ppt/slides/slide15.xml><?xml version="1.0" encoding="utf-8"?>
+<p:sld xmlns:a="http://schemas.openxmlformats.org/drawingml/2006/main" xmlns:r="http://schemas.openxmlformats.org/officeDocument/2006/relationships" xmlns:p="http://schemas.openxmlformats.org/presentationml/2006/main">
+  <p:cSld>
+    <p:spTree>
+      <p:nvGrpSpPr>
+        <p:cNvPr id="1" name=""/>
+        <p:cNvGrpSpPr/>
+        <p:nvPr/>
+      </p:nvGrpSpPr>
+      <p:grpSpPr>
+        <a:xfrm>
+          <a:off x="0" y="0"/>
+          <a:ext cx="0" cy="0"/>
+          <a:chOff x="0" y="0"/>
+          <a:chExt cx="0" cy="0"/>
+        </a:xfrm>
+      </p:grpSpPr>
+      <p:sp>
+        <p:nvSpPr>
+          <p:cNvPr id="3" name="2 Título"/>
+          <p:cNvSpPr>
+            <a:spLocks noGrp="1"/>
+          </p:cNvSpPr>
+          <p:nvPr>
+            <p:ph type="title"/>
+          </p:nvPr>
+        </p:nvSpPr>
+        <p:spPr/>
+        <p:txBody>
+          <a:bodyPr/>
+          <a:lstStyle/>
+          <a:p>
+            <a:r>
+              <a:rPr lang="es-AR" dirty="0" smtClean="0"/>
+              <a:t>Prototipo Página Web</a:t>
+            </a:r>
+            <a:endParaRPr lang="es-AR" dirty="0"/>
+          </a:p>
+        </p:txBody>
+      </p:sp>
+      <p:sp>
+        <p:nvSpPr>
+          <p:cNvPr id="4" name="3 Marcador de pie de página"/>
+          <p:cNvSpPr>
+            <a:spLocks noGrp="1"/>
+          </p:cNvSpPr>
+          <p:nvPr>
+            <p:ph type="ftr" sz="quarter" idx="11"/>
+          </p:nvPr>
+        </p:nvSpPr>
+        <p:spPr/>
+        <p:txBody>
+          <a:bodyPr/>
+          <a:lstStyle/>
+          <a:p>
+            <a:r>
+              <a:rPr lang="es-AR" sz="1600" dirty="0" smtClean="0"/>
+              <a:t>OYARZO Mariela – QUIROGA Sandra – MÁRQUEZ Emanuel</a:t>
+            </a:r>
+            <a:endParaRPr lang="es-AR" sz="1600" dirty="0"/>
+          </a:p>
+        </p:txBody>
+      </p:sp>
+      <p:sp>
+        <p:nvSpPr>
+          <p:cNvPr id="5" name="4 Marcador de número de diapositiva"/>
+          <p:cNvSpPr>
+            <a:spLocks noGrp="1"/>
+          </p:cNvSpPr>
+          <p:nvPr>
+            <p:ph type="sldNum" sz="quarter" idx="12"/>
+          </p:nvPr>
+        </p:nvSpPr>
+        <p:spPr/>
+        <p:txBody>
+          <a:bodyPr/>
+          <a:lstStyle/>
+          <a:p>
+            <a:fld id="{779E3280-5C43-43EF-BE7D-8C553A58A779}" type="slidenum">
+              <a:rPr lang="es-AR" smtClean="0"/>
+              <a:pPr/>
+              <a:t>15</a:t>
+            </a:fld>
+            <a:endParaRPr lang="es-AR" dirty="0"/>
+          </a:p>
+        </p:txBody>
+      </p:sp>
+      <p:pic>
+        <p:nvPicPr>
+          <p:cNvPr id="1026" name="Picture 2"/>
+          <p:cNvPicPr>
+            <a:picLocks noChangeAspect="1" noChangeArrowheads="1"/>
+          </p:cNvPicPr>
+          <p:nvPr/>
+        </p:nvPicPr>
+        <p:blipFill>
+          <a:blip r:embed="rId2"/>
+          <a:srcRect/>
+          <a:stretch>
+            <a:fillRect/>
+          </a:stretch>
+        </p:blipFill>
+        <p:spPr bwMode="auto">
+          <a:xfrm>
+            <a:off x="2651026" y="1574452"/>
+            <a:ext cx="6697690" cy="4799342"/>
+          </a:xfrm>
+          <a:prstGeom prst="rect">
+            <a:avLst/>
+          </a:prstGeom>
+          <a:noFill/>
+          <a:ln w="9525">
+            <a:noFill/>
+            <a:miter lim="800000"/>
+            <a:headEnd/>
+            <a:tailEnd/>
+          </a:ln>
+          <a:effectLst/>
+        </p:spPr>
+      </p:pic>
+    </p:spTree>
+  </p:cSld>
+  <p:clrMapOvr>
+    <a:masterClrMapping/>
+  </p:clrMapOvr>
+  <mc:AlternateContent xmlns:mc="http://schemas.openxmlformats.org/markup-compatibility/2006" xmlns:p14="http://schemas.microsoft.com/office/powerpoint/2010/main">
+    <mc:Choice Requires="p14">
+      <p:transition spd="slow">
+        <p14:reveal/>
+      </p:transition>
+    </mc:Choice>
+    <mc:Fallback xmlns="">
+      <p:transition spd="slow">
+        <p:fade/>
+      </p:transition>
+    </mc:Fallback>
+  </mc:AlternateContent>
   <p:timing>
     <p:tnLst>
       <p:par>
@@ -8817,11 +8544,13 @@
       </p:sp>
       <p:pic>
         <p:nvPicPr>
-          <p:cNvPr id="1026" name="Picture 2"/>
+          <p:cNvPr id="2050" name="Picture 2"/>
           <p:cNvPicPr>
-            <a:picLocks noChangeAspect="1" noChangeArrowheads="1"/>
+            <a:picLocks noGrp="1" noChangeAspect="1" noChangeArrowheads="1"/>
           </p:cNvPicPr>
-          <p:nvPr/>
+          <p:nvPr>
+            <p:ph idx="1"/>
+          </p:nvPr>
         </p:nvPicPr>
         <p:blipFill>
           <a:blip r:embed="rId2"/>
@@ -8832,8 +8561,8 @@
         </p:blipFill>
         <p:spPr bwMode="auto">
           <a:xfrm>
-            <a:off x="2475913" y="1448972"/>
-            <a:ext cx="7047915" cy="5050302"/>
+            <a:off x="2930507" y="1542079"/>
+            <a:ext cx="6715504" cy="4804130"/>
           </a:xfrm>
           <a:prstGeom prst="rect">
             <a:avLst/>
@@ -8853,6 +8582,18 @@
   <p:clrMapOvr>
     <a:masterClrMapping/>
   </p:clrMapOvr>
+  <mc:AlternateContent xmlns:mc="http://schemas.openxmlformats.org/markup-compatibility/2006" xmlns:p14="http://schemas.microsoft.com/office/powerpoint/2010/main">
+    <mc:Choice Requires="p14">
+      <p:transition spd="slow">
+        <p14:reveal/>
+      </p:transition>
+    </mc:Choice>
+    <mc:Fallback xmlns="">
+      <p:transition spd="slow">
+        <p:fade/>
+      </p:transition>
+    </mc:Fallback>
+  </mc:AlternateContent>
   <p:timing>
     <p:tnLst>
       <p:par>
@@ -8952,7 +8693,7 @@
       </p:sp>
       <p:pic>
         <p:nvPicPr>
-          <p:cNvPr id="2050" name="Picture 2"/>
+          <p:cNvPr id="3074" name="Picture 2"/>
           <p:cNvPicPr>
             <a:picLocks noGrp="1" noChangeAspect="1" noChangeArrowheads="1"/>
           </p:cNvPicPr>
@@ -8969,8 +8710,8 @@
         </p:blipFill>
         <p:spPr bwMode="auto">
           <a:xfrm>
-            <a:off x="2785403" y="1438275"/>
-            <a:ext cx="7005711" cy="5011738"/>
+            <a:off x="3082858" y="1542751"/>
+            <a:ext cx="6021384" cy="4817106"/>
           </a:xfrm>
           <a:prstGeom prst="rect">
             <a:avLst/>
@@ -8990,6 +8731,18 @@
   <p:clrMapOvr>
     <a:masterClrMapping/>
   </p:clrMapOvr>
+  <mc:AlternateContent xmlns:mc="http://schemas.openxmlformats.org/markup-compatibility/2006" xmlns:p14="http://schemas.microsoft.com/office/powerpoint/2010/main">
+    <mc:Choice Requires="p14">
+      <p:transition spd="slow">
+        <p14:reveal/>
+      </p:transition>
+    </mc:Choice>
+    <mc:Fallback xmlns="">
+      <p:transition spd="slow">
+        <p:fade/>
+      </p:transition>
+    </mc:Fallback>
+  </mc:AlternateContent>
   <p:timing>
     <p:tnLst>
       <p:par>
@@ -9089,7 +8842,7 @@
       </p:sp>
       <p:pic>
         <p:nvPicPr>
-          <p:cNvPr id="3074" name="Picture 2"/>
+          <p:cNvPr id="4098" name="Picture 2"/>
           <p:cNvPicPr>
             <a:picLocks noGrp="1" noChangeAspect="1" noChangeArrowheads="1"/>
           </p:cNvPicPr>
@@ -9106,8 +8859,8 @@
         </p:blipFill>
         <p:spPr bwMode="auto">
           <a:xfrm>
-            <a:off x="2960488" y="1438275"/>
-            <a:ext cx="6264673" cy="5011738"/>
+            <a:off x="3109888" y="1557795"/>
+            <a:ext cx="5965874" cy="4772698"/>
           </a:xfrm>
           <a:prstGeom prst="rect">
             <a:avLst/>
@@ -9127,6 +8880,18 @@
   <p:clrMapOvr>
     <a:masterClrMapping/>
   </p:clrMapOvr>
+  <mc:AlternateContent xmlns:mc="http://schemas.openxmlformats.org/markup-compatibility/2006" xmlns:p14="http://schemas.microsoft.com/office/powerpoint/2010/main">
+    <mc:Choice Requires="p14">
+      <p:transition spd="slow">
+        <p14:reveal/>
+      </p:transition>
+    </mc:Choice>
+    <mc:Fallback xmlns="">
+      <p:transition spd="slow">
+        <p:fade/>
+      </p:transition>
+    </mc:Fallback>
+  </mc:AlternateContent>
   <p:timing>
     <p:tnLst>
       <p:par>
@@ -9156,7 +8921,7 @@
       </p:grpSpPr>
       <p:sp>
         <p:nvSpPr>
-          <p:cNvPr id="3" name="2 Título"/>
+          <p:cNvPr id="3" name="Título 2"/>
           <p:cNvSpPr>
             <a:spLocks noGrp="1"/>
           </p:cNvSpPr>
@@ -9171,7 +8936,7 @@
           <a:p>
             <a:r>
               <a:rPr lang="es-AR" dirty="0" smtClean="0"/>
-              <a:t>Prototipo Página Web</a:t>
+              <a:t>Fin de presentación</a:t>
             </a:r>
             <a:endParaRPr lang="es-AR" dirty="0"/>
           </a:p>
@@ -9179,7 +8944,7 @@
       </p:sp>
       <p:sp>
         <p:nvSpPr>
-          <p:cNvPr id="4" name="3 Marcador de pie de página"/>
+          <p:cNvPr id="4" name="Marcador de pie de página 3"/>
           <p:cNvSpPr>
             <a:spLocks noGrp="1"/>
           </p:cNvSpPr>
@@ -9193,16 +8958,16 @@
           <a:lstStyle/>
           <a:p>
             <a:r>
-              <a:rPr lang="es-AR" sz="1600" dirty="0" smtClean="0"/>
-              <a:t>OYARZO Mariela – QUIROGA Sandra – MÁRQUEZ Emanuel</a:t>
-            </a:r>
-            <a:endParaRPr lang="es-AR" sz="1600" dirty="0"/>
-          </a:p>
-        </p:txBody>
-      </p:sp>
-      <p:sp>
-        <p:nvSpPr>
-          <p:cNvPr id="5" name="4 Marcador de número de diapositiva"/>
+              <a:rPr lang="es-AR" smtClean="0"/>
+              <a:t>OYARZO Mariela – QUIROGA Sandra – MÁRQUEZ EMANUEL</a:t>
+            </a:r>
+            <a:endParaRPr lang="es-AR" dirty="0"/>
+          </a:p>
+        </p:txBody>
+      </p:sp>
+      <p:sp>
+        <p:nvSpPr>
+          <p:cNvPr id="5" name="Marcador de número de diapositiva 4"/>
           <p:cNvSpPr>
             <a:spLocks noGrp="1"/>
           </p:cNvSpPr>
@@ -9226,44 +8991,56 @@
       </p:sp>
       <p:pic>
         <p:nvPicPr>
-          <p:cNvPr id="4098" name="Picture 2"/>
+          <p:cNvPr id="7" name="Imagen 6"/>
           <p:cNvPicPr>
-            <a:picLocks noGrp="1" noChangeAspect="1" noChangeArrowheads="1"/>
+            <a:picLocks noChangeAspect="1"/>
           </p:cNvPicPr>
-          <p:nvPr>
-            <p:ph idx="1"/>
-          </p:nvPr>
+          <p:nvPr/>
         </p:nvPicPr>
         <p:blipFill>
-          <a:blip r:embed="rId2"/>
-          <a:srcRect/>
+          <a:blip r:embed="rId2" cstate="print">
+            <a:extLst>
+              <a:ext uri="{28A0092B-C50C-407E-A947-70E740481C1C}">
+                <a14:useLocalDpi xmlns:a14="http://schemas.microsoft.com/office/drawing/2010/main" val="0"/>
+              </a:ext>
+            </a:extLst>
+          </a:blip>
           <a:stretch>
             <a:fillRect/>
           </a:stretch>
         </p:blipFill>
-        <p:spPr bwMode="auto">
+        <p:spPr>
           <a:xfrm>
-            <a:off x="2960488" y="1438275"/>
-            <a:ext cx="6264673" cy="5011738"/>
+            <a:off x="4130722" y="2141611"/>
+            <a:ext cx="4021540" cy="3619386"/>
           </a:xfrm>
           <a:prstGeom prst="rect">
             <a:avLst/>
           </a:prstGeom>
-          <a:noFill/>
-          <a:ln w="9525">
-            <a:noFill/>
-            <a:miter lim="800000"/>
-            <a:headEnd/>
-            <a:tailEnd/>
-          </a:ln>
-          <a:effectLst/>
         </p:spPr>
       </p:pic>
     </p:spTree>
+    <p:extLst>
+      <p:ext uri="{BB962C8B-B14F-4D97-AF65-F5344CB8AC3E}">
+        <p14:creationId xmlns:p14="http://schemas.microsoft.com/office/powerpoint/2010/main" val="2777136503"/>
+      </p:ext>
+    </p:extLst>
   </p:cSld>
   <p:clrMapOvr>
     <a:masterClrMapping/>
   </p:clrMapOvr>
+  <mc:AlternateContent xmlns:mc="http://schemas.openxmlformats.org/markup-compatibility/2006" xmlns:p14="http://schemas.microsoft.com/office/powerpoint/2010/main">
+    <mc:Choice Requires="p14">
+      <p:transition spd="slow">
+        <p14:reveal/>
+      </p:transition>
+    </mc:Choice>
+    <mc:Fallback xmlns="">
+      <p:transition spd="slow">
+        <p:fade/>
+      </p:transition>
+    </mc:Fallback>
+  </mc:AlternateContent>
   <p:timing>
     <p:tnLst>
       <p:par>
@@ -9311,11 +9088,7 @@
             </a:pPr>
             <a:r>
               <a:rPr lang="es-ES" b="1" u="sng" dirty="0" smtClean="0"/>
-              <a:t>Temas </a:t>
-            </a:r>
-            <a:r>
-              <a:rPr lang="es-ES" b="1" u="sng" dirty="0" smtClean="0"/>
-              <a:t>a desarrollar</a:t>
+              <a:t>Temas a desarrollar</a:t>
             </a:r>
             <a:r>
               <a:rPr lang="es-ES" dirty="0" smtClean="0"/>
@@ -9439,6 +9212,14 @@
   <p:clrMapOvr>
     <a:masterClrMapping/>
   </p:clrMapOvr>
+  <p:transition spd="slow"/>
+  <p:timing>
+    <p:tnLst>
+      <p:par>
+        <p:cTn id="1" dur="indefinite" restart="never" nodeType="tmRoot"/>
+      </p:par>
+    </p:tnLst>
+  </p:timing>
 </p:sld>
 </file>
 
@@ -9548,8 +9329,8 @@
         </p:blipFill>
         <p:spPr bwMode="auto">
           <a:xfrm>
-            <a:off x="616968" y="2284348"/>
-            <a:ext cx="10440466" cy="4060182"/>
+            <a:off x="715250" y="2322569"/>
+            <a:ext cx="10243902" cy="3983740"/>
           </a:xfrm>
           <a:prstGeom prst="rect">
             <a:avLst/>
@@ -9635,20 +9416,20 @@
     </p:spTree>
     <p:extLst>
       <p:ext uri="{BB962C8B-B14F-4D97-AF65-F5344CB8AC3E}">
-        <p14:creationId xmlns="" xmlns:p14="http://schemas.microsoft.com/office/powerpoint/2010/main" val="51523331"/>
+        <p14:creationId xmlns:p14="http://schemas.microsoft.com/office/powerpoint/2010/main" val="51523331"/>
       </p:ext>
     </p:extLst>
   </p:cSld>
   <p:clrMapOvr>
     <a:masterClrMapping/>
   </p:clrMapOvr>
-  <mc:AlternateContent xmlns:mc="http://schemas.openxmlformats.org/markup-compatibility/2006">
-    <mc:Choice xmlns="" xmlns:p14="http://schemas.microsoft.com/office/powerpoint/2010/main" Requires="p14">
-      <p:transition spd="slow" p14:dur="3400">
+  <mc:AlternateContent xmlns:mc="http://schemas.openxmlformats.org/markup-compatibility/2006" xmlns:p14="http://schemas.microsoft.com/office/powerpoint/2010/main">
+    <mc:Choice Requires="p14">
+      <p:transition spd="slow">
         <p14:reveal/>
       </p:transition>
     </mc:Choice>
-    <mc:Fallback>
+    <mc:Fallback xmlns="">
       <p:transition spd="slow">
         <p:fade/>
       </p:transition>
@@ -9753,7 +9534,7 @@
       </p:sp>
       <p:pic>
         <p:nvPicPr>
-          <p:cNvPr id="1027" name="Picture 3"/>
+          <p:cNvPr id="2051" name="Picture 3"/>
           <p:cNvPicPr>
             <a:picLocks noGrp="1" noChangeAspect="1" noChangeArrowheads="1"/>
           </p:cNvPicPr>
@@ -9763,15 +9544,15 @@
         </p:nvPicPr>
         <p:blipFill>
           <a:blip r:embed="rId2"/>
-          <a:srcRect/>
+          <a:srcRect l="3268" t="6437" r="2681" b="4498"/>
           <a:stretch>
             <a:fillRect/>
           </a:stretch>
         </p:blipFill>
         <p:spPr bwMode="auto">
           <a:xfrm>
-            <a:off x="946555" y="2284348"/>
-            <a:ext cx="10006374" cy="3891368"/>
+            <a:off x="1279354" y="1702191"/>
+            <a:ext cx="9806794" cy="4543864"/>
           </a:xfrm>
           <a:prstGeom prst="rect">
             <a:avLst/>
@@ -9786,91 +9567,23 @@
           <a:effectLst/>
         </p:spPr>
       </p:pic>
-      <p:sp>
-        <p:nvSpPr>
-          <p:cNvPr id="10" name="Título 2"/>
-          <p:cNvSpPr txBox="1">
-            <a:spLocks/>
-          </p:cNvSpPr>
-          <p:nvPr/>
-        </p:nvSpPr>
-        <p:spPr>
-          <a:xfrm>
-            <a:off x="731520" y="1631852"/>
-            <a:ext cx="9903655" cy="582878"/>
-          </a:xfrm>
-          <a:prstGeom prst="rect">
-            <a:avLst/>
-          </a:prstGeom>
-        </p:spPr>
-        <p:txBody>
-          <a:bodyPr vert="horz" lIns="91440" tIns="45720" rIns="91440" bIns="45720" rtlCol="0" anchor="ctr">
-            <a:noAutofit/>
-          </a:bodyPr>
-          <a:lstStyle/>
-          <a:p>
-            <a:pPr marL="0" marR="0" lvl="0" indent="0" algn="ctr" defTabSz="914400" rtl="0" eaLnBrk="1" fontAlgn="auto" latinLnBrk="0" hangingPunct="1">
-              <a:lnSpc>
-                <a:spcPct val="90000"/>
-              </a:lnSpc>
-              <a:spcBef>
-                <a:spcPct val="0"/>
-              </a:spcBef>
-              <a:spcAft>
-                <a:spcPts val="0"/>
-              </a:spcAft>
-              <a:buClrTx/>
-              <a:buSzTx/>
-              <a:buFontTx/>
-              <a:buNone/>
-              <a:tabLst/>
-              <a:defRPr/>
-            </a:pPr>
-            <a:r>
-              <a:rPr lang="es-AR" sz="2800" dirty="0" smtClean="0">
-                <a:solidFill>
-                  <a:schemeClr val="bg1"/>
-                </a:solidFill>
-                <a:latin typeface="Century Gothic" pitchFamily="34" charset="0"/>
-                <a:ea typeface="+mj-ea"/>
-                <a:cs typeface="+mj-cs"/>
-              </a:rPr>
-              <a:t>Gestión de Riesgos- Fase Construcción – Iteración 1</a:t>
-            </a:r>
-            <a:endParaRPr kumimoji="0" lang="es-AR" sz="2800" b="0" i="0" u="none" strike="noStrike" kern="1200" cap="none" spc="0" normalizeH="0" baseline="0" noProof="0" dirty="0">
-              <a:ln>
-                <a:noFill/>
-              </a:ln>
-              <a:solidFill>
-                <a:schemeClr val="bg1"/>
-              </a:solidFill>
-              <a:effectLst/>
-              <a:uLnTx/>
-              <a:uFillTx/>
-              <a:latin typeface="Century Gothic" pitchFamily="34" charset="0"/>
-              <a:ea typeface="+mj-ea"/>
-              <a:cs typeface="+mj-cs"/>
-            </a:endParaRPr>
-          </a:p>
-        </p:txBody>
-      </p:sp>
     </p:spTree>
     <p:extLst>
       <p:ext uri="{BB962C8B-B14F-4D97-AF65-F5344CB8AC3E}">
-        <p14:creationId xmlns="" xmlns:p14="http://schemas.microsoft.com/office/powerpoint/2010/main" val="51523331"/>
+        <p14:creationId xmlns:p14="http://schemas.microsoft.com/office/powerpoint/2010/main" val="51523331"/>
       </p:ext>
     </p:extLst>
   </p:cSld>
   <p:clrMapOvr>
     <a:masterClrMapping/>
   </p:clrMapOvr>
-  <mc:AlternateContent xmlns:mc="http://schemas.openxmlformats.org/markup-compatibility/2006">
-    <mc:Choice xmlns="" xmlns:p14="http://schemas.microsoft.com/office/powerpoint/2010/main" Requires="p14">
-      <p:transition spd="slow" p14:dur="3400">
+  <mc:AlternateContent xmlns:mc="http://schemas.openxmlformats.org/markup-compatibility/2006" xmlns:p14="http://schemas.microsoft.com/office/powerpoint/2010/main">
+    <mc:Choice Requires="p14">
+      <p:transition spd="slow">
         <p14:reveal/>
       </p:transition>
     </mc:Choice>
-    <mc:Fallback>
+    <mc:Fallback xmlns="">
       <p:transition spd="slow">
         <p:fade/>
       </p:transition>
@@ -9975,7 +9688,7 @@
       </p:sp>
       <p:pic>
         <p:nvPicPr>
-          <p:cNvPr id="2051" name="Picture 3"/>
+          <p:cNvPr id="3074" name="Picture 2"/>
           <p:cNvPicPr>
             <a:picLocks noGrp="1" noChangeAspect="1" noChangeArrowheads="1"/>
           </p:cNvPicPr>
@@ -9985,15 +9698,15 @@
         </p:nvPicPr>
         <p:blipFill>
           <a:blip r:embed="rId2"/>
-          <a:srcRect l="3268" t="6437" r="2681" b="4498"/>
+          <a:srcRect/>
           <a:stretch>
             <a:fillRect/>
           </a:stretch>
         </p:blipFill>
         <p:spPr bwMode="auto">
           <a:xfrm>
-            <a:off x="1279354" y="1702191"/>
-            <a:ext cx="9806794" cy="4543864"/>
+            <a:off x="399816" y="2025748"/>
+            <a:ext cx="11519182" cy="3474720"/>
           </a:xfrm>
           <a:prstGeom prst="rect">
             <a:avLst/>
@@ -10011,20 +9724,20 @@
     </p:spTree>
     <p:extLst>
       <p:ext uri="{BB962C8B-B14F-4D97-AF65-F5344CB8AC3E}">
-        <p14:creationId xmlns="" xmlns:p14="http://schemas.microsoft.com/office/powerpoint/2010/main" val="51523331"/>
+        <p14:creationId xmlns:p14="http://schemas.microsoft.com/office/powerpoint/2010/main" val="51523331"/>
       </p:ext>
     </p:extLst>
   </p:cSld>
   <p:clrMapOvr>
     <a:masterClrMapping/>
   </p:clrMapOvr>
-  <mc:AlternateContent xmlns:mc="http://schemas.openxmlformats.org/markup-compatibility/2006">
-    <mc:Choice xmlns="" xmlns:p14="http://schemas.microsoft.com/office/powerpoint/2010/main" Requires="p14">
-      <p:transition spd="slow" p14:dur="3400">
+  <mc:AlternateContent xmlns:mc="http://schemas.openxmlformats.org/markup-compatibility/2006" xmlns:p14="http://schemas.microsoft.com/office/powerpoint/2010/main">
+    <mc:Choice Requires="p14">
+      <p:transition spd="slow">
         <p14:reveal/>
       </p:transition>
     </mc:Choice>
-    <mc:Fallback>
+    <mc:Fallback xmlns="">
       <p:transition spd="slow">
         <p:fade/>
       </p:transition>
@@ -10059,7 +9772,7 @@
       </p:grpSpPr>
       <p:sp>
         <p:nvSpPr>
-          <p:cNvPr id="3" name="Título 2"/>
+          <p:cNvPr id="3" name="2 Título"/>
           <p:cNvSpPr>
             <a:spLocks noGrp="1"/>
           </p:cNvSpPr>
@@ -10082,7 +9795,7 @@
       </p:sp>
       <p:sp>
         <p:nvSpPr>
-          <p:cNvPr id="4" name="Marcador de pie de página 3"/>
+          <p:cNvPr id="4" name="3 Marcador de pie de página"/>
           <p:cNvSpPr>
             <a:spLocks noGrp="1"/>
           </p:cNvSpPr>
@@ -10105,7 +9818,7 @@
       </p:sp>
       <p:sp>
         <p:nvSpPr>
-          <p:cNvPr id="5" name="Marcador de número de diapositiva 4"/>
+          <p:cNvPr id="5" name="4 Marcador de número de diapositiva"/>
           <p:cNvSpPr>
             <a:spLocks noGrp="1"/>
           </p:cNvSpPr>
@@ -10129,7 +9842,7 @@
       </p:sp>
       <p:pic>
         <p:nvPicPr>
-          <p:cNvPr id="3074" name="Picture 2"/>
+          <p:cNvPr id="4098" name="Picture 2"/>
           <p:cNvPicPr>
             <a:picLocks noGrp="1" noChangeAspect="1" noChangeArrowheads="1"/>
           </p:cNvPicPr>
@@ -10146,8 +9859,8 @@
         </p:blipFill>
         <p:spPr bwMode="auto">
           <a:xfrm>
-            <a:off x="399816" y="2025748"/>
-            <a:ext cx="11519182" cy="3474720"/>
+            <a:off x="3344862" y="1600994"/>
+            <a:ext cx="5495925" cy="4686300"/>
           </a:xfrm>
           <a:prstGeom prst="rect">
             <a:avLst/>
@@ -10163,22 +9876,17 @@
         </p:spPr>
       </p:pic>
     </p:spTree>
-    <p:extLst>
-      <p:ext uri="{BB962C8B-B14F-4D97-AF65-F5344CB8AC3E}">
-        <p14:creationId xmlns="" xmlns:p14="http://schemas.microsoft.com/office/powerpoint/2010/main" val="51523331"/>
-      </p:ext>
-    </p:extLst>
   </p:cSld>
   <p:clrMapOvr>
     <a:masterClrMapping/>
   </p:clrMapOvr>
-  <mc:AlternateContent xmlns:mc="http://schemas.openxmlformats.org/markup-compatibility/2006">
-    <mc:Choice xmlns="" xmlns:p14="http://schemas.microsoft.com/office/powerpoint/2010/main" Requires="p14">
-      <p:transition spd="slow" p14:dur="3400">
+  <mc:AlternateContent xmlns:mc="http://schemas.openxmlformats.org/markup-compatibility/2006" xmlns:p14="http://schemas.microsoft.com/office/powerpoint/2010/main">
+    <mc:Choice Requires="p14">
+      <p:transition spd="slow">
         <p14:reveal/>
       </p:transition>
     </mc:Choice>
-    <mc:Fallback>
+    <mc:Fallback xmlns="">
       <p:transition spd="slow">
         <p:fade/>
       </p:transition>
@@ -10228,7 +9936,7 @@
           <a:p>
             <a:r>
               <a:rPr lang="es-AR" dirty="0" smtClean="0"/>
-              <a:t>Gestión de Riesgos</a:t>
+              <a:t>Estimación de Iteración</a:t>
             </a:r>
             <a:endParaRPr lang="es-AR" dirty="0"/>
           </a:p>
@@ -10283,7 +9991,7 @@
       </p:sp>
       <p:pic>
         <p:nvPicPr>
-          <p:cNvPr id="4098" name="Picture 2"/>
+          <p:cNvPr id="1026" name="Picture 2"/>
           <p:cNvPicPr>
             <a:picLocks noGrp="1" noChangeAspect="1" noChangeArrowheads="1"/>
           </p:cNvPicPr>
@@ -10300,8 +10008,8 @@
         </p:blipFill>
         <p:spPr bwMode="auto">
           <a:xfrm>
-            <a:off x="3344862" y="1600994"/>
-            <a:ext cx="5495925" cy="4686300"/>
+            <a:off x="1914556" y="1994487"/>
+            <a:ext cx="8074873" cy="2784975"/>
           </a:xfrm>
           <a:prstGeom prst="rect">
             <a:avLst/>
@@ -10316,11 +10024,198 @@
           <a:effectLst/>
         </p:spPr>
       </p:pic>
+      <p:sp>
+        <p:nvSpPr>
+          <p:cNvPr id="7" name="6 Rectángulo"/>
+          <p:cNvSpPr/>
+          <p:nvPr/>
+        </p:nvSpPr>
+        <p:spPr>
+          <a:xfrm>
+            <a:off x="1223890" y="4839286"/>
+            <a:ext cx="9819248" cy="1477328"/>
+          </a:xfrm>
+          <a:prstGeom prst="rect">
+            <a:avLst/>
+          </a:prstGeom>
+        </p:spPr>
+        <p:txBody>
+          <a:bodyPr wrap="square">
+            <a:spAutoFit/>
+          </a:bodyPr>
+          <a:lstStyle/>
+          <a:p>
+            <a:r>
+              <a:rPr lang="es-AR" b="1" i="1" u="sng" dirty="0" smtClean="0">
+                <a:solidFill>
+                  <a:schemeClr val="bg1"/>
+                </a:solidFill>
+              </a:rPr>
+              <a:t>FORMULA</a:t>
+            </a:r>
+            <a:r>
+              <a:rPr lang="es-AR" dirty="0" smtClean="0">
+                <a:solidFill>
+                  <a:schemeClr val="bg1"/>
+                </a:solidFill>
+              </a:rPr>
+              <a:t>: Total horas hombres / (horas semanales (</a:t>
+            </a:r>
+            <a:r>
+              <a:rPr lang="es-AR" dirty="0" err="1" smtClean="0">
+                <a:solidFill>
+                  <a:schemeClr val="bg1"/>
+                </a:solidFill>
+              </a:rPr>
+              <a:t>part</a:t>
+            </a:r>
+            <a:r>
+              <a:rPr lang="es-AR" dirty="0" smtClean="0">
+                <a:solidFill>
+                  <a:schemeClr val="bg1"/>
+                </a:solidFill>
+              </a:rPr>
+              <a:t>-time)*personas) =  semanas</a:t>
+            </a:r>
+          </a:p>
+          <a:p>
+            <a:r>
+              <a:rPr lang="es-AR" dirty="0" smtClean="0">
+                <a:solidFill>
+                  <a:schemeClr val="bg1"/>
+                </a:solidFill>
+              </a:rPr>
+              <a:t>                         3750/(20*3)= 62.5 semanas</a:t>
+            </a:r>
+          </a:p>
+          <a:p>
+            <a:r>
+              <a:rPr lang="es-AR" b="1" i="1" u="sng" dirty="0" smtClean="0">
+                <a:solidFill>
+                  <a:schemeClr val="bg1"/>
+                </a:solidFill>
+              </a:rPr>
+              <a:t>FORMULA</a:t>
+            </a:r>
+            <a:r>
+              <a:rPr lang="es-AR" dirty="0" smtClean="0">
+                <a:solidFill>
+                  <a:schemeClr val="bg1"/>
+                </a:solidFill>
+              </a:rPr>
+              <a:t>: Semanas / semanas que tiene un mes=meses</a:t>
+            </a:r>
+          </a:p>
+          <a:p>
+            <a:r>
+              <a:rPr lang="es-AR" dirty="0" smtClean="0">
+                <a:solidFill>
+                  <a:schemeClr val="bg1"/>
+                </a:solidFill>
+              </a:rPr>
+              <a:t>                          62,5 / 4= 15,6 meses</a:t>
+            </a:r>
+          </a:p>
+          <a:p>
+            <a:r>
+              <a:rPr lang="es-AR" b="1" i="1" u="sng" dirty="0" smtClean="0">
+                <a:solidFill>
+                  <a:schemeClr val="bg1"/>
+                </a:solidFill>
+              </a:rPr>
+              <a:t>Estimación en años</a:t>
+            </a:r>
+            <a:r>
+              <a:rPr lang="es-AR" b="1" i="1" dirty="0" smtClean="0">
+                <a:solidFill>
+                  <a:schemeClr val="bg1"/>
+                </a:solidFill>
+              </a:rPr>
+              <a:t>: </a:t>
+            </a:r>
+            <a:r>
+              <a:rPr lang="es-AR" dirty="0" smtClean="0">
+                <a:solidFill>
+                  <a:schemeClr val="bg1"/>
+                </a:solidFill>
+              </a:rPr>
+              <a:t>15,6 / 12 = </a:t>
+            </a:r>
+            <a:r>
+              <a:rPr lang="es-AR" b="1" dirty="0" smtClean="0">
+                <a:solidFill>
+                  <a:schemeClr val="bg1"/>
+                </a:solidFill>
+              </a:rPr>
+              <a:t>1 años y 3 meses</a:t>
+            </a:r>
+            <a:r>
+              <a:rPr lang="es-AR" dirty="0" smtClean="0">
+                <a:solidFill>
+                  <a:schemeClr val="bg1"/>
+                </a:solidFill>
+              </a:rPr>
+              <a:t>.</a:t>
+            </a:r>
+            <a:endParaRPr lang="es-AR" dirty="0">
+              <a:solidFill>
+                <a:schemeClr val="bg1"/>
+              </a:solidFill>
+            </a:endParaRPr>
+          </a:p>
+        </p:txBody>
+      </p:sp>
+      <p:sp>
+        <p:nvSpPr>
+          <p:cNvPr id="8" name="7 CuadroTexto"/>
+          <p:cNvSpPr txBox="1"/>
+          <p:nvPr/>
+        </p:nvSpPr>
+        <p:spPr>
+          <a:xfrm>
+            <a:off x="1477106" y="1529274"/>
+            <a:ext cx="7680961" cy="369332"/>
+          </a:xfrm>
+          <a:prstGeom prst="rect">
+            <a:avLst/>
+          </a:prstGeom>
+          <a:noFill/>
+        </p:spPr>
+        <p:txBody>
+          <a:bodyPr wrap="square" rtlCol="0">
+            <a:spAutoFit/>
+          </a:bodyPr>
+          <a:lstStyle/>
+          <a:p>
+            <a:r>
+              <a:rPr lang="es-AR" b="1" i="1" u="sng" dirty="0" smtClean="0">
+                <a:solidFill>
+                  <a:schemeClr val="bg1"/>
+                </a:solidFill>
+              </a:rPr>
+              <a:t>Estimación del proyecto.</a:t>
+            </a:r>
+            <a:endParaRPr lang="es-AR" b="1" i="1" u="sng" dirty="0"/>
+          </a:p>
+        </p:txBody>
+      </p:sp>
     </p:spTree>
   </p:cSld>
   <p:clrMapOvr>
     <a:masterClrMapping/>
   </p:clrMapOvr>
+  <mc:AlternateContent xmlns:mc="http://schemas.openxmlformats.org/markup-compatibility/2006" xmlns:p14="http://schemas.microsoft.com/office/powerpoint/2010/main">
+    <mc:Choice Requires="p14">
+      <p:transition spd="slow">
+        <p14:reveal/>
+      </p:transition>
+    </mc:Choice>
+    <mc:Fallback xmlns="">
+      <p:transition spd="slow">
+        <p:fade/>
+      </p:transition>
+    </mc:Fallback>
+  </mc:AlternateContent>
   <p:timing>
     <p:tnLst>
       <p:par>
@@ -10365,7 +10260,7 @@
           <a:p>
             <a:r>
               <a:rPr lang="es-AR" dirty="0" smtClean="0"/>
-              <a:t>Estimación de Iteración</a:t>
+              <a:t>Estimación de la Iteración</a:t>
             </a:r>
             <a:endParaRPr lang="es-AR" dirty="0"/>
           </a:p>
@@ -10387,10 +10282,10 @@
           <a:lstStyle/>
           <a:p>
             <a:r>
-              <a:rPr lang="es-AR" sz="1600" dirty="0" smtClean="0"/>
-              <a:t>OYARZO Mariela – QUIROGA Sandra – MÁRQUEZ Emanuel</a:t>
-            </a:r>
-            <a:endParaRPr lang="es-AR" sz="1600" dirty="0"/>
+              <a:rPr lang="es-AR" smtClean="0"/>
+              <a:t>OYARZO Mariela – QUIROGA Sandra – MÁRQUEZ EMANUEL</a:t>
+            </a:r>
+            <a:endParaRPr lang="es-AR" dirty="0"/>
           </a:p>
         </p:txBody>
       </p:sp>
@@ -10420,7 +10315,7 @@
       </p:sp>
       <p:pic>
         <p:nvPicPr>
-          <p:cNvPr id="1026" name="Picture 2"/>
+          <p:cNvPr id="2055" name="Picture 7"/>
           <p:cNvPicPr>
             <a:picLocks noGrp="1" noChangeAspect="1" noChangeArrowheads="1"/>
           </p:cNvPicPr>
@@ -10437,8 +10332,8 @@
         </p:blipFill>
         <p:spPr bwMode="auto">
           <a:xfrm>
-            <a:off x="1914556" y="1994487"/>
-            <a:ext cx="8074873" cy="2784975"/>
+            <a:off x="2293035" y="2869809"/>
+            <a:ext cx="6231987" cy="3123027"/>
           </a:xfrm>
           <a:prstGeom prst="rect">
             <a:avLst/>
@@ -10455,216 +10350,120 @@
       </p:pic>
       <p:sp>
         <p:nvSpPr>
-          <p:cNvPr id="7" name="6 Rectángulo"/>
-          <p:cNvSpPr/>
+          <p:cNvPr id="2056" name="Rectangle 8"/>
+          <p:cNvSpPr>
+            <a:spLocks noChangeArrowheads="1"/>
+          </p:cNvSpPr>
           <p:nvPr/>
         </p:nvSpPr>
-        <p:spPr>
+        <p:spPr bwMode="auto">
           <a:xfrm>
-            <a:off x="1223890" y="4839286"/>
-            <a:ext cx="9819248" cy="1477328"/>
-          </a:xfrm>
-          <a:prstGeom prst="rect">
-            <a:avLst/>
-          </a:prstGeom>
-        </p:spPr>
-        <p:txBody>
-          <a:bodyPr wrap="square">
-            <a:spAutoFit/>
-          </a:bodyPr>
-          <a:lstStyle/>
-          <a:p>
-            <a:r>
-              <a:rPr lang="es-AR" b="1" i="1" u="sng" dirty="0" smtClean="0">
-                <a:solidFill>
-                  <a:schemeClr val="bg1"/>
-                </a:solidFill>
-              </a:rPr>
-              <a:t>FORMULA</a:t>
-            </a:r>
-            <a:r>
-              <a:rPr lang="es-AR" dirty="0" smtClean="0">
-                <a:solidFill>
-                  <a:schemeClr val="bg1"/>
-                </a:solidFill>
-              </a:rPr>
-              <a:t>: Total horas hombres / (horas semanales (</a:t>
-            </a:r>
-            <a:r>
-              <a:rPr lang="es-AR" dirty="0" err="1" smtClean="0">
-                <a:solidFill>
-                  <a:schemeClr val="bg1"/>
-                </a:solidFill>
-              </a:rPr>
-              <a:t>part</a:t>
-            </a:r>
-            <a:r>
-              <a:rPr lang="es-AR" dirty="0" smtClean="0">
-                <a:solidFill>
-                  <a:schemeClr val="bg1"/>
-                </a:solidFill>
-              </a:rPr>
-              <a:t>-time)*personas) =  semanas</a:t>
-            </a:r>
-          </a:p>
-          <a:p>
-            <a:r>
-              <a:rPr lang="es-AR" dirty="0" smtClean="0">
-                <a:solidFill>
-                  <a:schemeClr val="bg1"/>
-                </a:solidFill>
-              </a:rPr>
-              <a:t>                         3750</a:t>
-            </a:r>
-            <a:r>
-              <a:rPr lang="es-AR" dirty="0" smtClean="0">
-                <a:solidFill>
-                  <a:schemeClr val="bg1"/>
-                </a:solidFill>
-              </a:rPr>
-              <a:t>/(20*3)= 62.5 semanas</a:t>
-            </a:r>
-          </a:p>
-          <a:p>
-            <a:r>
-              <a:rPr lang="es-AR" b="1" i="1" u="sng" dirty="0" smtClean="0">
-                <a:solidFill>
-                  <a:schemeClr val="bg1"/>
-                </a:solidFill>
-              </a:rPr>
-              <a:t>FORMULA</a:t>
-            </a:r>
-            <a:r>
-              <a:rPr lang="es-AR" dirty="0" smtClean="0">
-                <a:solidFill>
-                  <a:schemeClr val="bg1"/>
-                </a:solidFill>
-              </a:rPr>
-              <a:t>: Semanas / semanas que tiene un </a:t>
-            </a:r>
-            <a:r>
-              <a:rPr lang="es-AR" dirty="0" smtClean="0">
-                <a:solidFill>
-                  <a:schemeClr val="bg1"/>
-                </a:solidFill>
-              </a:rPr>
-              <a:t>mes=meses</a:t>
-            </a:r>
-          </a:p>
-          <a:p>
-            <a:r>
-              <a:rPr lang="es-AR" dirty="0" smtClean="0">
-                <a:solidFill>
-                  <a:schemeClr val="bg1"/>
-                </a:solidFill>
-              </a:rPr>
-              <a:t> </a:t>
-            </a:r>
-            <a:r>
-              <a:rPr lang="es-AR" dirty="0" smtClean="0">
-                <a:solidFill>
-                  <a:schemeClr val="bg1"/>
-                </a:solidFill>
-              </a:rPr>
-              <a:t>                         62,5 </a:t>
-            </a:r>
-            <a:r>
-              <a:rPr lang="es-AR" dirty="0" smtClean="0">
-                <a:solidFill>
-                  <a:schemeClr val="bg1"/>
-                </a:solidFill>
-              </a:rPr>
-              <a:t>/ 4= 15,6 meses</a:t>
-            </a:r>
-          </a:p>
-          <a:p>
-            <a:r>
-              <a:rPr lang="es-AR" b="1" i="1" u="sng" dirty="0" smtClean="0">
-                <a:solidFill>
-                  <a:schemeClr val="bg1"/>
-                </a:solidFill>
-              </a:rPr>
-              <a:t>Estimación en años</a:t>
-            </a:r>
-            <a:r>
-              <a:rPr lang="es-AR" b="1" i="1" dirty="0" smtClean="0">
-                <a:solidFill>
-                  <a:schemeClr val="bg1"/>
-                </a:solidFill>
-              </a:rPr>
-              <a:t>: </a:t>
-            </a:r>
-            <a:r>
-              <a:rPr lang="es-AR" dirty="0" smtClean="0">
-                <a:solidFill>
-                  <a:schemeClr val="bg1"/>
-                </a:solidFill>
-              </a:rPr>
-              <a:t>15,6 / 12 = </a:t>
-            </a:r>
-            <a:r>
-              <a:rPr lang="es-AR" b="1" dirty="0" smtClean="0">
-                <a:solidFill>
-                  <a:schemeClr val="bg1"/>
-                </a:solidFill>
-              </a:rPr>
-              <a:t>1 años y 3 meses</a:t>
-            </a:r>
-            <a:r>
-              <a:rPr lang="es-AR" dirty="0" smtClean="0">
-                <a:solidFill>
-                  <a:schemeClr val="bg1"/>
-                </a:solidFill>
-              </a:rPr>
-              <a:t>.</a:t>
-            </a:r>
-            <a:endParaRPr lang="es-AR" dirty="0">
-              <a:solidFill>
-                <a:schemeClr val="bg1"/>
-              </a:solidFill>
-            </a:endParaRPr>
-          </a:p>
-        </p:txBody>
-      </p:sp>
-      <p:sp>
-        <p:nvSpPr>
-          <p:cNvPr id="8" name="7 CuadroTexto"/>
-          <p:cNvSpPr txBox="1"/>
-          <p:nvPr/>
-        </p:nvSpPr>
-        <p:spPr>
-          <a:xfrm>
-            <a:off x="1477106" y="1529274"/>
-            <a:ext cx="7680961" cy="369332"/>
+            <a:off x="609599" y="1538068"/>
+            <a:ext cx="11408229" cy="1200329"/>
           </a:xfrm>
           <a:prstGeom prst="rect">
             <a:avLst/>
           </a:prstGeom>
           <a:noFill/>
+          <a:ln w="9525">
+            <a:noFill/>
+            <a:miter lim="800000"/>
+            <a:headEnd/>
+            <a:tailEnd/>
+          </a:ln>
+          <a:effectLst/>
         </p:spPr>
         <p:txBody>
-          <a:bodyPr wrap="square" rtlCol="0">
+          <a:bodyPr vert="horz" wrap="square" lIns="91440" tIns="45720" rIns="91440" bIns="45720" numCol="1" anchor="ctr" anchorCtr="0" compatLnSpc="1">
+            <a:prstTxWarp prst="textNoShape">
+              <a:avLst/>
+            </a:prstTxWarp>
             <a:spAutoFit/>
           </a:bodyPr>
           <a:lstStyle/>
           <a:p>
-            <a:r>
-              <a:rPr lang="es-AR" b="1" i="1" u="sng" dirty="0" smtClean="0">
+            <a:pPr marL="0" marR="0" lvl="0" indent="0" algn="l" defTabSz="914400" rtl="0" eaLnBrk="1" fontAlgn="base" latinLnBrk="0" hangingPunct="1">
+              <a:lnSpc>
+                <a:spcPct val="100000"/>
+              </a:lnSpc>
+              <a:spcBef>
+                <a:spcPct val="0"/>
+              </a:spcBef>
+              <a:spcAft>
+                <a:spcPct val="0"/>
+              </a:spcAft>
+              <a:buClrTx/>
+              <a:buSzTx/>
+              <a:buFontTx/>
+              <a:buNone/>
+              <a:tabLst/>
+            </a:pPr>
+            <a:r>
+              <a:rPr kumimoji="0" lang="es-ES" sz="2400" b="0" i="0" u="none" strike="noStrike" cap="none" normalizeH="0" baseline="0" dirty="0" smtClean="0">
+                <a:ln>
+                  <a:noFill/>
+                </a:ln>
                 <a:solidFill>
                   <a:schemeClr val="bg1"/>
                 </a:solidFill>
+                <a:effectLst/>
+                <a:ea typeface="Calibri" pitchFamily="34" charset="0"/>
+                <a:cs typeface="Times New Roman" pitchFamily="18" charset="0"/>
               </a:rPr>
-              <a:t>Estimación del proyecto</a:t>
-            </a:r>
-            <a:r>
-              <a:rPr lang="es-AR" b="1" i="1" u="sng" dirty="0" smtClean="0">
+              <a:t>Estimación para la fase de construcción, sobre la base de los casos de uso que se han identificado durante la fase de Inicio y considerando los avances de la iteración anterior. </a:t>
+            </a:r>
+            <a:endParaRPr kumimoji="0" lang="es-AR" sz="2400" b="0" i="0" u="none" strike="noStrike" cap="none" normalizeH="0" baseline="0" dirty="0" smtClean="0">
+              <a:ln>
+                <a:noFill/>
+              </a:ln>
+              <a:solidFill>
+                <a:schemeClr val="bg1"/>
+              </a:solidFill>
+              <a:effectLst/>
+              <a:cs typeface="Arial" pitchFamily="34" charset="0"/>
+            </a:endParaRPr>
+          </a:p>
+          <a:p>
+            <a:pPr marL="0" marR="0" lvl="0" indent="0" algn="l" defTabSz="914400" rtl="0" eaLnBrk="0" fontAlgn="base" latinLnBrk="0" hangingPunct="0">
+              <a:lnSpc>
+                <a:spcPct val="100000"/>
+              </a:lnSpc>
+              <a:spcBef>
+                <a:spcPct val="0"/>
+              </a:spcBef>
+              <a:spcAft>
+                <a:spcPct val="0"/>
+              </a:spcAft>
+              <a:buClrTx/>
+              <a:buSzTx/>
+              <a:buFontTx/>
+              <a:buNone/>
+              <a:tabLst/>
+            </a:pPr>
+            <a:r>
+              <a:rPr kumimoji="0" lang="es-ES" sz="2400" b="0" i="0" u="sng" strike="noStrike" cap="none" normalizeH="0" baseline="0" dirty="0" smtClean="0">
+                <a:ln>
+                  <a:noFill/>
+                </a:ln>
                 <a:solidFill>
                   <a:schemeClr val="bg1"/>
                 </a:solidFill>
+                <a:effectLst/>
+                <a:ea typeface="Calibri" pitchFamily="34" charset="0"/>
+                <a:cs typeface="Times New Roman" pitchFamily="18" charset="0"/>
               </a:rPr>
-              <a:t>.</a:t>
-            </a:r>
-            <a:endParaRPr lang="es-AR" b="1" i="1" u="sng" dirty="0"/>
+              <a:t>Estimación Nº 1</a:t>
+            </a:r>
+            <a:endParaRPr kumimoji="0" lang="es-ES" sz="2400" b="0" i="0" u="none" strike="noStrike" cap="none" normalizeH="0" baseline="0" dirty="0" smtClean="0">
+              <a:ln>
+                <a:noFill/>
+              </a:ln>
+              <a:solidFill>
+                <a:schemeClr val="bg1"/>
+              </a:solidFill>
+              <a:effectLst/>
+              <a:cs typeface="Arial" pitchFamily="34" charset="0"/>
+            </a:endParaRPr>
           </a:p>
         </p:txBody>
       </p:sp>
@@ -10673,6 +10472,18 @@
   <p:clrMapOvr>
     <a:masterClrMapping/>
   </p:clrMapOvr>
+  <mc:AlternateContent xmlns:mc="http://schemas.openxmlformats.org/markup-compatibility/2006" xmlns:p14="http://schemas.microsoft.com/office/powerpoint/2010/main">
+    <mc:Choice Requires="p14">
+      <p:transition spd="slow">
+        <p14:reveal/>
+      </p:transition>
+    </mc:Choice>
+    <mc:Fallback xmlns="">
+      <p:transition spd="slow">
+        <p:fade/>
+      </p:transition>
+    </mc:Fallback>
+  </mc:AlternateContent>
   <p:timing>
     <p:tnLst>
       <p:par>
@@ -10772,7 +10583,7 @@
       </p:sp>
       <p:pic>
         <p:nvPicPr>
-          <p:cNvPr id="2055" name="Picture 7"/>
+          <p:cNvPr id="36866" name="Picture 2"/>
           <p:cNvPicPr>
             <a:picLocks noGrp="1" noChangeAspect="1" noChangeArrowheads="1"/>
           </p:cNvPicPr>
@@ -10789,8 +10600,8 @@
         </p:blipFill>
         <p:spPr bwMode="auto">
           <a:xfrm>
-            <a:off x="2293035" y="2869809"/>
-            <a:ext cx="6231987" cy="3123027"/>
+            <a:off x="2827606" y="1491175"/>
+            <a:ext cx="5570806" cy="2787784"/>
           </a:xfrm>
           <a:prstGeom prst="rect">
             <a:avLst/>
@@ -10807,7 +10618,7 @@
       </p:pic>
       <p:sp>
         <p:nvSpPr>
-          <p:cNvPr id="2056" name="Rectangle 8"/>
+          <p:cNvPr id="36867" name="Rectangle 3"/>
           <p:cNvSpPr>
             <a:spLocks noChangeArrowheads="1"/>
           </p:cNvSpPr>
@@ -10815,8 +10626,8 @@
         </p:nvSpPr>
         <p:spPr bwMode="auto">
           <a:xfrm>
-            <a:off x="609599" y="1538068"/>
-            <a:ext cx="11408229" cy="1200329"/>
+            <a:off x="731521" y="4403188"/>
+            <a:ext cx="10452294" cy="1754326"/>
           </a:xfrm>
           <a:prstGeom prst="rect">
             <a:avLst/>
@@ -10839,7 +10650,53 @@
           </a:bodyPr>
           <a:lstStyle/>
           <a:p>
-            <a:pPr marL="0" marR="0" lvl="0" indent="0" algn="l" defTabSz="914400" rtl="0" eaLnBrk="1" fontAlgn="base" latinLnBrk="0" hangingPunct="1">
+            <a:pPr lvl="0" algn="just" eaLnBrk="0" fontAlgn="base" hangingPunct="0">
+              <a:spcBef>
+                <a:spcPct val="0"/>
+              </a:spcBef>
+              <a:spcAft>
+                <a:spcPct val="0"/>
+              </a:spcAft>
+            </a:pPr>
+            <a:r>
+              <a:rPr lang="es-AR" dirty="0" smtClean="0">
+                <a:solidFill>
+                  <a:schemeClr val="bg1"/>
+                </a:solidFill>
+                <a:ea typeface="Calibri" pitchFamily="34" charset="0"/>
+                <a:cs typeface="Times New Roman" pitchFamily="18" charset="0"/>
+              </a:rPr>
+              <a:t>Duración en semanas para cada etapa considerando a un grupo de 3 personas </a:t>
+            </a:r>
+            <a:r>
+              <a:rPr lang="es-AR" dirty="0" err="1" smtClean="0">
+                <a:solidFill>
+                  <a:schemeClr val="bg1"/>
+                </a:solidFill>
+                <a:ea typeface="Calibri" pitchFamily="34" charset="0"/>
+                <a:cs typeface="Times New Roman" pitchFamily="18" charset="0"/>
+              </a:rPr>
+              <a:t>part</a:t>
+            </a:r>
+            <a:r>
+              <a:rPr lang="es-AR" dirty="0" smtClean="0">
+                <a:solidFill>
+                  <a:schemeClr val="bg1"/>
+                </a:solidFill>
+                <a:ea typeface="Calibri" pitchFamily="34" charset="0"/>
+                <a:cs typeface="Times New Roman" pitchFamily="18" charset="0"/>
+              </a:rPr>
+              <a:t>-time (60 horas semanales)</a:t>
+            </a:r>
+            <a:endParaRPr lang="es-AR" dirty="0" smtClean="0">
+              <a:solidFill>
+                <a:schemeClr val="bg1"/>
+              </a:solidFill>
+              <a:cs typeface="Arial" pitchFamily="34" charset="0"/>
+            </a:endParaRPr>
+          </a:p>
+          <a:p>
+            <a:pPr marL="0" marR="0" lvl="0" indent="0" algn="just" defTabSz="914400" rtl="0" eaLnBrk="1" fontAlgn="base" latinLnBrk="0" hangingPunct="1">
               <a:lnSpc>
                 <a:spcPct val="100000"/>
               </a:lnSpc>
@@ -10856,7 +10713,7 @@
               <a:tabLst/>
             </a:pPr>
             <a:r>
-              <a:rPr kumimoji="0" lang="es-ES" sz="2400" b="0" i="0" u="none" strike="noStrike" cap="none" normalizeH="0" baseline="0" dirty="0" smtClean="0">
+              <a:rPr kumimoji="0" lang="es-AR" b="1" i="1" u="sng" strike="noStrike" cap="none" normalizeH="0" baseline="0" dirty="0" smtClean="0">
                 <a:ln>
                   <a:noFill/>
                 </a:ln>
@@ -10867,9 +10724,51 @@
                 <a:ea typeface="Calibri" pitchFamily="34" charset="0"/>
                 <a:cs typeface="Times New Roman" pitchFamily="18" charset="0"/>
               </a:rPr>
-              <a:t>Estimación para la fase de construcción, sobre la base de los casos de uso que se han identificado durante la fase de Inicio y considerando los avances de la iteración anterior. </a:t>
-            </a:r>
-            <a:endParaRPr kumimoji="0" lang="es-AR" sz="2400" b="0" i="0" u="none" strike="noStrike" cap="none" normalizeH="0" baseline="0" dirty="0" smtClean="0">
+              <a:t>FORMULA</a:t>
+            </a:r>
+            <a:r>
+              <a:rPr kumimoji="0" lang="es-AR" b="0" i="0" u="none" strike="noStrike" cap="none" normalizeH="0" baseline="0" dirty="0" smtClean="0">
+                <a:ln>
+                  <a:noFill/>
+                </a:ln>
+                <a:solidFill>
+                  <a:schemeClr val="bg1"/>
+                </a:solidFill>
+                <a:effectLst/>
+                <a:ea typeface="Calibri" pitchFamily="34" charset="0"/>
+                <a:cs typeface="Times New Roman" pitchFamily="18" charset="0"/>
+              </a:rPr>
+              <a:t>: Total horas hombres / (horas semanales (</a:t>
+            </a:r>
+            <a:r>
+              <a:rPr kumimoji="0" lang="es-AR" b="0" i="0" u="none" strike="noStrike" cap="none" normalizeH="0" baseline="0" dirty="0" err="1" smtClean="0">
+                <a:ln>
+                  <a:noFill/>
+                </a:ln>
+                <a:solidFill>
+                  <a:schemeClr val="bg1"/>
+                </a:solidFill>
+                <a:effectLst/>
+                <a:ea typeface="Calibri" pitchFamily="34" charset="0"/>
+                <a:cs typeface="Times New Roman" pitchFamily="18" charset="0"/>
+              </a:rPr>
+              <a:t>part</a:t>
+            </a:r>
+            <a:r>
+              <a:rPr kumimoji="0" lang="es-AR" b="0" i="0" u="none" strike="noStrike" cap="none" normalizeH="0" baseline="0" dirty="0" smtClean="0">
+                <a:ln>
+                  <a:noFill/>
+                </a:ln>
+                <a:solidFill>
+                  <a:schemeClr val="bg1"/>
+                </a:solidFill>
+                <a:effectLst/>
+                <a:ea typeface="Calibri" pitchFamily="34" charset="0"/>
+                <a:cs typeface="Times New Roman" pitchFamily="18" charset="0"/>
+              </a:rPr>
+              <a:t>-time)*personas) =  semanas</a:t>
+            </a:r>
+            <a:endParaRPr kumimoji="0" lang="es-AR" b="0" i="0" u="none" strike="noStrike" cap="none" normalizeH="0" baseline="0" dirty="0" smtClean="0">
               <a:ln>
                 <a:noFill/>
               </a:ln>
@@ -10881,7 +10780,7 @@
             </a:endParaRPr>
           </a:p>
           <a:p>
-            <a:pPr marL="0" marR="0" lvl="0" indent="0" algn="l" defTabSz="914400" rtl="0" eaLnBrk="0" fontAlgn="base" latinLnBrk="0" hangingPunct="0">
+            <a:pPr marL="0" marR="0" lvl="0" indent="0" algn="just" defTabSz="914400" rtl="0" eaLnBrk="0" fontAlgn="base" latinLnBrk="0" hangingPunct="0">
               <a:lnSpc>
                 <a:spcPct val="100000"/>
               </a:lnSpc>
@@ -10898,7 +10797,7 @@
               <a:tabLst/>
             </a:pPr>
             <a:r>
-              <a:rPr kumimoji="0" lang="es-ES" sz="2400" b="0" i="0" u="sng" strike="noStrike" cap="none" normalizeH="0" baseline="0" dirty="0" smtClean="0">
+              <a:rPr kumimoji="0" lang="es-AR" b="0" i="0" u="none" strike="noStrike" cap="none" normalizeH="0" baseline="0" dirty="0" smtClean="0">
                 <a:ln>
                   <a:noFill/>
                 </a:ln>
@@ -10909,9 +10808,9 @@
                 <a:ea typeface="Calibri" pitchFamily="34" charset="0"/>
                 <a:cs typeface="Times New Roman" pitchFamily="18" charset="0"/>
               </a:rPr>
-              <a:t>Estimación Nº 1</a:t>
-            </a:r>
-            <a:endParaRPr kumimoji="0" lang="es-ES" sz="2400" b="0" i="0" u="none" strike="noStrike" cap="none" normalizeH="0" baseline="0" dirty="0" smtClean="0">
+              <a:t>                          1682.5 /(20*3)= 28,04 semanas</a:t>
+            </a:r>
+            <a:endParaRPr kumimoji="0" lang="es-AR" b="0" i="0" u="none" strike="noStrike" cap="none" normalizeH="0" baseline="0" dirty="0" smtClean="0">
               <a:ln>
                 <a:noFill/>
               </a:ln>
@@ -10922,6 +10821,160 @@
               <a:cs typeface="Arial" pitchFamily="34" charset="0"/>
             </a:endParaRPr>
           </a:p>
+          <a:p>
+            <a:pPr marL="0" marR="0" lvl="0" indent="0" algn="just" defTabSz="914400" rtl="0" eaLnBrk="0" fontAlgn="base" latinLnBrk="0" hangingPunct="0">
+              <a:lnSpc>
+                <a:spcPct val="100000"/>
+              </a:lnSpc>
+              <a:spcBef>
+                <a:spcPct val="0"/>
+              </a:spcBef>
+              <a:spcAft>
+                <a:spcPct val="0"/>
+              </a:spcAft>
+              <a:buClrTx/>
+              <a:buSzTx/>
+              <a:buFontTx/>
+              <a:buNone/>
+              <a:tabLst/>
+            </a:pPr>
+            <a:r>
+              <a:rPr kumimoji="0" lang="es-AR" b="1" i="1" u="sng" strike="noStrike" cap="none" normalizeH="0" baseline="0" dirty="0" smtClean="0">
+                <a:ln>
+                  <a:noFill/>
+                </a:ln>
+                <a:solidFill>
+                  <a:schemeClr val="bg1"/>
+                </a:solidFill>
+                <a:effectLst/>
+                <a:ea typeface="Calibri" pitchFamily="34" charset="0"/>
+                <a:cs typeface="Times New Roman" pitchFamily="18" charset="0"/>
+              </a:rPr>
+              <a:t>FORMULA</a:t>
+            </a:r>
+            <a:r>
+              <a:rPr kumimoji="0" lang="es-AR" b="0" i="0" u="none" strike="noStrike" cap="none" normalizeH="0" baseline="0" dirty="0" smtClean="0">
+                <a:ln>
+                  <a:noFill/>
+                </a:ln>
+                <a:solidFill>
+                  <a:schemeClr val="bg1"/>
+                </a:solidFill>
+                <a:effectLst/>
+                <a:ea typeface="Calibri" pitchFamily="34" charset="0"/>
+                <a:cs typeface="Times New Roman" pitchFamily="18" charset="0"/>
+              </a:rPr>
+              <a:t>: Semanas / semanas que tiene un mes=meses</a:t>
+            </a:r>
+            <a:endParaRPr kumimoji="0" lang="es-AR" b="0" i="0" u="none" strike="noStrike" cap="none" normalizeH="0" baseline="0" dirty="0" smtClean="0">
+              <a:ln>
+                <a:noFill/>
+              </a:ln>
+              <a:solidFill>
+                <a:schemeClr val="bg1"/>
+              </a:solidFill>
+              <a:effectLst/>
+              <a:cs typeface="Arial" pitchFamily="34" charset="0"/>
+            </a:endParaRPr>
+          </a:p>
+          <a:p>
+            <a:pPr marL="0" marR="0" lvl="0" indent="0" algn="just" defTabSz="914400" rtl="0" eaLnBrk="0" fontAlgn="base" latinLnBrk="0" hangingPunct="0">
+              <a:lnSpc>
+                <a:spcPct val="100000"/>
+              </a:lnSpc>
+              <a:spcBef>
+                <a:spcPct val="0"/>
+              </a:spcBef>
+              <a:spcAft>
+                <a:spcPct val="0"/>
+              </a:spcAft>
+              <a:buClrTx/>
+              <a:buSzTx/>
+              <a:buFontTx/>
+              <a:buNone/>
+              <a:tabLst/>
+            </a:pPr>
+            <a:r>
+              <a:rPr kumimoji="0" lang="es-AR" b="0" i="0" u="none" strike="noStrike" cap="none" normalizeH="0" baseline="0" dirty="0" smtClean="0">
+                <a:ln>
+                  <a:noFill/>
+                </a:ln>
+                <a:solidFill>
+                  <a:schemeClr val="bg1"/>
+                </a:solidFill>
+                <a:effectLst/>
+                <a:ea typeface="Calibri" pitchFamily="34" charset="0"/>
+                <a:cs typeface="Times New Roman" pitchFamily="18" charset="0"/>
+              </a:rPr>
+              <a:t>                         28,04 / 4= 7 meses</a:t>
+            </a:r>
+            <a:endParaRPr kumimoji="0" lang="es-AR" b="0" i="0" u="none" strike="noStrike" cap="none" normalizeH="0" baseline="0" dirty="0" smtClean="0">
+              <a:ln>
+                <a:noFill/>
+              </a:ln>
+              <a:solidFill>
+                <a:schemeClr val="bg1"/>
+              </a:solidFill>
+              <a:effectLst/>
+              <a:cs typeface="Arial" pitchFamily="34" charset="0"/>
+            </a:endParaRPr>
+          </a:p>
+          <a:p>
+            <a:pPr marL="0" marR="0" lvl="0" indent="0" algn="just" defTabSz="914400" rtl="0" eaLnBrk="0" fontAlgn="base" latinLnBrk="0" hangingPunct="0">
+              <a:lnSpc>
+                <a:spcPct val="100000"/>
+              </a:lnSpc>
+              <a:spcBef>
+                <a:spcPct val="0"/>
+              </a:spcBef>
+              <a:spcAft>
+                <a:spcPct val="0"/>
+              </a:spcAft>
+              <a:buClrTx/>
+              <a:buSzTx/>
+              <a:buFontTx/>
+              <a:buNone/>
+              <a:tabLst/>
+            </a:pPr>
+            <a:r>
+              <a:rPr kumimoji="0" lang="es-AR" b="1" i="1" u="sng" strike="noStrike" cap="none" normalizeH="0" baseline="0" dirty="0" smtClean="0">
+                <a:ln>
+                  <a:noFill/>
+                </a:ln>
+                <a:solidFill>
+                  <a:schemeClr val="bg1"/>
+                </a:solidFill>
+                <a:effectLst/>
+                <a:ea typeface="Calibri" pitchFamily="34" charset="0"/>
+                <a:cs typeface="Times New Roman" pitchFamily="18" charset="0"/>
+              </a:rPr>
+              <a:t>Estimación en meses</a:t>
+            </a:r>
+            <a:r>
+              <a:rPr kumimoji="0" lang="es-AR" b="1" i="1" u="none" strike="noStrike" cap="none" normalizeH="0" baseline="0" dirty="0" smtClean="0">
+                <a:ln>
+                  <a:noFill/>
+                </a:ln>
+                <a:solidFill>
+                  <a:schemeClr val="bg1"/>
+                </a:solidFill>
+                <a:effectLst/>
+                <a:ea typeface="Calibri" pitchFamily="34" charset="0"/>
+                <a:cs typeface="Times New Roman" pitchFamily="18" charset="0"/>
+              </a:rPr>
+              <a:t>: 7 meses</a:t>
+            </a:r>
+            <a:endParaRPr kumimoji="0" lang="es-AR" b="0" i="0" u="none" strike="noStrike" cap="none" normalizeH="0" baseline="0" dirty="0" smtClean="0">
+              <a:ln>
+                <a:noFill/>
+              </a:ln>
+              <a:solidFill>
+                <a:schemeClr val="bg1"/>
+              </a:solidFill>
+              <a:effectLst/>
+              <a:cs typeface="Arial" pitchFamily="34" charset="0"/>
+            </a:endParaRPr>
+          </a:p>
         </p:txBody>
       </p:sp>
     </p:spTree>
@@ -10929,6 +10982,25 @@
   <p:clrMapOvr>
     <a:masterClrMapping/>
   </p:clrMapOvr>
+  <mc:AlternateContent xmlns:mc="http://schemas.openxmlformats.org/markup-compatibility/2006" xmlns:p14="http://schemas.microsoft.com/office/powerpoint/2010/main">
+    <mc:Choice Requires="p14">
+      <p:transition spd="slow">
+        <p14:reveal/>
+      </p:transition>
+    </mc:Choice>
+    <mc:Fallback xmlns="">
+      <p:transition spd="slow">
+        <p:fade/>
+      </p:transition>
+    </mc:Fallback>
+  </mc:AlternateContent>
+  <p:timing>
+    <p:tnLst>
+      <p:par>
+        <p:cTn id="1" dur="indefinite" restart="never" nodeType="tmRoot"/>
+      </p:par>
+    </p:tnLst>
+  </p:timing>
 </p:sld>
 </file>
 
@@ -11187,7 +11259,7 @@
   <a:extraClrSchemeLst/>
   <a:extLst>
     <a:ext uri="{05A4C25C-085E-4340-85A3-A5531E510DB2}">
-      <thm15:themeFamily xmlns="" xmlns:thm15="http://schemas.microsoft.com/office/thememl/2012/main" name="Depth" id="{7BEAFC2A-325C-49C4-AC08-2B765DA903F9}" vid="{1735E755-43E6-43AA-ABA2-C989ECC79AF5}"/>
+      <thm15:themeFamily xmlns:thm15="http://schemas.microsoft.com/office/thememl/2012/main" name="Depth" id="{7BEAFC2A-325C-49C4-AC08-2B765DA903F9}" vid="{1735E755-43E6-43AA-ABA2-C989ECC79AF5}"/>
     </a:ext>
   </a:extLst>
 </a:theme>
